--- a/paper/scperb_draft3.pptx
+++ b/paper/scperb_draft3.pptx
@@ -4,11 +4,15 @@
   <p:sldMasterIdLst>
     <p:sldMasterId id="2147483648" r:id="rId1"/>
   </p:sldMasterIdLst>
+  <p:notesMasterIdLst>
+    <p:notesMasterId r:id="rId7"/>
+  </p:notesMasterIdLst>
   <p:sldIdLst>
-    <p:sldId id="257" r:id="rId2"/>
-    <p:sldId id="258" r:id="rId3"/>
-    <p:sldId id="256" r:id="rId4"/>
-    <p:sldId id="259" r:id="rId5"/>
+    <p:sldId id="261" r:id="rId2"/>
+    <p:sldId id="257" r:id="rId3"/>
+    <p:sldId id="258" r:id="rId4"/>
+    <p:sldId id="256" r:id="rId5"/>
+    <p:sldId id="259" r:id="rId6"/>
   </p:sldIdLst>
   <p:sldSz cx="12192000" cy="6858000"/>
   <p:notesSz cx="6858000" cy="9144000"/>
@@ -2755,6 +2759,446 @@
 </cs:chartStyle>
 </file>
 
+<file path=ppt/notesMasters/notesMaster1.xml><?xml version="1.0" encoding="utf-8"?>
+<p:notesMaster xmlns:a="http://schemas.openxmlformats.org/drawingml/2006/main" xmlns:r="http://schemas.openxmlformats.org/officeDocument/2006/relationships" xmlns:p="http://schemas.openxmlformats.org/presentationml/2006/main">
+  <p:cSld>
+    <p:bg>
+      <p:bgRef idx="1001">
+        <a:schemeClr val="bg1"/>
+      </p:bgRef>
+    </p:bg>
+    <p:spTree>
+      <p:nvGrpSpPr>
+        <p:cNvPr id="1" name=""/>
+        <p:cNvGrpSpPr/>
+        <p:nvPr/>
+      </p:nvGrpSpPr>
+      <p:grpSpPr>
+        <a:xfrm>
+          <a:off x="0" y="0"/>
+          <a:ext cx="0" cy="0"/>
+          <a:chOff x="0" y="0"/>
+          <a:chExt cx="0" cy="0"/>
+        </a:xfrm>
+      </p:grpSpPr>
+      <p:sp>
+        <p:nvSpPr>
+          <p:cNvPr id="2" name="页眉占位符 1"/>
+          <p:cNvSpPr>
+            <a:spLocks noGrp="1"/>
+          </p:cNvSpPr>
+          <p:nvPr>
+            <p:ph type="hdr" sz="quarter"/>
+          </p:nvPr>
+        </p:nvSpPr>
+        <p:spPr>
+          <a:xfrm>
+            <a:off x="0" y="0"/>
+            <a:ext cx="2971800" cy="458788"/>
+          </a:xfrm>
+          <a:prstGeom prst="rect">
+            <a:avLst/>
+          </a:prstGeom>
+        </p:spPr>
+        <p:txBody>
+          <a:bodyPr vert="horz" lIns="91440" tIns="45720" rIns="91440" bIns="45720" rtlCol="0"/>
+          <a:lstStyle>
+            <a:lvl1pPr algn="l">
+              <a:defRPr sz="1200"/>
+            </a:lvl1pPr>
+          </a:lstStyle>
+          <a:p>
+            <a:endParaRPr kumimoji="1" lang="zh-CN" altLang="en-US"/>
+          </a:p>
+        </p:txBody>
+      </p:sp>
+      <p:sp>
+        <p:nvSpPr>
+          <p:cNvPr id="3" name="日期占位符 2"/>
+          <p:cNvSpPr>
+            <a:spLocks noGrp="1"/>
+          </p:cNvSpPr>
+          <p:nvPr>
+            <p:ph type="dt" idx="1"/>
+          </p:nvPr>
+        </p:nvSpPr>
+        <p:spPr>
+          <a:xfrm>
+            <a:off x="3884613" y="0"/>
+            <a:ext cx="2971800" cy="458788"/>
+          </a:xfrm>
+          <a:prstGeom prst="rect">
+            <a:avLst/>
+          </a:prstGeom>
+        </p:spPr>
+        <p:txBody>
+          <a:bodyPr vert="horz" lIns="91440" tIns="45720" rIns="91440" bIns="45720" rtlCol="0"/>
+          <a:lstStyle>
+            <a:lvl1pPr algn="r">
+              <a:defRPr sz="1200"/>
+            </a:lvl1pPr>
+          </a:lstStyle>
+          <a:p>
+            <a:fld id="{75322447-D5FC-F74C-A8E9-DAA2D158B9DD}" type="datetimeFigureOut">
+              <a:rPr kumimoji="1" lang="zh-CN" altLang="en-US" smtClean="0"/>
+              <a:t>2023/8/11</a:t>
+            </a:fld>
+            <a:endParaRPr kumimoji="1" lang="zh-CN" altLang="en-US"/>
+          </a:p>
+        </p:txBody>
+      </p:sp>
+      <p:sp>
+        <p:nvSpPr>
+          <p:cNvPr id="4" name="幻灯片图像占位符 3"/>
+          <p:cNvSpPr>
+            <a:spLocks noGrp="1" noRot="1" noChangeAspect="1"/>
+          </p:cNvSpPr>
+          <p:nvPr>
+            <p:ph type="sldImg" idx="2"/>
+          </p:nvPr>
+        </p:nvSpPr>
+        <p:spPr>
+          <a:xfrm>
+            <a:off x="685800" y="1143000"/>
+            <a:ext cx="5486400" cy="3086100"/>
+          </a:xfrm>
+          <a:prstGeom prst="rect">
+            <a:avLst/>
+          </a:prstGeom>
+          <a:noFill/>
+          <a:ln w="12700">
+            <a:solidFill>
+              <a:prstClr val="black"/>
+            </a:solidFill>
+          </a:ln>
+        </p:spPr>
+        <p:txBody>
+          <a:bodyPr vert="horz" lIns="91440" tIns="45720" rIns="91440" bIns="45720" rtlCol="0" anchor="ctr"/>
+          <a:lstStyle/>
+          <a:p>
+            <a:endParaRPr lang="zh-CN" altLang="en-US"/>
+          </a:p>
+        </p:txBody>
+      </p:sp>
+      <p:sp>
+        <p:nvSpPr>
+          <p:cNvPr id="5" name="备注占位符 4"/>
+          <p:cNvSpPr>
+            <a:spLocks noGrp="1"/>
+          </p:cNvSpPr>
+          <p:nvPr>
+            <p:ph type="body" sz="quarter" idx="3"/>
+          </p:nvPr>
+        </p:nvSpPr>
+        <p:spPr>
+          <a:xfrm>
+            <a:off x="685800" y="4400550"/>
+            <a:ext cx="5486400" cy="3600450"/>
+          </a:xfrm>
+          <a:prstGeom prst="rect">
+            <a:avLst/>
+          </a:prstGeom>
+        </p:spPr>
+        <p:txBody>
+          <a:bodyPr vert="horz" lIns="91440" tIns="45720" rIns="91440" bIns="45720" rtlCol="0"/>
+          <a:lstStyle/>
+          <a:p>
+            <a:pPr lvl="0"/>
+            <a:r>
+              <a:rPr kumimoji="1" lang="zh-CN" altLang="en-US"/>
+              <a:t>单击此处编辑母版文本样式</a:t>
+            </a:r>
+          </a:p>
+          <a:p>
+            <a:pPr lvl="1"/>
+            <a:r>
+              <a:rPr kumimoji="1" lang="zh-CN" altLang="en-US"/>
+              <a:t>二级</a:t>
+            </a:r>
+          </a:p>
+          <a:p>
+            <a:pPr lvl="2"/>
+            <a:r>
+              <a:rPr kumimoji="1" lang="zh-CN" altLang="en-US"/>
+              <a:t>三级</a:t>
+            </a:r>
+          </a:p>
+          <a:p>
+            <a:pPr lvl="3"/>
+            <a:r>
+              <a:rPr kumimoji="1" lang="zh-CN" altLang="en-US"/>
+              <a:t>四级</a:t>
+            </a:r>
+          </a:p>
+          <a:p>
+            <a:pPr lvl="4"/>
+            <a:r>
+              <a:rPr kumimoji="1" lang="zh-CN" altLang="en-US"/>
+              <a:t>五级</a:t>
+            </a:r>
+          </a:p>
+        </p:txBody>
+      </p:sp>
+      <p:sp>
+        <p:nvSpPr>
+          <p:cNvPr id="6" name="页脚占位符 5"/>
+          <p:cNvSpPr>
+            <a:spLocks noGrp="1"/>
+          </p:cNvSpPr>
+          <p:nvPr>
+            <p:ph type="ftr" sz="quarter" idx="4"/>
+          </p:nvPr>
+        </p:nvSpPr>
+        <p:spPr>
+          <a:xfrm>
+            <a:off x="0" y="8685213"/>
+            <a:ext cx="2971800" cy="458787"/>
+          </a:xfrm>
+          <a:prstGeom prst="rect">
+            <a:avLst/>
+          </a:prstGeom>
+        </p:spPr>
+        <p:txBody>
+          <a:bodyPr vert="horz" lIns="91440" tIns="45720" rIns="91440" bIns="45720" rtlCol="0" anchor="b"/>
+          <a:lstStyle>
+            <a:lvl1pPr algn="l">
+              <a:defRPr sz="1200"/>
+            </a:lvl1pPr>
+          </a:lstStyle>
+          <a:p>
+            <a:endParaRPr kumimoji="1" lang="zh-CN" altLang="en-US"/>
+          </a:p>
+        </p:txBody>
+      </p:sp>
+      <p:sp>
+        <p:nvSpPr>
+          <p:cNvPr id="7" name="灯片编号占位符 6"/>
+          <p:cNvSpPr>
+            <a:spLocks noGrp="1"/>
+          </p:cNvSpPr>
+          <p:nvPr>
+            <p:ph type="sldNum" sz="quarter" idx="5"/>
+          </p:nvPr>
+        </p:nvSpPr>
+        <p:spPr>
+          <a:xfrm>
+            <a:off x="3884613" y="8685213"/>
+            <a:ext cx="2971800" cy="458787"/>
+          </a:xfrm>
+          <a:prstGeom prst="rect">
+            <a:avLst/>
+          </a:prstGeom>
+        </p:spPr>
+        <p:txBody>
+          <a:bodyPr vert="horz" lIns="91440" tIns="45720" rIns="91440" bIns="45720" rtlCol="0" anchor="b"/>
+          <a:lstStyle>
+            <a:lvl1pPr algn="r">
+              <a:defRPr sz="1200"/>
+            </a:lvl1pPr>
+          </a:lstStyle>
+          <a:p>
+            <a:fld id="{7FC12523-B567-FB4A-A9AF-D118D0417C04}" type="slidenum">
+              <a:rPr kumimoji="1" lang="zh-CN" altLang="en-US" smtClean="0"/>
+              <a:t>‹#›</a:t>
+            </a:fld>
+            <a:endParaRPr kumimoji="1" lang="zh-CN" altLang="en-US"/>
+          </a:p>
+        </p:txBody>
+      </p:sp>
+    </p:spTree>
+    <p:extLst>
+      <p:ext uri="{BB962C8B-B14F-4D97-AF65-F5344CB8AC3E}">
+        <p14:creationId xmlns:p14="http://schemas.microsoft.com/office/powerpoint/2010/main" val="1237018863"/>
+      </p:ext>
+    </p:extLst>
+  </p:cSld>
+  <p:clrMap bg1="lt1" tx1="dk1" bg2="lt2" tx2="dk2" accent1="accent1" accent2="accent2" accent3="accent3" accent4="accent4" accent5="accent5" accent6="accent6" hlink="hlink" folHlink="folHlink"/>
+  <p:notesStyle>
+    <a:lvl1pPr marL="0" algn="l" defTabSz="914400" rtl="0" eaLnBrk="1" latinLnBrk="0" hangingPunct="1">
+      <a:defRPr sz="1200" kern="1200">
+        <a:solidFill>
+          <a:schemeClr val="tx1"/>
+        </a:solidFill>
+        <a:latin typeface="+mn-lt"/>
+        <a:ea typeface="+mn-ea"/>
+        <a:cs typeface="+mn-cs"/>
+      </a:defRPr>
+    </a:lvl1pPr>
+    <a:lvl2pPr marL="457200" algn="l" defTabSz="914400" rtl="0" eaLnBrk="1" latinLnBrk="0" hangingPunct="1">
+      <a:defRPr sz="1200" kern="1200">
+        <a:solidFill>
+          <a:schemeClr val="tx1"/>
+        </a:solidFill>
+        <a:latin typeface="+mn-lt"/>
+        <a:ea typeface="+mn-ea"/>
+        <a:cs typeface="+mn-cs"/>
+      </a:defRPr>
+    </a:lvl2pPr>
+    <a:lvl3pPr marL="914400" algn="l" defTabSz="914400" rtl="0" eaLnBrk="1" latinLnBrk="0" hangingPunct="1">
+      <a:defRPr sz="1200" kern="1200">
+        <a:solidFill>
+          <a:schemeClr val="tx1"/>
+        </a:solidFill>
+        <a:latin typeface="+mn-lt"/>
+        <a:ea typeface="+mn-ea"/>
+        <a:cs typeface="+mn-cs"/>
+      </a:defRPr>
+    </a:lvl3pPr>
+    <a:lvl4pPr marL="1371600" algn="l" defTabSz="914400" rtl="0" eaLnBrk="1" latinLnBrk="0" hangingPunct="1">
+      <a:defRPr sz="1200" kern="1200">
+        <a:solidFill>
+          <a:schemeClr val="tx1"/>
+        </a:solidFill>
+        <a:latin typeface="+mn-lt"/>
+        <a:ea typeface="+mn-ea"/>
+        <a:cs typeface="+mn-cs"/>
+      </a:defRPr>
+    </a:lvl4pPr>
+    <a:lvl5pPr marL="1828800" algn="l" defTabSz="914400" rtl="0" eaLnBrk="1" latinLnBrk="0" hangingPunct="1">
+      <a:defRPr sz="1200" kern="1200">
+        <a:solidFill>
+          <a:schemeClr val="tx1"/>
+        </a:solidFill>
+        <a:latin typeface="+mn-lt"/>
+        <a:ea typeface="+mn-ea"/>
+        <a:cs typeface="+mn-cs"/>
+      </a:defRPr>
+    </a:lvl5pPr>
+    <a:lvl6pPr marL="2286000" algn="l" defTabSz="914400" rtl="0" eaLnBrk="1" latinLnBrk="0" hangingPunct="1">
+      <a:defRPr sz="1200" kern="1200">
+        <a:solidFill>
+          <a:schemeClr val="tx1"/>
+        </a:solidFill>
+        <a:latin typeface="+mn-lt"/>
+        <a:ea typeface="+mn-ea"/>
+        <a:cs typeface="+mn-cs"/>
+      </a:defRPr>
+    </a:lvl6pPr>
+    <a:lvl7pPr marL="2743200" algn="l" defTabSz="914400" rtl="0" eaLnBrk="1" latinLnBrk="0" hangingPunct="1">
+      <a:defRPr sz="1200" kern="1200">
+        <a:solidFill>
+          <a:schemeClr val="tx1"/>
+        </a:solidFill>
+        <a:latin typeface="+mn-lt"/>
+        <a:ea typeface="+mn-ea"/>
+        <a:cs typeface="+mn-cs"/>
+      </a:defRPr>
+    </a:lvl7pPr>
+    <a:lvl8pPr marL="3200400" algn="l" defTabSz="914400" rtl="0" eaLnBrk="1" latinLnBrk="0" hangingPunct="1">
+      <a:defRPr sz="1200" kern="1200">
+        <a:solidFill>
+          <a:schemeClr val="tx1"/>
+        </a:solidFill>
+        <a:latin typeface="+mn-lt"/>
+        <a:ea typeface="+mn-ea"/>
+        <a:cs typeface="+mn-cs"/>
+      </a:defRPr>
+    </a:lvl8pPr>
+    <a:lvl9pPr marL="3657600" algn="l" defTabSz="914400" rtl="0" eaLnBrk="1" latinLnBrk="0" hangingPunct="1">
+      <a:defRPr sz="1200" kern="1200">
+        <a:solidFill>
+          <a:schemeClr val="tx1"/>
+        </a:solidFill>
+        <a:latin typeface="+mn-lt"/>
+        <a:ea typeface="+mn-ea"/>
+        <a:cs typeface="+mn-cs"/>
+      </a:defRPr>
+    </a:lvl9pPr>
+  </p:notesStyle>
+</p:notesMaster>
+</file>
+
+<file path=ppt/notesSlides/notesSlide1.xml><?xml version="1.0" encoding="utf-8"?>
+<p:notes xmlns:a="http://schemas.openxmlformats.org/drawingml/2006/main" xmlns:r="http://schemas.openxmlformats.org/officeDocument/2006/relationships" xmlns:p="http://schemas.openxmlformats.org/presentationml/2006/main">
+  <p:cSld>
+    <p:spTree>
+      <p:nvGrpSpPr>
+        <p:cNvPr id="1" name=""/>
+        <p:cNvGrpSpPr/>
+        <p:nvPr/>
+      </p:nvGrpSpPr>
+      <p:grpSpPr>
+        <a:xfrm>
+          <a:off x="0" y="0"/>
+          <a:ext cx="0" cy="0"/>
+          <a:chOff x="0" y="0"/>
+          <a:chExt cx="0" cy="0"/>
+        </a:xfrm>
+      </p:grpSpPr>
+      <p:sp>
+        <p:nvSpPr>
+          <p:cNvPr id="2" name="幻灯片图像占位符 1"/>
+          <p:cNvSpPr>
+            <a:spLocks noGrp="1" noRot="1" noChangeAspect="1"/>
+          </p:cNvSpPr>
+          <p:nvPr>
+            <p:ph type="sldImg"/>
+          </p:nvPr>
+        </p:nvSpPr>
+        <p:spPr/>
+      </p:sp>
+      <p:sp>
+        <p:nvSpPr>
+          <p:cNvPr id="3" name="备注占位符 2"/>
+          <p:cNvSpPr>
+            <a:spLocks noGrp="1"/>
+          </p:cNvSpPr>
+          <p:nvPr>
+            <p:ph type="body" idx="1"/>
+          </p:nvPr>
+        </p:nvSpPr>
+        <p:spPr/>
+        <p:txBody>
+          <a:bodyPr/>
+          <a:lstStyle/>
+          <a:p>
+            <a:r>
+              <a:rPr kumimoji="1" lang="en-US" altLang="zh-CN" dirty="0"/>
+              <a:t>Fig1</a:t>
+            </a:r>
+            <a:r>
+              <a:rPr kumimoji="1" lang="zh-CN" altLang="en-US" dirty="0"/>
+              <a:t> 模型结构图</a:t>
+            </a:r>
+          </a:p>
+        </p:txBody>
+      </p:sp>
+      <p:sp>
+        <p:nvSpPr>
+          <p:cNvPr id="4" name="灯片编号占位符 3"/>
+          <p:cNvSpPr>
+            <a:spLocks noGrp="1"/>
+          </p:cNvSpPr>
+          <p:nvPr>
+            <p:ph type="sldNum" sz="quarter" idx="5"/>
+          </p:nvPr>
+        </p:nvSpPr>
+        <p:spPr/>
+        <p:txBody>
+          <a:bodyPr/>
+          <a:lstStyle/>
+          <a:p>
+            <a:fld id="{6D7B8A97-90E5-3F4A-BA62-FD1027DBE1D5}" type="slidenum">
+              <a:rPr kumimoji="1" lang="zh-CN" altLang="en-US" smtClean="0"/>
+              <a:t>1</a:t>
+            </a:fld>
+            <a:endParaRPr kumimoji="1" lang="zh-CN" altLang="en-US"/>
+          </a:p>
+        </p:txBody>
+      </p:sp>
+    </p:spTree>
+    <p:extLst>
+      <p:ext uri="{BB962C8B-B14F-4D97-AF65-F5344CB8AC3E}">
+        <p14:creationId xmlns:p14="http://schemas.microsoft.com/office/powerpoint/2010/main" val="1033652159"/>
+      </p:ext>
+    </p:extLst>
+  </p:cSld>
+  <p:clrMapOvr>
+    <a:masterClrMapping/>
+  </p:clrMapOvr>
+</p:notes>
+</file>
+
 <file path=ppt/slideLayouts/slideLayout1.xml><?xml version="1.0" encoding="utf-8"?>
 <p:sldLayout xmlns:a="http://schemas.openxmlformats.org/drawingml/2006/main" xmlns:r="http://schemas.openxmlformats.org/officeDocument/2006/relationships" xmlns:p="http://schemas.openxmlformats.org/presentationml/2006/main" type="title" preserve="1">
   <p:cSld name="标题幻灯片">
@@ -2902,7 +3346,7 @@
           <a:p>
             <a:fld id="{6595D385-7995-294D-97D1-22AA2B80F410}" type="datetimeFigureOut">
               <a:rPr kumimoji="1" lang="zh-CN" altLang="en-US" smtClean="0"/>
-              <a:t>2023/8/10</a:t>
+              <a:t>2023/8/11</a:t>
             </a:fld>
             <a:endParaRPr kumimoji="1" lang="zh-CN" altLang="en-US"/>
           </a:p>
@@ -3100,7 +3544,7 @@
           <a:p>
             <a:fld id="{6595D385-7995-294D-97D1-22AA2B80F410}" type="datetimeFigureOut">
               <a:rPr kumimoji="1" lang="zh-CN" altLang="en-US" smtClean="0"/>
-              <a:t>2023/8/10</a:t>
+              <a:t>2023/8/11</a:t>
             </a:fld>
             <a:endParaRPr kumimoji="1" lang="zh-CN" altLang="en-US"/>
           </a:p>
@@ -3308,7 +3752,7 @@
           <a:p>
             <a:fld id="{6595D385-7995-294D-97D1-22AA2B80F410}" type="datetimeFigureOut">
               <a:rPr kumimoji="1" lang="zh-CN" altLang="en-US" smtClean="0"/>
-              <a:t>2023/8/10</a:t>
+              <a:t>2023/8/11</a:t>
             </a:fld>
             <a:endParaRPr kumimoji="1" lang="zh-CN" altLang="en-US"/>
           </a:p>
@@ -3506,7 +3950,7 @@
           <a:p>
             <a:fld id="{6595D385-7995-294D-97D1-22AA2B80F410}" type="datetimeFigureOut">
               <a:rPr kumimoji="1" lang="zh-CN" altLang="en-US" smtClean="0"/>
-              <a:t>2023/8/10</a:t>
+              <a:t>2023/8/11</a:t>
             </a:fld>
             <a:endParaRPr kumimoji="1" lang="zh-CN" altLang="en-US"/>
           </a:p>
@@ -3781,7 +4225,7 @@
           <a:p>
             <a:fld id="{6595D385-7995-294D-97D1-22AA2B80F410}" type="datetimeFigureOut">
               <a:rPr kumimoji="1" lang="zh-CN" altLang="en-US" smtClean="0"/>
-              <a:t>2023/8/10</a:t>
+              <a:t>2023/8/11</a:t>
             </a:fld>
             <a:endParaRPr kumimoji="1" lang="zh-CN" altLang="en-US"/>
           </a:p>
@@ -4046,7 +4490,7 @@
           <a:p>
             <a:fld id="{6595D385-7995-294D-97D1-22AA2B80F410}" type="datetimeFigureOut">
               <a:rPr kumimoji="1" lang="zh-CN" altLang="en-US" smtClean="0"/>
-              <a:t>2023/8/10</a:t>
+              <a:t>2023/8/11</a:t>
             </a:fld>
             <a:endParaRPr kumimoji="1" lang="zh-CN" altLang="en-US"/>
           </a:p>
@@ -4458,7 +4902,7 @@
           <a:p>
             <a:fld id="{6595D385-7995-294D-97D1-22AA2B80F410}" type="datetimeFigureOut">
               <a:rPr kumimoji="1" lang="zh-CN" altLang="en-US" smtClean="0"/>
-              <a:t>2023/8/10</a:t>
+              <a:t>2023/8/11</a:t>
             </a:fld>
             <a:endParaRPr kumimoji="1" lang="zh-CN" altLang="en-US"/>
           </a:p>
@@ -4599,7 +5043,7 @@
           <a:p>
             <a:fld id="{6595D385-7995-294D-97D1-22AA2B80F410}" type="datetimeFigureOut">
               <a:rPr kumimoji="1" lang="zh-CN" altLang="en-US" smtClean="0"/>
-              <a:t>2023/8/10</a:t>
+              <a:t>2023/8/11</a:t>
             </a:fld>
             <a:endParaRPr kumimoji="1" lang="zh-CN" altLang="en-US"/>
           </a:p>
@@ -4712,7 +5156,7 @@
           <a:p>
             <a:fld id="{6595D385-7995-294D-97D1-22AA2B80F410}" type="datetimeFigureOut">
               <a:rPr kumimoji="1" lang="zh-CN" altLang="en-US" smtClean="0"/>
-              <a:t>2023/8/10</a:t>
+              <a:t>2023/8/11</a:t>
             </a:fld>
             <a:endParaRPr kumimoji="1" lang="zh-CN" altLang="en-US"/>
           </a:p>
@@ -5023,7 +5467,7 @@
           <a:p>
             <a:fld id="{6595D385-7995-294D-97D1-22AA2B80F410}" type="datetimeFigureOut">
               <a:rPr kumimoji="1" lang="zh-CN" altLang="en-US" smtClean="0"/>
-              <a:t>2023/8/10</a:t>
+              <a:t>2023/8/11</a:t>
             </a:fld>
             <a:endParaRPr kumimoji="1" lang="zh-CN" altLang="en-US"/>
           </a:p>
@@ -5311,7 +5755,7 @@
           <a:p>
             <a:fld id="{6595D385-7995-294D-97D1-22AA2B80F410}" type="datetimeFigureOut">
               <a:rPr kumimoji="1" lang="zh-CN" altLang="en-US" smtClean="0"/>
-              <a:t>2023/8/10</a:t>
+              <a:t>2023/8/11</a:t>
             </a:fld>
             <a:endParaRPr kumimoji="1" lang="zh-CN" altLang="en-US"/>
           </a:p>
@@ -5552,7 +5996,7 @@
           <a:p>
             <a:fld id="{6595D385-7995-294D-97D1-22AA2B80F410}" type="datetimeFigureOut">
               <a:rPr kumimoji="1" lang="zh-CN" altLang="en-US" smtClean="0"/>
-              <a:t>2023/8/10</a:t>
+              <a:t>2023/8/11</a:t>
             </a:fld>
             <a:endParaRPr kumimoji="1" lang="zh-CN" altLang="en-US"/>
           </a:p>
@@ -5969,6 +6413,3676 @@
           <a:chExt cx="0" cy="0"/>
         </a:xfrm>
       </p:grpSpPr>
+      <p:cxnSp>
+        <p:nvCxnSpPr>
+          <p:cNvPr id="15" name="直线箭头连接符 14">
+            <a:extLst>
+              <a:ext uri="{FF2B5EF4-FFF2-40B4-BE49-F238E27FC236}">
+                <a16:creationId xmlns:a16="http://schemas.microsoft.com/office/drawing/2014/main" id="{00B5E50B-1C48-8AF2-A583-D3E03134A3C2}"/>
+              </a:ext>
+            </a:extLst>
+          </p:cNvPr>
+          <p:cNvCxnSpPr>
+            <a:cxnSpLocks/>
+          </p:cNvCxnSpPr>
+          <p:nvPr/>
+        </p:nvCxnSpPr>
+        <p:spPr>
+          <a:xfrm>
+            <a:off x="2637739" y="1595270"/>
+            <a:ext cx="810000" cy="0"/>
+          </a:xfrm>
+          <a:prstGeom prst="straightConnector1">
+            <a:avLst/>
+          </a:prstGeom>
+          <a:ln w="25400">
+            <a:tailEnd type="triangle"/>
+          </a:ln>
+        </p:spPr>
+        <p:style>
+          <a:lnRef idx="1">
+            <a:schemeClr val="accent1"/>
+          </a:lnRef>
+          <a:fillRef idx="0">
+            <a:schemeClr val="accent1"/>
+          </a:fillRef>
+          <a:effectRef idx="0">
+            <a:schemeClr val="accent1"/>
+          </a:effectRef>
+          <a:fontRef idx="minor">
+            <a:schemeClr val="tx1"/>
+          </a:fontRef>
+        </p:style>
+      </p:cxnSp>
+      <p:sp>
+        <p:nvSpPr>
+          <p:cNvPr id="37" name="梯形 36">
+            <a:extLst>
+              <a:ext uri="{FF2B5EF4-FFF2-40B4-BE49-F238E27FC236}">
+                <a16:creationId xmlns:a16="http://schemas.microsoft.com/office/drawing/2014/main" id="{DECDBFCC-FBDF-407A-6769-A403E26006F7}"/>
+              </a:ext>
+            </a:extLst>
+          </p:cNvPr>
+          <p:cNvSpPr/>
+          <p:nvPr/>
+        </p:nvSpPr>
+        <p:spPr>
+          <a:xfrm rot="5400000">
+            <a:off x="3658550" y="1051147"/>
+            <a:ext cx="924564" cy="1088246"/>
+          </a:xfrm>
+          <a:prstGeom prst="trapezoid">
+            <a:avLst/>
+          </a:prstGeom>
+          <a:noFill/>
+          <a:ln w="38100">
+            <a:solidFill>
+              <a:schemeClr val="accent1"/>
+            </a:solidFill>
+          </a:ln>
+        </p:spPr>
+        <p:style>
+          <a:lnRef idx="2">
+            <a:schemeClr val="accent1">
+              <a:shade val="50000"/>
+            </a:schemeClr>
+          </a:lnRef>
+          <a:fillRef idx="1">
+            <a:schemeClr val="accent1"/>
+          </a:fillRef>
+          <a:effectRef idx="0">
+            <a:schemeClr val="accent1"/>
+          </a:effectRef>
+          <a:fontRef idx="minor">
+            <a:schemeClr val="lt1"/>
+          </a:fontRef>
+        </p:style>
+        <p:txBody>
+          <a:bodyPr rtlCol="0" anchor="ctr"/>
+          <a:lstStyle/>
+          <a:p>
+            <a:pPr algn="ctr"/>
+            <a:endParaRPr kumimoji="1" lang="zh-CN" altLang="en-US">
+              <a:ln w="0">
+                <a:solidFill>
+                  <a:sysClr val="windowText" lastClr="000000"/>
+                </a:solidFill>
+              </a:ln>
+              <a:solidFill>
+                <a:schemeClr val="tx1"/>
+              </a:solidFill>
+              <a:effectLst>
+                <a:outerShdw blurRad="50800" dist="38100" dir="2700000" algn="tl" rotWithShape="0">
+                  <a:prstClr val="black">
+                    <a:alpha val="40000"/>
+                  </a:prstClr>
+                </a:outerShdw>
+              </a:effectLst>
+            </a:endParaRPr>
+          </a:p>
+        </p:txBody>
+      </p:sp>
+      <mc:AlternateContent xmlns:mc="http://schemas.openxmlformats.org/markup-compatibility/2006">
+        <mc:Choice xmlns:a14="http://schemas.microsoft.com/office/drawing/2010/main" Requires="a14">
+          <p:sp>
+            <p:nvSpPr>
+              <p:cNvPr id="38" name="文本框 37">
+                <a:extLst>
+                  <a:ext uri="{FF2B5EF4-FFF2-40B4-BE49-F238E27FC236}">
+                    <a16:creationId xmlns:a16="http://schemas.microsoft.com/office/drawing/2014/main" id="{DEB31574-D34A-59A9-B086-5F501F790F48}"/>
+                  </a:ext>
+                </a:extLst>
+              </p:cNvPr>
+              <p:cNvSpPr txBox="1"/>
+              <p:nvPr/>
+            </p:nvSpPr>
+            <p:spPr>
+              <a:xfrm>
+                <a:off x="3574157" y="1401409"/>
+                <a:ext cx="997389" cy="404919"/>
+              </a:xfrm>
+              <a:prstGeom prst="rect">
+                <a:avLst/>
+              </a:prstGeom>
+              <a:noFill/>
+            </p:spPr>
+            <p:txBody>
+              <a:bodyPr wrap="square" rtlCol="0">
+                <a:spAutoFit/>
+              </a:bodyPr>
+              <a:lstStyle/>
+              <a:p>
+                <a:pPr algn="ctr"/>
+                <a14:m>
+                  <m:oMath xmlns:m="http://schemas.openxmlformats.org/officeDocument/2006/math">
+                    <m:sSubSup>
+                      <m:sSubSupPr>
+                        <m:ctrlPr>
+                          <a:rPr lang="zh-CN" altLang="zh-CN" i="1" smtClean="0">
+                            <a:effectLst/>
+                            <a:latin typeface="Cambria Math" panose="02040503050406030204" pitchFamily="18" charset="0"/>
+                            <a:ea typeface="Cambria Math" panose="02040503050406030204" pitchFamily="18" charset="0"/>
+                          </a:rPr>
+                        </m:ctrlPr>
+                      </m:sSubSupPr>
+                      <m:e>
+                        <m:r>
+                          <a:rPr lang="en-US" altLang="zh-CN" sz="1800" i="1">
+                            <a:effectLst/>
+                            <a:latin typeface="Cambria Math" panose="02040503050406030204" pitchFamily="18" charset="0"/>
+                            <a:ea typeface="宋体" panose="02010600030101010101" pitchFamily="2" charset="-122"/>
+                            <a:cs typeface="Times New Roman" panose="02020603050405020304" pitchFamily="18" charset="0"/>
+                          </a:rPr>
+                          <m:t>𝐸</m:t>
+                        </m:r>
+                      </m:e>
+                      <m:sub>
+                        <m:r>
+                          <a:rPr lang="en-US" altLang="zh-CN" sz="1800" i="1">
+                            <a:effectLst/>
+                            <a:latin typeface="Cambria Math" panose="02040503050406030204" pitchFamily="18" charset="0"/>
+                            <a:ea typeface="宋体" panose="02010600030101010101" pitchFamily="2" charset="-122"/>
+                            <a:cs typeface="Times New Roman" panose="02020603050405020304" pitchFamily="18" charset="0"/>
+                          </a:rPr>
+                          <m:t>𝜙</m:t>
+                        </m:r>
+                      </m:sub>
+                      <m:sup>
+                        <m:r>
+                          <a:rPr lang="en-US" altLang="zh-CN" sz="1800" i="1">
+                            <a:effectLst/>
+                            <a:latin typeface="Cambria Math" panose="02040503050406030204" pitchFamily="18" charset="0"/>
+                            <a:ea typeface="宋体" panose="02010600030101010101" pitchFamily="2" charset="-122"/>
+                            <a:cs typeface="Times New Roman" panose="02020603050405020304" pitchFamily="18" charset="0"/>
+                          </a:rPr>
+                          <m:t>𝑠</m:t>
+                        </m:r>
+                      </m:sup>
+                    </m:sSubSup>
+                    <m:d>
+                      <m:dPr>
+                        <m:ctrlPr>
+                          <a:rPr lang="zh-CN" altLang="zh-CN" i="1">
+                            <a:effectLst/>
+                            <a:latin typeface="Cambria Math" panose="02040503050406030204" pitchFamily="18" charset="0"/>
+                            <a:ea typeface="Cambria Math" panose="02040503050406030204" pitchFamily="18" charset="0"/>
+                          </a:rPr>
+                        </m:ctrlPr>
+                      </m:dPr>
+                      <m:e>
+                        <m:r>
+                          <a:rPr lang="en-US" altLang="zh-CN" sz="1800">
+                            <a:effectLst/>
+                            <a:latin typeface="Cambria Math" panose="02040503050406030204" pitchFamily="18" charset="0"/>
+                            <a:ea typeface="宋体" panose="02010600030101010101" pitchFamily="2" charset="-122"/>
+                            <a:cs typeface="Times New Roman" panose="02020603050405020304" pitchFamily="18" charset="0"/>
+                          </a:rPr>
+                          <m:t>.</m:t>
+                        </m:r>
+                      </m:e>
+                    </m:d>
+                  </m:oMath>
+                </a14:m>
+                <a:r>
+                  <a:rPr lang="zh-CN" altLang="zh-CN" dirty="0">
+                    <a:effectLst/>
+                  </a:rPr>
+                  <a:t> </a:t>
+                </a:r>
+                <a:endParaRPr kumimoji="1" lang="zh-CN" altLang="en-US" dirty="0"/>
+              </a:p>
+            </p:txBody>
+          </p:sp>
+        </mc:Choice>
+        <mc:Fallback>
+          <p:sp>
+            <p:nvSpPr>
+              <p:cNvPr id="38" name="文本框 37">
+                <a:extLst>
+                  <a:ext uri="{FF2B5EF4-FFF2-40B4-BE49-F238E27FC236}">
+                    <a16:creationId xmlns:a16="http://schemas.microsoft.com/office/drawing/2014/main" id="{DEB31574-D34A-59A9-B086-5F501F790F48}"/>
+                  </a:ext>
+                </a:extLst>
+              </p:cNvPr>
+              <p:cNvSpPr txBox="1">
+                <a:spLocks noRot="1" noChangeAspect="1" noMove="1" noResize="1" noEditPoints="1" noAdjustHandles="1" noChangeArrowheads="1" noChangeShapeType="1" noTextEdit="1"/>
+              </p:cNvSpPr>
+              <p:nvPr/>
+            </p:nvSpPr>
+            <p:spPr>
+              <a:xfrm>
+                <a:off x="3574157" y="1401409"/>
+                <a:ext cx="997389" cy="404919"/>
+              </a:xfrm>
+              <a:prstGeom prst="rect">
+                <a:avLst/>
+              </a:prstGeom>
+              <a:blipFill>
+                <a:blip r:embed="rId3"/>
+                <a:stretch>
+                  <a:fillRect b="-6061"/>
+                </a:stretch>
+              </a:blipFill>
+            </p:spPr>
+            <p:txBody>
+              <a:bodyPr/>
+              <a:lstStyle/>
+              <a:p>
+                <a:r>
+                  <a:rPr lang="zh-CN" altLang="en-US">
+                    <a:noFill/>
+                  </a:rPr>
+                  <a:t> </a:t>
+                </a:r>
+              </a:p>
+            </p:txBody>
+          </p:sp>
+        </mc:Fallback>
+      </mc:AlternateContent>
+      <p:cxnSp>
+        <p:nvCxnSpPr>
+          <p:cNvPr id="39" name="直线箭头连接符 38">
+            <a:extLst>
+              <a:ext uri="{FF2B5EF4-FFF2-40B4-BE49-F238E27FC236}">
+                <a16:creationId xmlns:a16="http://schemas.microsoft.com/office/drawing/2014/main" id="{E3A2E065-DA9F-1EEF-298A-9E9AF3E69D64}"/>
+              </a:ext>
+            </a:extLst>
+          </p:cNvPr>
+          <p:cNvCxnSpPr>
+            <a:cxnSpLocks/>
+          </p:cNvCxnSpPr>
+          <p:nvPr/>
+        </p:nvCxnSpPr>
+        <p:spPr>
+          <a:xfrm>
+            <a:off x="4792580" y="1608894"/>
+            <a:ext cx="810000" cy="0"/>
+          </a:xfrm>
+          <a:prstGeom prst="straightConnector1">
+            <a:avLst/>
+          </a:prstGeom>
+          <a:ln w="25400">
+            <a:tailEnd type="triangle"/>
+          </a:ln>
+        </p:spPr>
+        <p:style>
+          <a:lnRef idx="1">
+            <a:schemeClr val="accent1"/>
+          </a:lnRef>
+          <a:fillRef idx="0">
+            <a:schemeClr val="accent1"/>
+          </a:fillRef>
+          <a:effectRef idx="0">
+            <a:schemeClr val="accent1"/>
+          </a:effectRef>
+          <a:fontRef idx="minor">
+            <a:schemeClr val="tx1"/>
+          </a:fontRef>
+        </p:style>
+      </p:cxnSp>
+      <p:sp>
+        <p:nvSpPr>
+          <p:cNvPr id="45" name="矩形 44">
+            <a:extLst>
+              <a:ext uri="{FF2B5EF4-FFF2-40B4-BE49-F238E27FC236}">
+                <a16:creationId xmlns:a16="http://schemas.microsoft.com/office/drawing/2014/main" id="{8ED0C11E-DF20-4719-2035-8E5D2405CEBE}"/>
+              </a:ext>
+            </a:extLst>
+          </p:cNvPr>
+          <p:cNvSpPr/>
+          <p:nvPr/>
+        </p:nvSpPr>
+        <p:spPr>
+          <a:xfrm>
+            <a:off x="5737112" y="1257453"/>
+            <a:ext cx="180000" cy="143956"/>
+          </a:xfrm>
+          <a:prstGeom prst="rect">
+            <a:avLst/>
+          </a:prstGeom>
+          <a:gradFill flip="none" rotWithShape="1">
+            <a:gsLst>
+              <a:gs pos="0">
+                <a:schemeClr val="accent6">
+                  <a:lumMod val="67000"/>
+                </a:schemeClr>
+              </a:gs>
+              <a:gs pos="48000">
+                <a:schemeClr val="accent6">
+                  <a:lumMod val="97000"/>
+                  <a:lumOff val="3000"/>
+                </a:schemeClr>
+              </a:gs>
+              <a:gs pos="100000">
+                <a:schemeClr val="accent6">
+                  <a:lumMod val="60000"/>
+                  <a:lumOff val="40000"/>
+                </a:schemeClr>
+              </a:gs>
+            </a:gsLst>
+            <a:lin ang="16200000" scaled="1"/>
+            <a:tileRect/>
+          </a:gradFill>
+        </p:spPr>
+        <p:style>
+          <a:lnRef idx="2">
+            <a:schemeClr val="accent1">
+              <a:shade val="50000"/>
+            </a:schemeClr>
+          </a:lnRef>
+          <a:fillRef idx="1">
+            <a:schemeClr val="accent1"/>
+          </a:fillRef>
+          <a:effectRef idx="0">
+            <a:schemeClr val="accent1"/>
+          </a:effectRef>
+          <a:fontRef idx="minor">
+            <a:schemeClr val="lt1"/>
+          </a:fontRef>
+        </p:style>
+        <p:txBody>
+          <a:bodyPr rtlCol="0" anchor="ctr"/>
+          <a:lstStyle/>
+          <a:p>
+            <a:pPr algn="ctr"/>
+            <a:endParaRPr kumimoji="1" lang="zh-CN" altLang="en-US"/>
+          </a:p>
+        </p:txBody>
+      </p:sp>
+      <p:sp>
+        <p:nvSpPr>
+          <p:cNvPr id="46" name="矩形 45">
+            <a:extLst>
+              <a:ext uri="{FF2B5EF4-FFF2-40B4-BE49-F238E27FC236}">
+                <a16:creationId xmlns:a16="http://schemas.microsoft.com/office/drawing/2014/main" id="{BFB4FE99-C8F0-028F-00D3-19B49D6BFF59}"/>
+              </a:ext>
+            </a:extLst>
+          </p:cNvPr>
+          <p:cNvSpPr/>
+          <p:nvPr/>
+        </p:nvSpPr>
+        <p:spPr>
+          <a:xfrm>
+            <a:off x="5737112" y="1451314"/>
+            <a:ext cx="180000" cy="143956"/>
+          </a:xfrm>
+          <a:prstGeom prst="rect">
+            <a:avLst/>
+          </a:prstGeom>
+          <a:gradFill flip="none" rotWithShape="1">
+            <a:gsLst>
+              <a:gs pos="0">
+                <a:schemeClr val="accent6">
+                  <a:lumMod val="67000"/>
+                </a:schemeClr>
+              </a:gs>
+              <a:gs pos="48000">
+                <a:schemeClr val="accent6">
+                  <a:lumMod val="97000"/>
+                  <a:lumOff val="3000"/>
+                </a:schemeClr>
+              </a:gs>
+              <a:gs pos="100000">
+                <a:schemeClr val="accent6">
+                  <a:lumMod val="60000"/>
+                  <a:lumOff val="40000"/>
+                </a:schemeClr>
+              </a:gs>
+            </a:gsLst>
+            <a:lin ang="16200000" scaled="1"/>
+            <a:tileRect/>
+          </a:gradFill>
+        </p:spPr>
+        <p:style>
+          <a:lnRef idx="2">
+            <a:schemeClr val="accent1">
+              <a:shade val="50000"/>
+            </a:schemeClr>
+          </a:lnRef>
+          <a:fillRef idx="1">
+            <a:schemeClr val="accent1"/>
+          </a:fillRef>
+          <a:effectRef idx="0">
+            <a:schemeClr val="accent1"/>
+          </a:effectRef>
+          <a:fontRef idx="minor">
+            <a:schemeClr val="lt1"/>
+          </a:fontRef>
+        </p:style>
+        <p:txBody>
+          <a:bodyPr rtlCol="0" anchor="ctr"/>
+          <a:lstStyle/>
+          <a:p>
+            <a:pPr algn="ctr"/>
+            <a:endParaRPr kumimoji="1" lang="zh-CN" altLang="en-US"/>
+          </a:p>
+        </p:txBody>
+      </p:sp>
+      <p:sp>
+        <p:nvSpPr>
+          <p:cNvPr id="47" name="矩形 46">
+            <a:extLst>
+              <a:ext uri="{FF2B5EF4-FFF2-40B4-BE49-F238E27FC236}">
+                <a16:creationId xmlns:a16="http://schemas.microsoft.com/office/drawing/2014/main" id="{E41AB206-FBA4-3209-8A1E-7D289A78A194}"/>
+              </a:ext>
+            </a:extLst>
+          </p:cNvPr>
+          <p:cNvSpPr/>
+          <p:nvPr/>
+        </p:nvSpPr>
+        <p:spPr>
+          <a:xfrm>
+            <a:off x="5737112" y="1645175"/>
+            <a:ext cx="180000" cy="143956"/>
+          </a:xfrm>
+          <a:prstGeom prst="rect">
+            <a:avLst/>
+          </a:prstGeom>
+          <a:gradFill flip="none" rotWithShape="1">
+            <a:gsLst>
+              <a:gs pos="0">
+                <a:schemeClr val="accent6">
+                  <a:lumMod val="67000"/>
+                </a:schemeClr>
+              </a:gs>
+              <a:gs pos="48000">
+                <a:schemeClr val="accent6">
+                  <a:lumMod val="97000"/>
+                  <a:lumOff val="3000"/>
+                </a:schemeClr>
+              </a:gs>
+              <a:gs pos="100000">
+                <a:schemeClr val="accent6">
+                  <a:lumMod val="60000"/>
+                  <a:lumOff val="40000"/>
+                </a:schemeClr>
+              </a:gs>
+            </a:gsLst>
+            <a:lin ang="16200000" scaled="1"/>
+            <a:tileRect/>
+          </a:gradFill>
+        </p:spPr>
+        <p:style>
+          <a:lnRef idx="2">
+            <a:schemeClr val="accent1">
+              <a:shade val="50000"/>
+            </a:schemeClr>
+          </a:lnRef>
+          <a:fillRef idx="1">
+            <a:schemeClr val="accent1"/>
+          </a:fillRef>
+          <a:effectRef idx="0">
+            <a:schemeClr val="accent1"/>
+          </a:effectRef>
+          <a:fontRef idx="minor">
+            <a:schemeClr val="lt1"/>
+          </a:fontRef>
+        </p:style>
+        <p:txBody>
+          <a:bodyPr rtlCol="0" anchor="ctr"/>
+          <a:lstStyle/>
+          <a:p>
+            <a:pPr algn="ctr"/>
+            <a:endParaRPr kumimoji="1" lang="zh-CN" altLang="en-US"/>
+          </a:p>
+        </p:txBody>
+      </p:sp>
+      <p:sp>
+        <p:nvSpPr>
+          <p:cNvPr id="48" name="矩形 47">
+            <a:extLst>
+              <a:ext uri="{FF2B5EF4-FFF2-40B4-BE49-F238E27FC236}">
+                <a16:creationId xmlns:a16="http://schemas.microsoft.com/office/drawing/2014/main" id="{30D3F566-EF4A-BEA8-A1A1-439C0F4815F0}"/>
+              </a:ext>
+            </a:extLst>
+          </p:cNvPr>
+          <p:cNvSpPr/>
+          <p:nvPr/>
+        </p:nvSpPr>
+        <p:spPr>
+          <a:xfrm>
+            <a:off x="5737112" y="1839036"/>
+            <a:ext cx="180000" cy="143956"/>
+          </a:xfrm>
+          <a:prstGeom prst="rect">
+            <a:avLst/>
+          </a:prstGeom>
+          <a:gradFill flip="none" rotWithShape="1">
+            <a:gsLst>
+              <a:gs pos="0">
+                <a:schemeClr val="accent6">
+                  <a:lumMod val="67000"/>
+                </a:schemeClr>
+              </a:gs>
+              <a:gs pos="48000">
+                <a:schemeClr val="accent6">
+                  <a:lumMod val="97000"/>
+                  <a:lumOff val="3000"/>
+                </a:schemeClr>
+              </a:gs>
+              <a:gs pos="100000">
+                <a:schemeClr val="accent6">
+                  <a:lumMod val="60000"/>
+                  <a:lumOff val="40000"/>
+                </a:schemeClr>
+              </a:gs>
+            </a:gsLst>
+            <a:lin ang="16200000" scaled="1"/>
+            <a:tileRect/>
+          </a:gradFill>
+        </p:spPr>
+        <p:style>
+          <a:lnRef idx="2">
+            <a:schemeClr val="accent1">
+              <a:shade val="50000"/>
+            </a:schemeClr>
+          </a:lnRef>
+          <a:fillRef idx="1">
+            <a:schemeClr val="accent1"/>
+          </a:fillRef>
+          <a:effectRef idx="0">
+            <a:schemeClr val="accent1"/>
+          </a:effectRef>
+          <a:fontRef idx="minor">
+            <a:schemeClr val="lt1"/>
+          </a:fontRef>
+        </p:style>
+        <p:txBody>
+          <a:bodyPr rtlCol="0" anchor="ctr"/>
+          <a:lstStyle/>
+          <a:p>
+            <a:pPr algn="ctr"/>
+            <a:endParaRPr kumimoji="1" lang="zh-CN" altLang="en-US"/>
+          </a:p>
+        </p:txBody>
+      </p:sp>
+      <mc:AlternateContent xmlns:mc="http://schemas.openxmlformats.org/markup-compatibility/2006">
+        <mc:Choice xmlns:a14="http://schemas.microsoft.com/office/drawing/2010/main" Requires="a14">
+          <p:sp>
+            <p:nvSpPr>
+              <p:cNvPr id="50" name="文本框 49">
+                <a:extLst>
+                  <a:ext uri="{FF2B5EF4-FFF2-40B4-BE49-F238E27FC236}">
+                    <a16:creationId xmlns:a16="http://schemas.microsoft.com/office/drawing/2014/main" id="{2808AF0C-AF29-FAE3-F7AB-302482540354}"/>
+                  </a:ext>
+                </a:extLst>
+              </p:cNvPr>
+              <p:cNvSpPr txBox="1"/>
+              <p:nvPr/>
+            </p:nvSpPr>
+            <p:spPr>
+              <a:xfrm>
+                <a:off x="6288738" y="1401409"/>
+                <a:ext cx="1088246" cy="522515"/>
+              </a:xfrm>
+              <a:prstGeom prst="rect">
+                <a:avLst/>
+              </a:prstGeom>
+              <a:noFill/>
+            </p:spPr>
+            <p:txBody>
+              <a:bodyPr wrap="square">
+                <a:spAutoFit/>
+              </a:bodyPr>
+              <a:lstStyle/>
+              <a:p>
+                <a:r>
+                  <a:rPr lang="zh-CN" altLang="zh-CN" sz="2400" dirty="0">
+                    <a:effectLst/>
+                    <a:ea typeface="Cambria" panose="02040503050406030204" pitchFamily="18" charset="0"/>
+                    <a:cs typeface="Times New Roman" panose="02020603050405020304" pitchFamily="18" charset="0"/>
+                  </a:rPr>
+                  <a:t> </a:t>
+                </a:r>
+                <a14:m>
+                  <m:oMath xmlns:m="http://schemas.openxmlformats.org/officeDocument/2006/math">
+                    <m:sSubSup>
+                      <m:sSubSupPr>
+                        <m:ctrlPr>
+                          <a:rPr lang="zh-CN" altLang="zh-CN" sz="2400" i="1">
+                            <a:effectLst/>
+                            <a:latin typeface="Cambria Math" panose="02040503050406030204" pitchFamily="18" charset="0"/>
+                            <a:ea typeface="Cambria Math" panose="02040503050406030204" pitchFamily="18" charset="0"/>
+                          </a:rPr>
+                        </m:ctrlPr>
+                      </m:sSubSupPr>
+                      <m:e>
+                        <m:r>
+                          <a:rPr lang="en-US" altLang="zh-CN" sz="2400" i="1">
+                            <a:effectLst/>
+                            <a:latin typeface="Cambria Math" panose="02040503050406030204" pitchFamily="18" charset="0"/>
+                            <a:ea typeface="宋体" panose="02010600030101010101" pitchFamily="2" charset="-122"/>
+                            <a:cs typeface="Times New Roman" panose="02020603050405020304" pitchFamily="18" charset="0"/>
+                          </a:rPr>
+                          <m:t>𝑍</m:t>
+                        </m:r>
+                      </m:e>
+                      <m:sub>
+                        <m:r>
+                          <a:rPr lang="en-US" altLang="zh-CN" sz="2400" i="1">
+                            <a:effectLst/>
+                            <a:latin typeface="Cambria Math" panose="02040503050406030204" pitchFamily="18" charset="0"/>
+                            <a:ea typeface="宋体" panose="02010600030101010101" pitchFamily="2" charset="-122"/>
+                            <a:cs typeface="Times New Roman" panose="02020603050405020304" pitchFamily="18" charset="0"/>
+                          </a:rPr>
+                          <m:t>𝑐</m:t>
+                        </m:r>
+                      </m:sub>
+                      <m:sup>
+                        <m:r>
+                          <a:rPr lang="en-US" altLang="zh-CN" sz="2400" i="1">
+                            <a:effectLst/>
+                            <a:latin typeface="Cambria Math" panose="02040503050406030204" pitchFamily="18" charset="0"/>
+                            <a:ea typeface="宋体" panose="02010600030101010101" pitchFamily="2" charset="-122"/>
+                            <a:cs typeface="Times New Roman" panose="02020603050405020304" pitchFamily="18" charset="0"/>
+                          </a:rPr>
+                          <m:t>𝑠𝑡</m:t>
+                        </m:r>
+                        <m:r>
+                          <a:rPr lang="en-US" altLang="zh-CN" sz="2400" b="0" i="1" smtClean="0">
+                            <a:effectLst/>
+                            <a:latin typeface="Cambria Math" panose="02040503050406030204" pitchFamily="18" charset="0"/>
+                            <a:ea typeface="宋体" panose="02010600030101010101" pitchFamily="2" charset="-122"/>
+                            <a:cs typeface="Times New Roman" panose="02020603050405020304" pitchFamily="18" charset="0"/>
+                          </a:rPr>
+                          <m:t>𝑦𝑙𝑒</m:t>
+                        </m:r>
+                      </m:sup>
+                    </m:sSubSup>
+                  </m:oMath>
+                </a14:m>
+                <a:r>
+                  <a:rPr lang="zh-CN" altLang="zh-CN" sz="2400" dirty="0">
+                    <a:effectLst/>
+                  </a:rPr>
+                  <a:t> </a:t>
+                </a:r>
+                <a:endParaRPr lang="zh-CN" altLang="en-US" sz="2400" dirty="0"/>
+              </a:p>
+            </p:txBody>
+          </p:sp>
+        </mc:Choice>
+        <mc:Fallback>
+          <p:sp>
+            <p:nvSpPr>
+              <p:cNvPr id="50" name="文本框 49">
+                <a:extLst>
+                  <a:ext uri="{FF2B5EF4-FFF2-40B4-BE49-F238E27FC236}">
+                    <a16:creationId xmlns:a16="http://schemas.microsoft.com/office/drawing/2014/main" id="{2808AF0C-AF29-FAE3-F7AB-302482540354}"/>
+                  </a:ext>
+                </a:extLst>
+              </p:cNvPr>
+              <p:cNvSpPr txBox="1">
+                <a:spLocks noRot="1" noChangeAspect="1" noMove="1" noResize="1" noEditPoints="1" noAdjustHandles="1" noChangeArrowheads="1" noChangeShapeType="1" noTextEdit="1"/>
+              </p:cNvSpPr>
+              <p:nvPr/>
+            </p:nvSpPr>
+            <p:spPr>
+              <a:xfrm>
+                <a:off x="6288738" y="1401409"/>
+                <a:ext cx="1088246" cy="522515"/>
+              </a:xfrm>
+              <a:prstGeom prst="rect">
+                <a:avLst/>
+              </a:prstGeom>
+              <a:blipFill>
+                <a:blip r:embed="rId4"/>
+                <a:stretch>
+                  <a:fillRect/>
+                </a:stretch>
+              </a:blipFill>
+            </p:spPr>
+            <p:txBody>
+              <a:bodyPr/>
+              <a:lstStyle/>
+              <a:p>
+                <a:r>
+                  <a:rPr lang="zh-CN" altLang="en-US">
+                    <a:noFill/>
+                  </a:rPr>
+                  <a:t> </a:t>
+                </a:r>
+              </a:p>
+            </p:txBody>
+          </p:sp>
+        </mc:Fallback>
+      </mc:AlternateContent>
+      <p:sp>
+        <p:nvSpPr>
+          <p:cNvPr id="6" name="梯形 5">
+            <a:extLst>
+              <a:ext uri="{FF2B5EF4-FFF2-40B4-BE49-F238E27FC236}">
+                <a16:creationId xmlns:a16="http://schemas.microsoft.com/office/drawing/2014/main" id="{52EE0DD4-A064-7596-A675-6FD83554C458}"/>
+              </a:ext>
+            </a:extLst>
+          </p:cNvPr>
+          <p:cNvSpPr/>
+          <p:nvPr/>
+        </p:nvSpPr>
+        <p:spPr>
+          <a:xfrm rot="5400000">
+            <a:off x="3671628" y="3706438"/>
+            <a:ext cx="924564" cy="1088246"/>
+          </a:xfrm>
+          <a:prstGeom prst="trapezoid">
+            <a:avLst/>
+          </a:prstGeom>
+          <a:noFill/>
+          <a:ln w="38100">
+            <a:solidFill>
+              <a:schemeClr val="accent1"/>
+            </a:solidFill>
+          </a:ln>
+        </p:spPr>
+        <p:style>
+          <a:lnRef idx="2">
+            <a:schemeClr val="accent1">
+              <a:shade val="50000"/>
+            </a:schemeClr>
+          </a:lnRef>
+          <a:fillRef idx="1">
+            <a:schemeClr val="accent1"/>
+          </a:fillRef>
+          <a:effectRef idx="0">
+            <a:schemeClr val="accent1"/>
+          </a:effectRef>
+          <a:fontRef idx="minor">
+            <a:schemeClr val="lt1"/>
+          </a:fontRef>
+        </p:style>
+        <p:txBody>
+          <a:bodyPr rtlCol="0" anchor="ctr"/>
+          <a:lstStyle/>
+          <a:p>
+            <a:pPr algn="ctr"/>
+            <a:endParaRPr kumimoji="1" lang="zh-CN" altLang="en-US">
+              <a:ln w="0">
+                <a:solidFill>
+                  <a:sysClr val="windowText" lastClr="000000"/>
+                </a:solidFill>
+              </a:ln>
+              <a:solidFill>
+                <a:schemeClr val="tx1"/>
+              </a:solidFill>
+              <a:effectLst>
+                <a:outerShdw blurRad="50800" dist="38100" dir="2700000" algn="tl" rotWithShape="0">
+                  <a:prstClr val="black">
+                    <a:alpha val="40000"/>
+                  </a:prstClr>
+                </a:outerShdw>
+              </a:effectLst>
+            </a:endParaRPr>
+          </a:p>
+        </p:txBody>
+      </p:sp>
+      <mc:AlternateContent xmlns:mc="http://schemas.openxmlformats.org/markup-compatibility/2006">
+        <mc:Choice xmlns:a14="http://schemas.microsoft.com/office/drawing/2010/main" Requires="a14">
+          <p:sp>
+            <p:nvSpPr>
+              <p:cNvPr id="7" name="文本框 6">
+                <a:extLst>
+                  <a:ext uri="{FF2B5EF4-FFF2-40B4-BE49-F238E27FC236}">
+                    <a16:creationId xmlns:a16="http://schemas.microsoft.com/office/drawing/2014/main" id="{CB55584C-55C3-F25B-9A34-2364CD995933}"/>
+                  </a:ext>
+                </a:extLst>
+              </p:cNvPr>
+              <p:cNvSpPr txBox="1"/>
+              <p:nvPr/>
+            </p:nvSpPr>
+            <p:spPr>
+              <a:xfrm>
+                <a:off x="3789253" y="4067229"/>
+                <a:ext cx="997389" cy="371961"/>
+              </a:xfrm>
+              <a:prstGeom prst="rect">
+                <a:avLst/>
+              </a:prstGeom>
+              <a:noFill/>
+            </p:spPr>
+            <p:txBody>
+              <a:bodyPr wrap="square" rtlCol="0">
+                <a:spAutoFit/>
+              </a:bodyPr>
+              <a:lstStyle/>
+              <a:p>
+                <a14:m>
+                  <m:oMath xmlns:m="http://schemas.openxmlformats.org/officeDocument/2006/math">
+                    <m:sSubSup>
+                      <m:sSubSupPr>
+                        <m:ctrlPr>
+                          <a:rPr lang="zh-CN" altLang="zh-CN" i="1" smtClean="0">
+                            <a:effectLst/>
+                            <a:latin typeface="Cambria Math" panose="02040503050406030204" pitchFamily="18" charset="0"/>
+                            <a:ea typeface="Cambria Math" panose="02040503050406030204" pitchFamily="18" charset="0"/>
+                          </a:rPr>
+                        </m:ctrlPr>
+                      </m:sSubSupPr>
+                      <m:e>
+                        <m:r>
+                          <a:rPr lang="en-US" altLang="zh-CN" sz="1800" i="1">
+                            <a:effectLst/>
+                            <a:latin typeface="Cambria Math" panose="02040503050406030204" pitchFamily="18" charset="0"/>
+                            <a:ea typeface="宋体" panose="02010600030101010101" pitchFamily="2" charset="-122"/>
+                            <a:cs typeface="Times New Roman" panose="02020603050405020304" pitchFamily="18" charset="0"/>
+                          </a:rPr>
+                          <m:t>𝐸</m:t>
+                        </m:r>
+                      </m:e>
+                      <m:sub>
+                        <m:r>
+                          <a:rPr lang="en-US" altLang="zh-CN" sz="1800" i="1">
+                            <a:effectLst/>
+                            <a:latin typeface="Cambria Math" panose="02040503050406030204" pitchFamily="18" charset="0"/>
+                            <a:ea typeface="宋体" panose="02010600030101010101" pitchFamily="2" charset="-122"/>
+                            <a:cs typeface="Times New Roman" panose="02020603050405020304" pitchFamily="18" charset="0"/>
+                          </a:rPr>
+                          <m:t>𝜃</m:t>
+                        </m:r>
+                      </m:sub>
+                      <m:sup>
+                        <m:r>
+                          <a:rPr lang="en-US" altLang="zh-CN" sz="1800" i="1">
+                            <a:effectLst/>
+                            <a:latin typeface="Cambria Math" panose="02040503050406030204" pitchFamily="18" charset="0"/>
+                            <a:ea typeface="宋体" panose="02010600030101010101" pitchFamily="2" charset="-122"/>
+                            <a:cs typeface="Times New Roman" panose="02020603050405020304" pitchFamily="18" charset="0"/>
+                          </a:rPr>
+                          <m:t>𝑐</m:t>
+                        </m:r>
+                      </m:sup>
+                    </m:sSubSup>
+                    <m:d>
+                      <m:dPr>
+                        <m:ctrlPr>
+                          <a:rPr lang="zh-CN" altLang="zh-CN" i="1">
+                            <a:effectLst/>
+                            <a:latin typeface="Cambria Math" panose="02040503050406030204" pitchFamily="18" charset="0"/>
+                            <a:ea typeface="Cambria Math" panose="02040503050406030204" pitchFamily="18" charset="0"/>
+                          </a:rPr>
+                        </m:ctrlPr>
+                      </m:dPr>
+                      <m:e>
+                        <m:r>
+                          <a:rPr lang="en-US" altLang="zh-CN" sz="1800">
+                            <a:effectLst/>
+                            <a:latin typeface="Cambria Math" panose="02040503050406030204" pitchFamily="18" charset="0"/>
+                            <a:ea typeface="宋体" panose="02010600030101010101" pitchFamily="2" charset="-122"/>
+                            <a:cs typeface="Times New Roman" panose="02020603050405020304" pitchFamily="18" charset="0"/>
+                          </a:rPr>
+                          <m:t>.</m:t>
+                        </m:r>
+                      </m:e>
+                    </m:d>
+                  </m:oMath>
+                </a14:m>
+                <a:r>
+                  <a:rPr lang="zh-CN" altLang="zh-CN" dirty="0">
+                    <a:effectLst/>
+                  </a:rPr>
+                  <a:t> </a:t>
+                </a:r>
+                <a:endParaRPr kumimoji="1" lang="zh-CN" altLang="en-US" dirty="0"/>
+              </a:p>
+            </p:txBody>
+          </p:sp>
+        </mc:Choice>
+        <mc:Fallback>
+          <p:sp>
+            <p:nvSpPr>
+              <p:cNvPr id="7" name="文本框 6">
+                <a:extLst>
+                  <a:ext uri="{FF2B5EF4-FFF2-40B4-BE49-F238E27FC236}">
+                    <a16:creationId xmlns:a16="http://schemas.microsoft.com/office/drawing/2014/main" id="{CB55584C-55C3-F25B-9A34-2364CD995933}"/>
+                  </a:ext>
+                </a:extLst>
+              </p:cNvPr>
+              <p:cNvSpPr txBox="1">
+                <a:spLocks noRot="1" noChangeAspect="1" noMove="1" noResize="1" noEditPoints="1" noAdjustHandles="1" noChangeArrowheads="1" noChangeShapeType="1" noTextEdit="1"/>
+              </p:cNvSpPr>
+              <p:nvPr/>
+            </p:nvSpPr>
+            <p:spPr>
+              <a:xfrm>
+                <a:off x="3789253" y="4067229"/>
+                <a:ext cx="997389" cy="371961"/>
+              </a:xfrm>
+              <a:prstGeom prst="rect">
+                <a:avLst/>
+              </a:prstGeom>
+              <a:blipFill>
+                <a:blip r:embed="rId5"/>
+                <a:stretch>
+                  <a:fillRect b="-6667"/>
+                </a:stretch>
+              </a:blipFill>
+            </p:spPr>
+            <p:txBody>
+              <a:bodyPr/>
+              <a:lstStyle/>
+              <a:p>
+                <a:r>
+                  <a:rPr lang="zh-CN" altLang="en-US">
+                    <a:noFill/>
+                  </a:rPr>
+                  <a:t> </a:t>
+                </a:r>
+              </a:p>
+            </p:txBody>
+          </p:sp>
+        </mc:Fallback>
+      </mc:AlternateContent>
+      <p:sp>
+        <p:nvSpPr>
+          <p:cNvPr id="23" name="矩形 22">
+            <a:extLst>
+              <a:ext uri="{FF2B5EF4-FFF2-40B4-BE49-F238E27FC236}">
+                <a16:creationId xmlns:a16="http://schemas.microsoft.com/office/drawing/2014/main" id="{4E482811-448A-A751-D537-819AE2D54ACE}"/>
+              </a:ext>
+            </a:extLst>
+          </p:cNvPr>
+          <p:cNvSpPr/>
+          <p:nvPr/>
+        </p:nvSpPr>
+        <p:spPr>
+          <a:xfrm>
+            <a:off x="5682571" y="4893486"/>
+            <a:ext cx="180000" cy="143956"/>
+          </a:xfrm>
+          <a:prstGeom prst="rect">
+            <a:avLst/>
+          </a:prstGeom>
+          <a:gradFill flip="none" rotWithShape="1">
+            <a:gsLst>
+              <a:gs pos="0">
+                <a:schemeClr val="accent2">
+                  <a:lumMod val="40000"/>
+                  <a:lumOff val="60000"/>
+                </a:schemeClr>
+              </a:gs>
+              <a:gs pos="54000">
+                <a:schemeClr val="accent2">
+                  <a:lumMod val="95000"/>
+                  <a:lumOff val="5000"/>
+                </a:schemeClr>
+              </a:gs>
+              <a:gs pos="100000">
+                <a:schemeClr val="accent2">
+                  <a:lumMod val="60000"/>
+                </a:schemeClr>
+              </a:gs>
+            </a:gsLst>
+            <a:path path="circle">
+              <a:fillToRect l="50000" t="130000" r="50000" b="-30000"/>
+            </a:path>
+            <a:tileRect/>
+          </a:gradFill>
+        </p:spPr>
+        <p:style>
+          <a:lnRef idx="2">
+            <a:schemeClr val="accent1">
+              <a:shade val="50000"/>
+            </a:schemeClr>
+          </a:lnRef>
+          <a:fillRef idx="1">
+            <a:schemeClr val="accent1"/>
+          </a:fillRef>
+          <a:effectRef idx="0">
+            <a:schemeClr val="accent1"/>
+          </a:effectRef>
+          <a:fontRef idx="minor">
+            <a:schemeClr val="lt1"/>
+          </a:fontRef>
+        </p:style>
+        <p:txBody>
+          <a:bodyPr rtlCol="0" anchor="ctr"/>
+          <a:lstStyle/>
+          <a:p>
+            <a:pPr algn="ctr"/>
+            <a:endParaRPr kumimoji="1" lang="zh-CN" altLang="en-US"/>
+          </a:p>
+        </p:txBody>
+      </p:sp>
+      <p:sp>
+        <p:nvSpPr>
+          <p:cNvPr id="26" name="矩形 25">
+            <a:extLst>
+              <a:ext uri="{FF2B5EF4-FFF2-40B4-BE49-F238E27FC236}">
+                <a16:creationId xmlns:a16="http://schemas.microsoft.com/office/drawing/2014/main" id="{455C04DF-FBC2-34FC-7318-5D00BFFEB01E}"/>
+              </a:ext>
+            </a:extLst>
+          </p:cNvPr>
+          <p:cNvSpPr/>
+          <p:nvPr/>
+        </p:nvSpPr>
+        <p:spPr>
+          <a:xfrm>
+            <a:off x="5682571" y="5087346"/>
+            <a:ext cx="180000" cy="143956"/>
+          </a:xfrm>
+          <a:prstGeom prst="rect">
+            <a:avLst/>
+          </a:prstGeom>
+          <a:gradFill flip="none" rotWithShape="1">
+            <a:gsLst>
+              <a:gs pos="0">
+                <a:schemeClr val="accent2">
+                  <a:lumMod val="40000"/>
+                  <a:lumOff val="60000"/>
+                </a:schemeClr>
+              </a:gs>
+              <a:gs pos="54000">
+                <a:schemeClr val="accent2">
+                  <a:lumMod val="95000"/>
+                  <a:lumOff val="5000"/>
+                </a:schemeClr>
+              </a:gs>
+              <a:gs pos="100000">
+                <a:schemeClr val="accent2">
+                  <a:lumMod val="60000"/>
+                </a:schemeClr>
+              </a:gs>
+            </a:gsLst>
+            <a:path path="circle">
+              <a:fillToRect l="50000" t="130000" r="50000" b="-30000"/>
+            </a:path>
+            <a:tileRect/>
+          </a:gradFill>
+        </p:spPr>
+        <p:style>
+          <a:lnRef idx="2">
+            <a:schemeClr val="accent1">
+              <a:shade val="50000"/>
+            </a:schemeClr>
+          </a:lnRef>
+          <a:fillRef idx="1">
+            <a:schemeClr val="accent1"/>
+          </a:fillRef>
+          <a:effectRef idx="0">
+            <a:schemeClr val="accent1"/>
+          </a:effectRef>
+          <a:fontRef idx="minor">
+            <a:schemeClr val="lt1"/>
+          </a:fontRef>
+        </p:style>
+        <p:txBody>
+          <a:bodyPr rtlCol="0" anchor="ctr"/>
+          <a:lstStyle/>
+          <a:p>
+            <a:pPr algn="ctr"/>
+            <a:endParaRPr kumimoji="1" lang="zh-CN" altLang="en-US"/>
+          </a:p>
+        </p:txBody>
+      </p:sp>
+      <p:sp>
+        <p:nvSpPr>
+          <p:cNvPr id="27" name="矩形 26">
+            <a:extLst>
+              <a:ext uri="{FF2B5EF4-FFF2-40B4-BE49-F238E27FC236}">
+                <a16:creationId xmlns:a16="http://schemas.microsoft.com/office/drawing/2014/main" id="{9F71421C-07C9-407D-FC2F-AB9F81D60167}"/>
+              </a:ext>
+            </a:extLst>
+          </p:cNvPr>
+          <p:cNvSpPr/>
+          <p:nvPr/>
+        </p:nvSpPr>
+        <p:spPr>
+          <a:xfrm>
+            <a:off x="5682571" y="5281207"/>
+            <a:ext cx="180000" cy="143956"/>
+          </a:xfrm>
+          <a:prstGeom prst="rect">
+            <a:avLst/>
+          </a:prstGeom>
+          <a:gradFill flip="none" rotWithShape="1">
+            <a:gsLst>
+              <a:gs pos="0">
+                <a:schemeClr val="accent2">
+                  <a:lumMod val="40000"/>
+                  <a:lumOff val="60000"/>
+                </a:schemeClr>
+              </a:gs>
+              <a:gs pos="54000">
+                <a:schemeClr val="accent2">
+                  <a:lumMod val="95000"/>
+                  <a:lumOff val="5000"/>
+                </a:schemeClr>
+              </a:gs>
+              <a:gs pos="100000">
+                <a:schemeClr val="accent2">
+                  <a:lumMod val="60000"/>
+                </a:schemeClr>
+              </a:gs>
+            </a:gsLst>
+            <a:path path="circle">
+              <a:fillToRect l="50000" t="130000" r="50000" b="-30000"/>
+            </a:path>
+            <a:tileRect/>
+          </a:gradFill>
+        </p:spPr>
+        <p:style>
+          <a:lnRef idx="2">
+            <a:schemeClr val="accent1">
+              <a:shade val="50000"/>
+            </a:schemeClr>
+          </a:lnRef>
+          <a:fillRef idx="1">
+            <a:schemeClr val="accent1"/>
+          </a:fillRef>
+          <a:effectRef idx="0">
+            <a:schemeClr val="accent1"/>
+          </a:effectRef>
+          <a:fontRef idx="minor">
+            <a:schemeClr val="lt1"/>
+          </a:fontRef>
+        </p:style>
+        <p:txBody>
+          <a:bodyPr rtlCol="0" anchor="ctr"/>
+          <a:lstStyle/>
+          <a:p>
+            <a:pPr algn="ctr"/>
+            <a:endParaRPr kumimoji="1" lang="zh-CN" altLang="en-US"/>
+          </a:p>
+        </p:txBody>
+      </p:sp>
+      <p:sp>
+        <p:nvSpPr>
+          <p:cNvPr id="28" name="矩形 27">
+            <a:extLst>
+              <a:ext uri="{FF2B5EF4-FFF2-40B4-BE49-F238E27FC236}">
+                <a16:creationId xmlns:a16="http://schemas.microsoft.com/office/drawing/2014/main" id="{BB6411D7-C066-B718-F764-16F508644E8B}"/>
+              </a:ext>
+            </a:extLst>
+          </p:cNvPr>
+          <p:cNvSpPr/>
+          <p:nvPr/>
+        </p:nvSpPr>
+        <p:spPr>
+          <a:xfrm>
+            <a:off x="5682571" y="5475068"/>
+            <a:ext cx="180000" cy="143956"/>
+          </a:xfrm>
+          <a:prstGeom prst="rect">
+            <a:avLst/>
+          </a:prstGeom>
+          <a:gradFill flip="none" rotWithShape="1">
+            <a:gsLst>
+              <a:gs pos="0">
+                <a:schemeClr val="accent2">
+                  <a:lumMod val="40000"/>
+                  <a:lumOff val="60000"/>
+                </a:schemeClr>
+              </a:gs>
+              <a:gs pos="54000">
+                <a:schemeClr val="accent2">
+                  <a:lumMod val="95000"/>
+                  <a:lumOff val="5000"/>
+                </a:schemeClr>
+              </a:gs>
+              <a:gs pos="100000">
+                <a:schemeClr val="accent2">
+                  <a:lumMod val="60000"/>
+                </a:schemeClr>
+              </a:gs>
+            </a:gsLst>
+            <a:path path="circle">
+              <a:fillToRect l="50000" t="130000" r="50000" b="-30000"/>
+            </a:path>
+            <a:tileRect/>
+          </a:gradFill>
+        </p:spPr>
+        <p:style>
+          <a:lnRef idx="2">
+            <a:schemeClr val="accent1">
+              <a:shade val="50000"/>
+            </a:schemeClr>
+          </a:lnRef>
+          <a:fillRef idx="1">
+            <a:schemeClr val="accent1"/>
+          </a:fillRef>
+          <a:effectRef idx="0">
+            <a:schemeClr val="accent1"/>
+          </a:effectRef>
+          <a:fontRef idx="minor">
+            <a:schemeClr val="lt1"/>
+          </a:fontRef>
+        </p:style>
+        <p:txBody>
+          <a:bodyPr rtlCol="0" anchor="ctr"/>
+          <a:lstStyle/>
+          <a:p>
+            <a:pPr algn="ctr"/>
+            <a:endParaRPr kumimoji="1" lang="zh-CN" altLang="en-US"/>
+          </a:p>
+        </p:txBody>
+      </p:sp>
+      <p:cxnSp>
+        <p:nvCxnSpPr>
+          <p:cNvPr id="56" name="直线箭头连接符 55">
+            <a:extLst>
+              <a:ext uri="{FF2B5EF4-FFF2-40B4-BE49-F238E27FC236}">
+                <a16:creationId xmlns:a16="http://schemas.microsoft.com/office/drawing/2014/main" id="{A1EA47E6-5C95-25BF-7B28-FC7254D0CF84}"/>
+              </a:ext>
+            </a:extLst>
+          </p:cNvPr>
+          <p:cNvCxnSpPr>
+            <a:cxnSpLocks/>
+          </p:cNvCxnSpPr>
+          <p:nvPr/>
+        </p:nvCxnSpPr>
+        <p:spPr>
+          <a:xfrm flipV="1">
+            <a:off x="3000290" y="4234328"/>
+            <a:ext cx="540000" cy="0"/>
+          </a:xfrm>
+          <a:prstGeom prst="straightConnector1">
+            <a:avLst/>
+          </a:prstGeom>
+          <a:ln w="25400" cmpd="sng">
+            <a:headEnd w="lg" len="lg"/>
+            <a:tailEnd type="stealth" w="lg" len="lg"/>
+          </a:ln>
+        </p:spPr>
+        <p:style>
+          <a:lnRef idx="1">
+            <a:schemeClr val="accent1"/>
+          </a:lnRef>
+          <a:fillRef idx="0">
+            <a:schemeClr val="accent1"/>
+          </a:fillRef>
+          <a:effectRef idx="0">
+            <a:schemeClr val="accent1"/>
+          </a:effectRef>
+          <a:fontRef idx="minor">
+            <a:schemeClr val="tx1"/>
+          </a:fontRef>
+        </p:style>
+      </p:cxnSp>
+      <p:sp>
+        <p:nvSpPr>
+          <p:cNvPr id="59" name="右大括号 58">
+            <a:extLst>
+              <a:ext uri="{FF2B5EF4-FFF2-40B4-BE49-F238E27FC236}">
+                <a16:creationId xmlns:a16="http://schemas.microsoft.com/office/drawing/2014/main" id="{178968AE-6945-C157-6902-42A6279077C1}"/>
+              </a:ext>
+            </a:extLst>
+          </p:cNvPr>
+          <p:cNvSpPr/>
+          <p:nvPr/>
+        </p:nvSpPr>
+        <p:spPr>
+          <a:xfrm>
+            <a:off x="7946086" y="1225315"/>
+            <a:ext cx="274225" cy="2139047"/>
+          </a:xfrm>
+          <a:prstGeom prst="rightBrace">
+            <a:avLst/>
+          </a:prstGeom>
+          <a:ln w="25400"/>
+        </p:spPr>
+        <p:style>
+          <a:lnRef idx="1">
+            <a:schemeClr val="accent1"/>
+          </a:lnRef>
+          <a:fillRef idx="0">
+            <a:schemeClr val="accent1"/>
+          </a:fillRef>
+          <a:effectRef idx="0">
+            <a:schemeClr val="accent1"/>
+          </a:effectRef>
+          <a:fontRef idx="minor">
+            <a:schemeClr val="tx1"/>
+          </a:fontRef>
+        </p:style>
+        <p:txBody>
+          <a:bodyPr rtlCol="0" anchor="ctr"/>
+          <a:lstStyle/>
+          <a:p>
+            <a:pPr algn="ctr"/>
+            <a:endParaRPr kumimoji="1" lang="zh-CN" altLang="en-US"/>
+          </a:p>
+        </p:txBody>
+      </p:sp>
+      <p:sp>
+        <p:nvSpPr>
+          <p:cNvPr id="60" name="文本框 59">
+            <a:extLst>
+              <a:ext uri="{FF2B5EF4-FFF2-40B4-BE49-F238E27FC236}">
+                <a16:creationId xmlns:a16="http://schemas.microsoft.com/office/drawing/2014/main" id="{604D29B3-9B4C-BA8F-609C-B0C6F061F50B}"/>
+              </a:ext>
+            </a:extLst>
+          </p:cNvPr>
+          <p:cNvSpPr txBox="1"/>
+          <p:nvPr/>
+        </p:nvSpPr>
+        <p:spPr>
+          <a:xfrm>
+            <a:off x="6572444" y="1947228"/>
+            <a:ext cx="434734" cy="418448"/>
+          </a:xfrm>
+          <a:prstGeom prst="rect">
+            <a:avLst/>
+          </a:prstGeom>
+          <a:noFill/>
+        </p:spPr>
+        <p:txBody>
+          <a:bodyPr wrap="square" rtlCol="0">
+            <a:spAutoFit/>
+          </a:bodyPr>
+          <a:lstStyle/>
+          <a:p>
+            <a:r>
+              <a:rPr kumimoji="1" lang="en-US" altLang="zh-CN" sz="2800" b="1" dirty="0"/>
+              <a:t>+</a:t>
+            </a:r>
+            <a:endParaRPr kumimoji="1" lang="zh-CN" altLang="en-US" sz="2800" b="1" dirty="0"/>
+          </a:p>
+        </p:txBody>
+      </p:sp>
+      <p:sp>
+        <p:nvSpPr>
+          <p:cNvPr id="67" name="文本框 66">
+            <a:extLst>
+              <a:ext uri="{FF2B5EF4-FFF2-40B4-BE49-F238E27FC236}">
+                <a16:creationId xmlns:a16="http://schemas.microsoft.com/office/drawing/2014/main" id="{BF643DD9-1090-33B3-AD3B-483F0503D103}"/>
+              </a:ext>
+            </a:extLst>
+          </p:cNvPr>
+          <p:cNvSpPr txBox="1"/>
+          <p:nvPr/>
+        </p:nvSpPr>
+        <p:spPr>
+          <a:xfrm>
+            <a:off x="7587245" y="3875930"/>
+            <a:ext cx="963725" cy="646331"/>
+          </a:xfrm>
+          <a:prstGeom prst="rect">
+            <a:avLst/>
+          </a:prstGeom>
+          <a:noFill/>
+        </p:spPr>
+        <p:txBody>
+          <a:bodyPr wrap="square" rtlCol="0">
+            <a:spAutoFit/>
+          </a:bodyPr>
+          <a:lstStyle/>
+          <a:p>
+            <a:r>
+              <a:rPr kumimoji="1" lang="en-US" altLang="zh-CN" dirty="0"/>
+              <a:t>Smooth</a:t>
+            </a:r>
+          </a:p>
+          <a:p>
+            <a:r>
+              <a:rPr kumimoji="1" lang="en-US" altLang="zh-CN" dirty="0"/>
+              <a:t>L1Loss</a:t>
+            </a:r>
+            <a:endParaRPr kumimoji="1" lang="zh-CN" altLang="en-US" dirty="0"/>
+          </a:p>
+        </p:txBody>
+      </p:sp>
+      <p:sp>
+        <p:nvSpPr>
+          <p:cNvPr id="78" name="梯形 77">
+            <a:extLst>
+              <a:ext uri="{FF2B5EF4-FFF2-40B4-BE49-F238E27FC236}">
+                <a16:creationId xmlns:a16="http://schemas.microsoft.com/office/drawing/2014/main" id="{14E275CF-2D2B-1B98-4FBB-FC3E0251CF4D}"/>
+              </a:ext>
+            </a:extLst>
+          </p:cNvPr>
+          <p:cNvSpPr/>
+          <p:nvPr/>
+        </p:nvSpPr>
+        <p:spPr>
+          <a:xfrm rot="16200000" flipH="1">
+            <a:off x="10049097" y="1851237"/>
+            <a:ext cx="1040867" cy="983784"/>
+          </a:xfrm>
+          <a:prstGeom prst="trapezoid">
+            <a:avLst>
+              <a:gd name="adj" fmla="val 28795"/>
+            </a:avLst>
+          </a:prstGeom>
+          <a:noFill/>
+          <a:ln w="38100">
+            <a:solidFill>
+              <a:schemeClr val="accent1"/>
+            </a:solidFill>
+          </a:ln>
+        </p:spPr>
+        <p:style>
+          <a:lnRef idx="2">
+            <a:schemeClr val="accent1">
+              <a:shade val="50000"/>
+            </a:schemeClr>
+          </a:lnRef>
+          <a:fillRef idx="1">
+            <a:schemeClr val="accent1"/>
+          </a:fillRef>
+          <a:effectRef idx="0">
+            <a:schemeClr val="accent1"/>
+          </a:effectRef>
+          <a:fontRef idx="minor">
+            <a:schemeClr val="lt1"/>
+          </a:fontRef>
+        </p:style>
+        <p:txBody>
+          <a:bodyPr rtlCol="0" anchor="ctr"/>
+          <a:lstStyle/>
+          <a:p>
+            <a:pPr algn="ctr"/>
+            <a:endParaRPr kumimoji="1" lang="zh-CN" altLang="en-US">
+              <a:ln w="0">
+                <a:solidFill>
+                  <a:sysClr val="windowText" lastClr="000000"/>
+                </a:solidFill>
+              </a:ln>
+              <a:solidFill>
+                <a:schemeClr val="tx1"/>
+              </a:solidFill>
+              <a:effectLst>
+                <a:outerShdw blurRad="50800" dist="38100" dir="2700000" algn="tl" rotWithShape="0">
+                  <a:prstClr val="black">
+                    <a:alpha val="40000"/>
+                  </a:prstClr>
+                </a:outerShdw>
+              </a:effectLst>
+            </a:endParaRPr>
+          </a:p>
+        </p:txBody>
+      </p:sp>
+      <p:cxnSp>
+        <p:nvCxnSpPr>
+          <p:cNvPr id="102" name="肘形连接符 101">
+            <a:extLst>
+              <a:ext uri="{FF2B5EF4-FFF2-40B4-BE49-F238E27FC236}">
+                <a16:creationId xmlns:a16="http://schemas.microsoft.com/office/drawing/2014/main" id="{ED1F92A0-A71E-A366-9575-1DE9D03B289E}"/>
+              </a:ext>
+            </a:extLst>
+          </p:cNvPr>
+          <p:cNvCxnSpPr>
+            <a:cxnSpLocks/>
+          </p:cNvCxnSpPr>
+          <p:nvPr/>
+        </p:nvCxnSpPr>
+        <p:spPr>
+          <a:xfrm rot="5400000" flipH="1" flipV="1">
+            <a:off x="6636001" y="2873098"/>
+            <a:ext cx="2820452" cy="1955348"/>
+          </a:xfrm>
+          <a:prstGeom prst="bentConnector3">
+            <a:avLst>
+              <a:gd name="adj1" fmla="val 50000"/>
+            </a:avLst>
+          </a:prstGeom>
+          <a:ln w="25400">
+            <a:solidFill>
+              <a:schemeClr val="accent2"/>
+            </a:solidFill>
+            <a:prstDash val="dash"/>
+            <a:headEnd type="triangle"/>
+            <a:tailEnd type="triangle"/>
+          </a:ln>
+        </p:spPr>
+        <p:style>
+          <a:lnRef idx="1">
+            <a:schemeClr val="accent1"/>
+          </a:lnRef>
+          <a:fillRef idx="0">
+            <a:schemeClr val="accent1"/>
+          </a:fillRef>
+          <a:effectRef idx="0">
+            <a:schemeClr val="accent1"/>
+          </a:effectRef>
+          <a:fontRef idx="minor">
+            <a:schemeClr val="tx1"/>
+          </a:fontRef>
+        </p:style>
+      </p:cxnSp>
+      <p:sp>
+        <p:nvSpPr>
+          <p:cNvPr id="115" name="矩形 114">
+            <a:extLst>
+              <a:ext uri="{FF2B5EF4-FFF2-40B4-BE49-F238E27FC236}">
+                <a16:creationId xmlns:a16="http://schemas.microsoft.com/office/drawing/2014/main" id="{2D23A697-EF82-3772-12F6-7300A9DC8626}"/>
+              </a:ext>
+            </a:extLst>
+          </p:cNvPr>
+          <p:cNvSpPr/>
+          <p:nvPr/>
+        </p:nvSpPr>
+        <p:spPr>
+          <a:xfrm>
+            <a:off x="5743484" y="2704391"/>
+            <a:ext cx="181997" cy="130947"/>
+          </a:xfrm>
+          <a:prstGeom prst="rect">
+            <a:avLst/>
+          </a:prstGeom>
+          <a:gradFill flip="none" rotWithShape="1">
+            <a:gsLst>
+              <a:gs pos="0">
+                <a:schemeClr val="accent1">
+                  <a:lumMod val="0"/>
+                  <a:lumOff val="100000"/>
+                </a:schemeClr>
+              </a:gs>
+              <a:gs pos="15000">
+                <a:schemeClr val="accent1">
+                  <a:lumMod val="0"/>
+                  <a:lumOff val="100000"/>
+                </a:schemeClr>
+              </a:gs>
+              <a:gs pos="100000">
+                <a:schemeClr val="accent1">
+                  <a:lumMod val="100000"/>
+                </a:schemeClr>
+              </a:gs>
+            </a:gsLst>
+            <a:path path="circle">
+              <a:fillToRect l="50000" t="-80000" r="50000" b="180000"/>
+            </a:path>
+            <a:tileRect/>
+          </a:gradFill>
+        </p:spPr>
+        <p:style>
+          <a:lnRef idx="2">
+            <a:schemeClr val="accent1">
+              <a:shade val="50000"/>
+            </a:schemeClr>
+          </a:lnRef>
+          <a:fillRef idx="1">
+            <a:schemeClr val="accent1"/>
+          </a:fillRef>
+          <a:effectRef idx="0">
+            <a:schemeClr val="accent1"/>
+          </a:effectRef>
+          <a:fontRef idx="minor">
+            <a:schemeClr val="lt1"/>
+          </a:fontRef>
+        </p:style>
+        <p:txBody>
+          <a:bodyPr rtlCol="0" anchor="ctr"/>
+          <a:lstStyle/>
+          <a:p>
+            <a:pPr algn="ctr"/>
+            <a:endParaRPr kumimoji="1" lang="zh-CN" altLang="en-US">
+              <a:solidFill>
+                <a:srgbClr val="FF0000"/>
+              </a:solidFill>
+            </a:endParaRPr>
+          </a:p>
+        </p:txBody>
+      </p:sp>
+      <p:sp>
+        <p:nvSpPr>
+          <p:cNvPr id="116" name="矩形 115">
+            <a:extLst>
+              <a:ext uri="{FF2B5EF4-FFF2-40B4-BE49-F238E27FC236}">
+                <a16:creationId xmlns:a16="http://schemas.microsoft.com/office/drawing/2014/main" id="{AED455DB-F5C8-95FB-A734-A9B78C4337A0}"/>
+              </a:ext>
+            </a:extLst>
+          </p:cNvPr>
+          <p:cNvSpPr/>
+          <p:nvPr/>
+        </p:nvSpPr>
+        <p:spPr>
+          <a:xfrm>
+            <a:off x="5743484" y="2880732"/>
+            <a:ext cx="181997" cy="130947"/>
+          </a:xfrm>
+          <a:prstGeom prst="rect">
+            <a:avLst/>
+          </a:prstGeom>
+          <a:gradFill flip="none" rotWithShape="1">
+            <a:gsLst>
+              <a:gs pos="0">
+                <a:schemeClr val="accent1">
+                  <a:lumMod val="0"/>
+                  <a:lumOff val="100000"/>
+                </a:schemeClr>
+              </a:gs>
+              <a:gs pos="15000">
+                <a:schemeClr val="accent1">
+                  <a:lumMod val="0"/>
+                  <a:lumOff val="100000"/>
+                </a:schemeClr>
+              </a:gs>
+              <a:gs pos="100000">
+                <a:schemeClr val="accent1">
+                  <a:lumMod val="100000"/>
+                </a:schemeClr>
+              </a:gs>
+            </a:gsLst>
+            <a:path path="circle">
+              <a:fillToRect l="50000" t="-80000" r="50000" b="180000"/>
+            </a:path>
+            <a:tileRect/>
+          </a:gradFill>
+        </p:spPr>
+        <p:style>
+          <a:lnRef idx="2">
+            <a:schemeClr val="accent1">
+              <a:shade val="50000"/>
+            </a:schemeClr>
+          </a:lnRef>
+          <a:fillRef idx="1">
+            <a:schemeClr val="accent1"/>
+          </a:fillRef>
+          <a:effectRef idx="0">
+            <a:schemeClr val="accent1"/>
+          </a:effectRef>
+          <a:fontRef idx="minor">
+            <a:schemeClr val="lt1"/>
+          </a:fontRef>
+        </p:style>
+        <p:txBody>
+          <a:bodyPr rtlCol="0" anchor="ctr"/>
+          <a:lstStyle/>
+          <a:p>
+            <a:pPr algn="ctr"/>
+            <a:endParaRPr kumimoji="1" lang="zh-CN" altLang="en-US"/>
+          </a:p>
+        </p:txBody>
+      </p:sp>
+      <p:sp>
+        <p:nvSpPr>
+          <p:cNvPr id="117" name="矩形 116">
+            <a:extLst>
+              <a:ext uri="{FF2B5EF4-FFF2-40B4-BE49-F238E27FC236}">
+                <a16:creationId xmlns:a16="http://schemas.microsoft.com/office/drawing/2014/main" id="{A38A37D9-7F89-84B7-C1E8-6929D6711747}"/>
+              </a:ext>
+            </a:extLst>
+          </p:cNvPr>
+          <p:cNvSpPr/>
+          <p:nvPr/>
+        </p:nvSpPr>
+        <p:spPr>
+          <a:xfrm>
+            <a:off x="5743484" y="3057074"/>
+            <a:ext cx="181997" cy="130947"/>
+          </a:xfrm>
+          <a:prstGeom prst="rect">
+            <a:avLst/>
+          </a:prstGeom>
+          <a:gradFill flip="none" rotWithShape="1">
+            <a:gsLst>
+              <a:gs pos="0">
+                <a:schemeClr val="accent1">
+                  <a:lumMod val="0"/>
+                  <a:lumOff val="100000"/>
+                </a:schemeClr>
+              </a:gs>
+              <a:gs pos="15000">
+                <a:schemeClr val="accent1">
+                  <a:lumMod val="0"/>
+                  <a:lumOff val="100000"/>
+                </a:schemeClr>
+              </a:gs>
+              <a:gs pos="100000">
+                <a:schemeClr val="accent1">
+                  <a:lumMod val="100000"/>
+                </a:schemeClr>
+              </a:gs>
+            </a:gsLst>
+            <a:path path="circle">
+              <a:fillToRect l="50000" t="-80000" r="50000" b="180000"/>
+            </a:path>
+            <a:tileRect/>
+          </a:gradFill>
+        </p:spPr>
+        <p:style>
+          <a:lnRef idx="2">
+            <a:schemeClr val="accent1">
+              <a:shade val="50000"/>
+            </a:schemeClr>
+          </a:lnRef>
+          <a:fillRef idx="1">
+            <a:schemeClr val="accent1"/>
+          </a:fillRef>
+          <a:effectRef idx="0">
+            <a:schemeClr val="accent1"/>
+          </a:effectRef>
+          <a:fontRef idx="minor">
+            <a:schemeClr val="lt1"/>
+          </a:fontRef>
+        </p:style>
+        <p:txBody>
+          <a:bodyPr rtlCol="0" anchor="ctr"/>
+          <a:lstStyle/>
+          <a:p>
+            <a:pPr algn="ctr"/>
+            <a:endParaRPr kumimoji="1" lang="zh-CN" altLang="en-US"/>
+          </a:p>
+        </p:txBody>
+      </p:sp>
+      <p:sp>
+        <p:nvSpPr>
+          <p:cNvPr id="118" name="矩形 117">
+            <a:extLst>
+              <a:ext uri="{FF2B5EF4-FFF2-40B4-BE49-F238E27FC236}">
+                <a16:creationId xmlns:a16="http://schemas.microsoft.com/office/drawing/2014/main" id="{8D147F84-7307-A9F7-5C6A-418CBAB9159E}"/>
+              </a:ext>
+            </a:extLst>
+          </p:cNvPr>
+          <p:cNvSpPr/>
+          <p:nvPr/>
+        </p:nvSpPr>
+        <p:spPr>
+          <a:xfrm>
+            <a:off x="5743484" y="3233415"/>
+            <a:ext cx="181997" cy="130947"/>
+          </a:xfrm>
+          <a:prstGeom prst="rect">
+            <a:avLst/>
+          </a:prstGeom>
+          <a:gradFill flip="none" rotWithShape="1">
+            <a:gsLst>
+              <a:gs pos="0">
+                <a:schemeClr val="accent1">
+                  <a:lumMod val="0"/>
+                  <a:lumOff val="100000"/>
+                </a:schemeClr>
+              </a:gs>
+              <a:gs pos="15000">
+                <a:schemeClr val="accent1">
+                  <a:lumMod val="0"/>
+                  <a:lumOff val="100000"/>
+                </a:schemeClr>
+              </a:gs>
+              <a:gs pos="100000">
+                <a:schemeClr val="accent1">
+                  <a:lumMod val="100000"/>
+                </a:schemeClr>
+              </a:gs>
+            </a:gsLst>
+            <a:path path="circle">
+              <a:fillToRect l="50000" t="-80000" r="50000" b="180000"/>
+            </a:path>
+            <a:tileRect/>
+          </a:gradFill>
+        </p:spPr>
+        <p:style>
+          <a:lnRef idx="2">
+            <a:schemeClr val="accent1">
+              <a:shade val="50000"/>
+            </a:schemeClr>
+          </a:lnRef>
+          <a:fillRef idx="1">
+            <a:schemeClr val="accent1"/>
+          </a:fillRef>
+          <a:effectRef idx="0">
+            <a:schemeClr val="accent1"/>
+          </a:effectRef>
+          <a:fontRef idx="minor">
+            <a:schemeClr val="lt1"/>
+          </a:fontRef>
+        </p:style>
+        <p:txBody>
+          <a:bodyPr rtlCol="0" anchor="ctr"/>
+          <a:lstStyle/>
+          <a:p>
+            <a:pPr algn="ctr"/>
+            <a:endParaRPr kumimoji="1" lang="zh-CN" altLang="en-US"/>
+          </a:p>
+        </p:txBody>
+      </p:sp>
+      <p:grpSp>
+        <p:nvGrpSpPr>
+          <p:cNvPr id="122" name="组合 121">
+            <a:extLst>
+              <a:ext uri="{FF2B5EF4-FFF2-40B4-BE49-F238E27FC236}">
+                <a16:creationId xmlns:a16="http://schemas.microsoft.com/office/drawing/2014/main" id="{F6B79FC1-1C1E-CA30-97D4-AACB10ABF8FD}"/>
+              </a:ext>
+            </a:extLst>
+          </p:cNvPr>
+          <p:cNvGrpSpPr/>
+          <p:nvPr/>
+        </p:nvGrpSpPr>
+        <p:grpSpPr>
+          <a:xfrm>
+            <a:off x="638352" y="3165336"/>
+            <a:ext cx="1853383" cy="987466"/>
+            <a:chOff x="1171325" y="2047872"/>
+            <a:chExt cx="1853383" cy="987466"/>
+          </a:xfrm>
+        </p:grpSpPr>
+        <p:sp>
+          <p:nvSpPr>
+            <p:cNvPr id="13" name="椭圆 12">
+              <a:extLst>
+                <a:ext uri="{FF2B5EF4-FFF2-40B4-BE49-F238E27FC236}">
+                  <a16:creationId xmlns:a16="http://schemas.microsoft.com/office/drawing/2014/main" id="{488C4366-BCEA-2985-6710-444248FA18C5}"/>
+                </a:ext>
+              </a:extLst>
+            </p:cNvPr>
+            <p:cNvSpPr/>
+            <p:nvPr/>
+          </p:nvSpPr>
+          <p:spPr>
+            <a:xfrm>
+              <a:off x="1171325" y="2047872"/>
+              <a:ext cx="1853383" cy="987466"/>
+            </a:xfrm>
+            <a:prstGeom prst="ellipse">
+              <a:avLst/>
+            </a:prstGeom>
+            <a:blipFill dpi="0" rotWithShape="1">
+              <a:blip r:embed="rId6">
+                <a:extLst>
+                  <a:ext uri="{28A0092B-C50C-407E-A947-70E740481C1C}">
+                    <a14:useLocalDpi xmlns:a14="http://schemas.microsoft.com/office/drawing/2010/main" val="0"/>
+                  </a:ext>
+                </a:extLst>
+              </a:blip>
+              <a:srcRect/>
+              <a:stretch>
+                <a:fillRect l="-1443" t="-16010" r="-22198"/>
+              </a:stretch>
+            </a:blipFill>
+          </p:spPr>
+          <p:style>
+            <a:lnRef idx="2">
+              <a:schemeClr val="accent1">
+                <a:shade val="50000"/>
+              </a:schemeClr>
+            </a:lnRef>
+            <a:fillRef idx="1">
+              <a:schemeClr val="accent1"/>
+            </a:fillRef>
+            <a:effectRef idx="0">
+              <a:schemeClr val="accent1"/>
+            </a:effectRef>
+            <a:fontRef idx="minor">
+              <a:schemeClr val="lt1"/>
+            </a:fontRef>
+          </p:style>
+          <p:txBody>
+            <a:bodyPr rtlCol="0" anchor="ctr"/>
+            <a:lstStyle/>
+            <a:p>
+              <a:pPr algn="ctr"/>
+              <a:endParaRPr kumimoji="1" lang="zh-CN" altLang="en-US"/>
+            </a:p>
+          </p:txBody>
+        </p:sp>
+        <mc:AlternateContent xmlns:mc="http://schemas.openxmlformats.org/markup-compatibility/2006">
+          <mc:Choice xmlns:a14="http://schemas.microsoft.com/office/drawing/2010/main" Requires="a14">
+            <p:sp>
+              <p:nvSpPr>
+                <p:cNvPr id="72" name="文本框 71">
+                  <a:extLst>
+                    <a:ext uri="{FF2B5EF4-FFF2-40B4-BE49-F238E27FC236}">
+                      <a16:creationId xmlns:a16="http://schemas.microsoft.com/office/drawing/2014/main" id="{5314B7BE-55F5-C257-DD73-97E0ECAFE213}"/>
+                    </a:ext>
+                  </a:extLst>
+                </p:cNvPr>
+                <p:cNvSpPr txBox="1"/>
+                <p:nvPr/>
+              </p:nvSpPr>
+              <p:spPr>
+                <a:xfrm>
+                  <a:off x="1527114" y="2690876"/>
+                  <a:ext cx="1244270" cy="340542"/>
+                </a:xfrm>
+                <a:prstGeom prst="rect">
+                  <a:avLst/>
+                </a:prstGeom>
+                <a:noFill/>
+              </p:spPr>
+              <p:txBody>
+                <a:bodyPr wrap="square" rtlCol="0">
+                  <a:spAutoFit/>
+                </a:bodyPr>
+                <a:lstStyle/>
+                <a:p>
+                  <a:pPr algn="ctr"/>
+                  <a14:m>
+                    <m:oMath xmlns:m="http://schemas.openxmlformats.org/officeDocument/2006/math">
+                      <m:sSup>
+                        <m:sSupPr>
+                          <m:ctrlPr>
+                            <a:rPr lang="zh-CN" altLang="zh-CN" sz="1400" i="1" smtClean="0">
+                              <a:effectLst/>
+                              <a:latin typeface="Cambria Math" panose="02040503050406030204" pitchFamily="18" charset="0"/>
+                              <a:ea typeface="Cambria Math" panose="02040503050406030204" pitchFamily="18" charset="0"/>
+                            </a:rPr>
+                          </m:ctrlPr>
+                        </m:sSupPr>
+                        <m:e>
+                          <m:r>
+                            <a:rPr lang="en-US" altLang="zh-CN" sz="1800" i="1">
+                              <a:effectLst/>
+                              <a:latin typeface="Cambria Math" panose="02040503050406030204" pitchFamily="18" charset="0"/>
+                              <a:ea typeface="宋体" panose="02010600030101010101" pitchFamily="2" charset="-122"/>
+                              <a:cs typeface="Times New Roman" panose="02020603050405020304" pitchFamily="18" charset="0"/>
+                            </a:rPr>
+                            <m:t>𝑋</m:t>
+                          </m:r>
+                        </m:e>
+                        <m:sup>
+                          <m:r>
+                            <a:rPr lang="en-US" altLang="zh-CN" sz="1800" i="1">
+                              <a:effectLst/>
+                              <a:latin typeface="Cambria Math" panose="02040503050406030204" pitchFamily="18" charset="0"/>
+                              <a:ea typeface="宋体" panose="02010600030101010101" pitchFamily="2" charset="-122"/>
+                              <a:cs typeface="Times New Roman" panose="02020603050405020304" pitchFamily="18" charset="0"/>
+                            </a:rPr>
+                            <m:t>𝑠𝑡𝑖𝑚</m:t>
+                          </m:r>
+                        </m:sup>
+                      </m:sSup>
+                    </m:oMath>
+                  </a14:m>
+                  <a:r>
+                    <a:rPr lang="zh-CN" altLang="zh-CN" sz="1400" dirty="0">
+                      <a:effectLst/>
+                    </a:rPr>
+                    <a:t> </a:t>
+                  </a:r>
+                  <a:endParaRPr kumimoji="1" lang="zh-CN" altLang="en-US" sz="1400" dirty="0"/>
+                </a:p>
+              </p:txBody>
+            </p:sp>
+          </mc:Choice>
+          <mc:Fallback>
+            <p:sp>
+              <p:nvSpPr>
+                <p:cNvPr id="72" name="文本框 71">
+                  <a:extLst>
+                    <a:ext uri="{FF2B5EF4-FFF2-40B4-BE49-F238E27FC236}">
+                      <a16:creationId xmlns:a16="http://schemas.microsoft.com/office/drawing/2014/main" id="{5314B7BE-55F5-C257-DD73-97E0ECAFE213}"/>
+                    </a:ext>
+                  </a:extLst>
+                </p:cNvPr>
+                <p:cNvSpPr txBox="1">
+                  <a:spLocks noRot="1" noChangeAspect="1" noMove="1" noResize="1" noEditPoints="1" noAdjustHandles="1" noChangeArrowheads="1" noChangeShapeType="1" noTextEdit="1"/>
+                </p:cNvSpPr>
+                <p:nvPr/>
+              </p:nvSpPr>
+              <p:spPr>
+                <a:xfrm>
+                  <a:off x="1527114" y="2690876"/>
+                  <a:ext cx="1244270" cy="340542"/>
+                </a:xfrm>
+                <a:prstGeom prst="rect">
+                  <a:avLst/>
+                </a:prstGeom>
+                <a:blipFill>
+                  <a:blip r:embed="rId7"/>
+                  <a:stretch>
+                    <a:fillRect/>
+                  </a:stretch>
+                </a:blipFill>
+              </p:spPr>
+              <p:txBody>
+                <a:bodyPr/>
+                <a:lstStyle/>
+                <a:p>
+                  <a:r>
+                    <a:rPr lang="zh-CN" altLang="en-US">
+                      <a:noFill/>
+                    </a:rPr>
+                    <a:t> </a:t>
+                  </a:r>
+                </a:p>
+              </p:txBody>
+            </p:sp>
+          </mc:Fallback>
+        </mc:AlternateContent>
+      </p:grpSp>
+      <p:grpSp>
+        <p:nvGrpSpPr>
+          <p:cNvPr id="121" name="组合 120">
+            <a:extLst>
+              <a:ext uri="{FF2B5EF4-FFF2-40B4-BE49-F238E27FC236}">
+                <a16:creationId xmlns:a16="http://schemas.microsoft.com/office/drawing/2014/main" id="{F0D6D590-E0E9-4266-1879-60E12CC4841B}"/>
+              </a:ext>
+            </a:extLst>
+          </p:cNvPr>
+          <p:cNvGrpSpPr/>
+          <p:nvPr/>
+        </p:nvGrpSpPr>
+        <p:grpSpPr>
+          <a:xfrm>
+            <a:off x="603849" y="4249922"/>
+            <a:ext cx="1853383" cy="1083690"/>
+            <a:chOff x="1117595" y="3872335"/>
+            <a:chExt cx="1853383" cy="1083690"/>
+          </a:xfrm>
+        </p:grpSpPr>
+        <p:sp>
+          <p:nvSpPr>
+            <p:cNvPr id="94" name="椭圆 93">
+              <a:extLst>
+                <a:ext uri="{FF2B5EF4-FFF2-40B4-BE49-F238E27FC236}">
+                  <a16:creationId xmlns:a16="http://schemas.microsoft.com/office/drawing/2014/main" id="{15CB5189-69B0-7890-75CB-E25765F8DD5B}"/>
+                </a:ext>
+              </a:extLst>
+            </p:cNvPr>
+            <p:cNvSpPr/>
+            <p:nvPr/>
+          </p:nvSpPr>
+          <p:spPr>
+            <a:xfrm>
+              <a:off x="1117595" y="3916165"/>
+              <a:ext cx="1853383" cy="1039860"/>
+            </a:xfrm>
+            <a:prstGeom prst="ellipse">
+              <a:avLst/>
+            </a:prstGeom>
+            <a:blipFill dpi="0" rotWithShape="1">
+              <a:blip r:embed="rId8">
+                <a:extLst>
+                  <a:ext uri="{28A0092B-C50C-407E-A947-70E740481C1C}">
+                    <a14:useLocalDpi xmlns:a14="http://schemas.microsoft.com/office/drawing/2010/main" val="0"/>
+                  </a:ext>
+                </a:extLst>
+              </a:blip>
+              <a:srcRect/>
+              <a:stretch>
+                <a:fillRect l="-2247" t="-16126" r="-21548" b="1630"/>
+              </a:stretch>
+            </a:blipFill>
+          </p:spPr>
+          <p:style>
+            <a:lnRef idx="2">
+              <a:schemeClr val="accent1">
+                <a:shade val="50000"/>
+              </a:schemeClr>
+            </a:lnRef>
+            <a:fillRef idx="1">
+              <a:schemeClr val="accent1"/>
+            </a:fillRef>
+            <a:effectRef idx="0">
+              <a:schemeClr val="accent1"/>
+            </a:effectRef>
+            <a:fontRef idx="minor">
+              <a:schemeClr val="lt1"/>
+            </a:fontRef>
+          </p:style>
+          <p:txBody>
+            <a:bodyPr rtlCol="0" anchor="ctr"/>
+            <a:lstStyle/>
+            <a:p>
+              <a:pPr algn="ctr"/>
+              <a:endParaRPr kumimoji="1" lang="zh-CN" altLang="en-US"/>
+            </a:p>
+          </p:txBody>
+        </p:sp>
+        <mc:AlternateContent xmlns:mc="http://schemas.openxmlformats.org/markup-compatibility/2006">
+          <mc:Choice xmlns:a14="http://schemas.microsoft.com/office/drawing/2010/main" Requires="a14">
+            <p:sp>
+              <p:nvSpPr>
+                <p:cNvPr id="73" name="文本框 72">
+                  <a:extLst>
+                    <a:ext uri="{FF2B5EF4-FFF2-40B4-BE49-F238E27FC236}">
+                      <a16:creationId xmlns:a16="http://schemas.microsoft.com/office/drawing/2014/main" id="{6B8988A6-CC65-B308-FB60-89C3D9D53224}"/>
+                    </a:ext>
+                  </a:extLst>
+                </p:cNvPr>
+                <p:cNvSpPr txBox="1"/>
+                <p:nvPr/>
+              </p:nvSpPr>
+              <p:spPr>
+                <a:xfrm>
+                  <a:off x="1564086" y="3872335"/>
+                  <a:ext cx="962123" cy="336567"/>
+                </a:xfrm>
+                <a:prstGeom prst="rect">
+                  <a:avLst/>
+                </a:prstGeom>
+                <a:noFill/>
+              </p:spPr>
+              <p:txBody>
+                <a:bodyPr wrap="square" rtlCol="0">
+                  <a:spAutoFit/>
+                </a:bodyPr>
+                <a:lstStyle/>
+                <a:p>
+                  <a:pPr algn="ctr"/>
+                  <a14:m>
+                    <m:oMath xmlns:m="http://schemas.openxmlformats.org/officeDocument/2006/math">
+                      <m:sSup>
+                        <m:sSupPr>
+                          <m:ctrlPr>
+                            <a:rPr lang="zh-CN" altLang="zh-CN" sz="1400" i="1" smtClean="0">
+                              <a:effectLst/>
+                              <a:latin typeface="Cambria Math" panose="02040503050406030204" pitchFamily="18" charset="0"/>
+                              <a:ea typeface="Cambria Math" panose="02040503050406030204" pitchFamily="18" charset="0"/>
+                            </a:rPr>
+                          </m:ctrlPr>
+                        </m:sSupPr>
+                        <m:e>
+                          <m:r>
+                            <a:rPr lang="en-US" altLang="zh-CN" sz="1800" i="1">
+                              <a:effectLst/>
+                              <a:latin typeface="Cambria Math" panose="02040503050406030204" pitchFamily="18" charset="0"/>
+                              <a:ea typeface="宋体" panose="02010600030101010101" pitchFamily="2" charset="-122"/>
+                              <a:cs typeface="Times New Roman" panose="02020603050405020304" pitchFamily="18" charset="0"/>
+                            </a:rPr>
+                            <m:t>𝑋</m:t>
+                          </m:r>
+                        </m:e>
+                        <m:sup>
+                          <m:r>
+                            <a:rPr lang="en-US" altLang="zh-CN" sz="1800" i="1">
+                              <a:effectLst/>
+                              <a:latin typeface="Cambria Math" panose="02040503050406030204" pitchFamily="18" charset="0"/>
+                              <a:ea typeface="宋体" panose="02010600030101010101" pitchFamily="2" charset="-122"/>
+                              <a:cs typeface="Times New Roman" panose="02020603050405020304" pitchFamily="18" charset="0"/>
+                            </a:rPr>
+                            <m:t>𝑐𝑡𝑟𝑙</m:t>
+                          </m:r>
+                        </m:sup>
+                      </m:sSup>
+                    </m:oMath>
+                  </a14:m>
+                  <a:r>
+                    <a:rPr lang="zh-CN" altLang="zh-CN" sz="1400" dirty="0">
+                      <a:effectLst/>
+                    </a:rPr>
+                    <a:t> </a:t>
+                  </a:r>
+                  <a:endParaRPr kumimoji="1" lang="zh-CN" altLang="en-US" sz="1400" dirty="0"/>
+                </a:p>
+              </p:txBody>
+            </p:sp>
+          </mc:Choice>
+          <mc:Fallback>
+            <p:sp>
+              <p:nvSpPr>
+                <p:cNvPr id="73" name="文本框 72">
+                  <a:extLst>
+                    <a:ext uri="{FF2B5EF4-FFF2-40B4-BE49-F238E27FC236}">
+                      <a16:creationId xmlns:a16="http://schemas.microsoft.com/office/drawing/2014/main" id="{6B8988A6-CC65-B308-FB60-89C3D9D53224}"/>
+                    </a:ext>
+                  </a:extLst>
+                </p:cNvPr>
+                <p:cNvSpPr txBox="1">
+                  <a:spLocks noRot="1" noChangeAspect="1" noMove="1" noResize="1" noEditPoints="1" noAdjustHandles="1" noChangeArrowheads="1" noChangeShapeType="1" noTextEdit="1"/>
+                </p:cNvSpPr>
+                <p:nvPr/>
+              </p:nvSpPr>
+              <p:spPr>
+                <a:xfrm>
+                  <a:off x="1564086" y="3872335"/>
+                  <a:ext cx="962123" cy="336567"/>
+                </a:xfrm>
+                <a:prstGeom prst="rect">
+                  <a:avLst/>
+                </a:prstGeom>
+                <a:blipFill>
+                  <a:blip r:embed="rId9"/>
+                  <a:stretch>
+                    <a:fillRect/>
+                  </a:stretch>
+                </a:blipFill>
+              </p:spPr>
+              <p:txBody>
+                <a:bodyPr/>
+                <a:lstStyle/>
+                <a:p>
+                  <a:r>
+                    <a:rPr lang="zh-CN" altLang="en-US">
+                      <a:noFill/>
+                    </a:rPr>
+                    <a:t> </a:t>
+                  </a:r>
+                </a:p>
+              </p:txBody>
+            </p:sp>
+          </mc:Fallback>
+        </mc:AlternateContent>
+      </p:grpSp>
+      <p:cxnSp>
+        <p:nvCxnSpPr>
+          <p:cNvPr id="128" name="肘形连接符 127">
+            <a:extLst>
+              <a:ext uri="{FF2B5EF4-FFF2-40B4-BE49-F238E27FC236}">
+                <a16:creationId xmlns:a16="http://schemas.microsoft.com/office/drawing/2014/main" id="{509F55A9-1F29-E363-7D10-1D8650420688}"/>
+              </a:ext>
+            </a:extLst>
+          </p:cNvPr>
+          <p:cNvCxnSpPr>
+            <a:cxnSpLocks/>
+            <a:stCxn id="13" idx="6"/>
+          </p:cNvCxnSpPr>
+          <p:nvPr/>
+        </p:nvCxnSpPr>
+        <p:spPr>
+          <a:xfrm>
+            <a:off x="2491735" y="3659069"/>
+            <a:ext cx="508555" cy="591492"/>
+          </a:xfrm>
+          <a:prstGeom prst="bentConnector2">
+            <a:avLst/>
+          </a:prstGeom>
+          <a:ln w="22225"/>
+        </p:spPr>
+        <p:style>
+          <a:lnRef idx="1">
+            <a:schemeClr val="accent1"/>
+          </a:lnRef>
+          <a:fillRef idx="0">
+            <a:schemeClr val="accent1"/>
+          </a:fillRef>
+          <a:effectRef idx="0">
+            <a:schemeClr val="accent1"/>
+          </a:effectRef>
+          <a:fontRef idx="minor">
+            <a:schemeClr val="tx1"/>
+          </a:fontRef>
+        </p:style>
+      </p:cxnSp>
+      <p:cxnSp>
+        <p:nvCxnSpPr>
+          <p:cNvPr id="132" name="肘形连接符 131">
+            <a:extLst>
+              <a:ext uri="{FF2B5EF4-FFF2-40B4-BE49-F238E27FC236}">
+                <a16:creationId xmlns:a16="http://schemas.microsoft.com/office/drawing/2014/main" id="{E25A98BF-4BFC-8CD8-6605-952A2ABBA758}"/>
+              </a:ext>
+            </a:extLst>
+          </p:cNvPr>
+          <p:cNvCxnSpPr>
+            <a:cxnSpLocks/>
+            <a:stCxn id="94" idx="6"/>
+          </p:cNvCxnSpPr>
+          <p:nvPr/>
+        </p:nvCxnSpPr>
+        <p:spPr>
+          <a:xfrm flipV="1">
+            <a:off x="2457232" y="4249922"/>
+            <a:ext cx="543600" cy="563760"/>
+          </a:xfrm>
+          <a:prstGeom prst="bentConnector2">
+            <a:avLst/>
+          </a:prstGeom>
+          <a:ln w="22225"/>
+        </p:spPr>
+        <p:style>
+          <a:lnRef idx="1">
+            <a:schemeClr val="accent1"/>
+          </a:lnRef>
+          <a:fillRef idx="0">
+            <a:schemeClr val="accent1"/>
+          </a:fillRef>
+          <a:effectRef idx="0">
+            <a:schemeClr val="accent1"/>
+          </a:effectRef>
+          <a:fontRef idx="minor">
+            <a:schemeClr val="tx1"/>
+          </a:fontRef>
+        </p:style>
+      </p:cxnSp>
+      <p:cxnSp>
+        <p:nvCxnSpPr>
+          <p:cNvPr id="146" name="直线连接符 145">
+            <a:extLst>
+              <a:ext uri="{FF2B5EF4-FFF2-40B4-BE49-F238E27FC236}">
+                <a16:creationId xmlns:a16="http://schemas.microsoft.com/office/drawing/2014/main" id="{9B024A07-4103-EFD6-4AEA-42E9C33CCE7D}"/>
+              </a:ext>
+            </a:extLst>
+          </p:cNvPr>
+          <p:cNvCxnSpPr/>
+          <p:nvPr/>
+        </p:nvCxnSpPr>
+        <p:spPr>
+          <a:xfrm>
+            <a:off x="4725914" y="4234328"/>
+            <a:ext cx="540000" cy="0"/>
+          </a:xfrm>
+          <a:prstGeom prst="line">
+            <a:avLst/>
+          </a:prstGeom>
+          <a:ln w="25400"/>
+        </p:spPr>
+        <p:style>
+          <a:lnRef idx="1">
+            <a:schemeClr val="accent1"/>
+          </a:lnRef>
+          <a:fillRef idx="0">
+            <a:schemeClr val="accent1"/>
+          </a:fillRef>
+          <a:effectRef idx="0">
+            <a:schemeClr val="accent1"/>
+          </a:effectRef>
+          <a:fontRef idx="minor">
+            <a:schemeClr val="tx1"/>
+          </a:fontRef>
+        </p:style>
+      </p:cxnSp>
+      <p:cxnSp>
+        <p:nvCxnSpPr>
+          <p:cNvPr id="150" name="肘形连接符 149">
+            <a:extLst>
+              <a:ext uri="{FF2B5EF4-FFF2-40B4-BE49-F238E27FC236}">
+                <a16:creationId xmlns:a16="http://schemas.microsoft.com/office/drawing/2014/main" id="{D654D1B8-D864-9297-ED3C-A52D7574A127}"/>
+              </a:ext>
+            </a:extLst>
+          </p:cNvPr>
+          <p:cNvCxnSpPr>
+            <a:cxnSpLocks/>
+          </p:cNvCxnSpPr>
+          <p:nvPr/>
+        </p:nvCxnSpPr>
+        <p:spPr>
+          <a:xfrm rot="16200000" flipH="1">
+            <a:off x="4926917" y="4552184"/>
+            <a:ext cx="1047811" cy="369817"/>
+          </a:xfrm>
+          <a:prstGeom prst="bentConnector2">
+            <a:avLst/>
+          </a:prstGeom>
+          <a:ln w="19050">
+            <a:tailEnd type="triangle"/>
+          </a:ln>
+        </p:spPr>
+        <p:style>
+          <a:lnRef idx="1">
+            <a:schemeClr val="accent1"/>
+          </a:lnRef>
+          <a:fillRef idx="0">
+            <a:schemeClr val="accent1"/>
+          </a:fillRef>
+          <a:effectRef idx="0">
+            <a:schemeClr val="accent1"/>
+          </a:effectRef>
+          <a:fontRef idx="minor">
+            <a:schemeClr val="tx1"/>
+          </a:fontRef>
+        </p:style>
+      </p:cxnSp>
+      <p:cxnSp>
+        <p:nvCxnSpPr>
+          <p:cNvPr id="158" name="肘形连接符 157">
+            <a:extLst>
+              <a:ext uri="{FF2B5EF4-FFF2-40B4-BE49-F238E27FC236}">
+                <a16:creationId xmlns:a16="http://schemas.microsoft.com/office/drawing/2014/main" id="{A33E6984-74D1-F8DF-F210-F8A650E4FB48}"/>
+              </a:ext>
+            </a:extLst>
+          </p:cNvPr>
+          <p:cNvCxnSpPr>
+            <a:cxnSpLocks/>
+            <a:endCxn id="117" idx="1"/>
+          </p:cNvCxnSpPr>
+          <p:nvPr/>
+        </p:nvCxnSpPr>
+        <p:spPr>
+          <a:xfrm rot="5400000" flipH="1" flipV="1">
+            <a:off x="4945010" y="3443453"/>
+            <a:ext cx="1119379" cy="477570"/>
+          </a:xfrm>
+          <a:prstGeom prst="bentConnector2">
+            <a:avLst/>
+          </a:prstGeom>
+          <a:ln w="19050">
+            <a:tailEnd type="triangle"/>
+          </a:ln>
+        </p:spPr>
+        <p:style>
+          <a:lnRef idx="1">
+            <a:schemeClr val="accent1"/>
+          </a:lnRef>
+          <a:fillRef idx="0">
+            <a:schemeClr val="accent1"/>
+          </a:fillRef>
+          <a:effectRef idx="0">
+            <a:schemeClr val="accent1"/>
+          </a:effectRef>
+          <a:fontRef idx="minor">
+            <a:schemeClr val="tx1"/>
+          </a:fontRef>
+        </p:style>
+      </p:cxnSp>
+      <p:grpSp>
+        <p:nvGrpSpPr>
+          <p:cNvPr id="68" name="组合 67">
+            <a:extLst>
+              <a:ext uri="{FF2B5EF4-FFF2-40B4-BE49-F238E27FC236}">
+                <a16:creationId xmlns:a16="http://schemas.microsoft.com/office/drawing/2014/main" id="{A20BA38C-FE4D-79AF-198B-BC7A6C9FEECF}"/>
+              </a:ext>
+            </a:extLst>
+          </p:cNvPr>
+          <p:cNvGrpSpPr>
+            <a:grpSpLocks noChangeAspect="1"/>
+          </p:cNvGrpSpPr>
+          <p:nvPr/>
+        </p:nvGrpSpPr>
+        <p:grpSpPr>
+          <a:xfrm>
+            <a:off x="9904565" y="3678371"/>
+            <a:ext cx="1283284" cy="720000"/>
+            <a:chOff x="1117595" y="3916165"/>
+            <a:chExt cx="1853383" cy="1039860"/>
+          </a:xfrm>
+        </p:grpSpPr>
+        <p:sp>
+          <p:nvSpPr>
+            <p:cNvPr id="69" name="椭圆 68">
+              <a:extLst>
+                <a:ext uri="{FF2B5EF4-FFF2-40B4-BE49-F238E27FC236}">
+                  <a16:creationId xmlns:a16="http://schemas.microsoft.com/office/drawing/2014/main" id="{AB99B3C5-7669-A5F9-7E1A-1ACD185ECF07}"/>
+                </a:ext>
+              </a:extLst>
+            </p:cNvPr>
+            <p:cNvSpPr/>
+            <p:nvPr/>
+          </p:nvSpPr>
+          <p:spPr>
+            <a:xfrm>
+              <a:off x="1117595" y="3916165"/>
+              <a:ext cx="1853383" cy="1039860"/>
+            </a:xfrm>
+            <a:prstGeom prst="ellipse">
+              <a:avLst/>
+            </a:prstGeom>
+            <a:blipFill dpi="0" rotWithShape="1">
+              <a:blip r:embed="rId8">
+                <a:extLst>
+                  <a:ext uri="{28A0092B-C50C-407E-A947-70E740481C1C}">
+                    <a14:useLocalDpi xmlns:a14="http://schemas.microsoft.com/office/drawing/2010/main" val="0"/>
+                  </a:ext>
+                </a:extLst>
+              </a:blip>
+              <a:srcRect/>
+              <a:stretch>
+                <a:fillRect l="-2247" t="-16126" r="-21548" b="1630"/>
+              </a:stretch>
+            </a:blipFill>
+          </p:spPr>
+          <p:style>
+            <a:lnRef idx="2">
+              <a:schemeClr val="accent1">
+                <a:shade val="50000"/>
+              </a:schemeClr>
+            </a:lnRef>
+            <a:fillRef idx="1">
+              <a:schemeClr val="accent1"/>
+            </a:fillRef>
+            <a:effectRef idx="0">
+              <a:schemeClr val="accent1"/>
+            </a:effectRef>
+            <a:fontRef idx="minor">
+              <a:schemeClr val="lt1"/>
+            </a:fontRef>
+          </p:style>
+          <p:txBody>
+            <a:bodyPr rtlCol="0" anchor="ctr"/>
+            <a:lstStyle/>
+            <a:p>
+              <a:pPr algn="ctr"/>
+              <a:endParaRPr kumimoji="1" lang="zh-CN" altLang="en-US"/>
+            </a:p>
+          </p:txBody>
+        </p:sp>
+        <mc:AlternateContent xmlns:mc="http://schemas.openxmlformats.org/markup-compatibility/2006">
+          <mc:Choice xmlns:a14="http://schemas.microsoft.com/office/drawing/2010/main" Requires="a14">
+            <p:sp>
+              <p:nvSpPr>
+                <p:cNvPr id="70" name="文本框 69">
+                  <a:extLst>
+                    <a:ext uri="{FF2B5EF4-FFF2-40B4-BE49-F238E27FC236}">
+                      <a16:creationId xmlns:a16="http://schemas.microsoft.com/office/drawing/2014/main" id="{1C8CF12B-C356-8C12-37BE-E2A404B655B7}"/>
+                    </a:ext>
+                  </a:extLst>
+                </p:cNvPr>
+                <p:cNvSpPr txBox="1"/>
+                <p:nvPr/>
+              </p:nvSpPr>
+              <p:spPr>
+                <a:xfrm>
+                  <a:off x="1478749" y="3995395"/>
+                  <a:ext cx="1236186" cy="412188"/>
+                </a:xfrm>
+                <a:prstGeom prst="rect">
+                  <a:avLst/>
+                </a:prstGeom>
+                <a:noFill/>
+              </p:spPr>
+              <p:txBody>
+                <a:bodyPr wrap="square" rtlCol="0">
+                  <a:spAutoFit/>
+                </a:bodyPr>
+                <a:lstStyle/>
+                <a:p>
+                  <a:pPr algn="ctr">
+                    <a:lnSpc>
+                      <a:spcPts val="700"/>
+                    </a:lnSpc>
+                  </a:pPr>
+                  <a:r>
+                    <a:rPr kumimoji="1" lang="en-US" altLang="zh-CN" sz="1050" b="1" dirty="0"/>
+                    <a:t>^</a:t>
+                  </a:r>
+                </a:p>
+                <a:p>
+                  <a:pPr algn="ctr">
+                    <a:lnSpc>
+                      <a:spcPts val="700"/>
+                    </a:lnSpc>
+                  </a:pPr>
+                  <a14:m>
+                    <m:oMath xmlns:m="http://schemas.openxmlformats.org/officeDocument/2006/math">
+                      <m:sSup>
+                        <m:sSupPr>
+                          <m:ctrlPr>
+                            <a:rPr lang="zh-CN" altLang="zh-CN" sz="1050" i="1" smtClean="0">
+                              <a:effectLst/>
+                              <a:latin typeface="Cambria Math" panose="02040503050406030204" pitchFamily="18" charset="0"/>
+                              <a:ea typeface="Cambria Math" panose="02040503050406030204" pitchFamily="18" charset="0"/>
+                            </a:rPr>
+                          </m:ctrlPr>
+                        </m:sSupPr>
+                        <m:e>
+                          <m:acc>
+                            <m:accPr>
+                              <m:chr m:val="̂"/>
+                              <m:ctrlPr>
+                                <a:rPr lang="zh-CN" altLang="zh-CN" sz="1050" i="1">
+                                  <a:effectLst/>
+                                  <a:latin typeface="Cambria Math" panose="02040503050406030204" pitchFamily="18" charset="0"/>
+                                  <a:ea typeface="Cambria Math" panose="02040503050406030204" pitchFamily="18" charset="0"/>
+                                </a:rPr>
+                              </m:ctrlPr>
+                            </m:accPr>
+                            <m:e>
+                              <m:r>
+                                <a:rPr lang="en-US" altLang="zh-CN" sz="1800" i="1">
+                                  <a:effectLst/>
+                                  <a:latin typeface="Cambria Math" panose="02040503050406030204" pitchFamily="18" charset="0"/>
+                                  <a:ea typeface="宋体" panose="02010600030101010101" pitchFamily="2" charset="-122"/>
+                                  <a:cs typeface="Times New Roman" panose="02020603050405020304" pitchFamily="18" charset="0"/>
+                                </a:rPr>
+                                <m:t>𝑋</m:t>
+                              </m:r>
+                            </m:e>
+                          </m:acc>
+                        </m:e>
+                        <m:sup>
+                          <m:r>
+                            <a:rPr lang="en-US" altLang="zh-CN" sz="1800" i="1">
+                              <a:effectLst/>
+                              <a:latin typeface="Cambria Math" panose="02040503050406030204" pitchFamily="18" charset="0"/>
+                              <a:ea typeface="宋体" panose="02010600030101010101" pitchFamily="2" charset="-122"/>
+                              <a:cs typeface="Times New Roman" panose="02020603050405020304" pitchFamily="18" charset="0"/>
+                            </a:rPr>
+                            <m:t>𝑠𝑡𝑖𝑚</m:t>
+                          </m:r>
+                        </m:sup>
+                      </m:sSup>
+                    </m:oMath>
+                  </a14:m>
+                  <a:r>
+                    <a:rPr lang="zh-CN" altLang="zh-CN" sz="1050" dirty="0">
+                      <a:effectLst/>
+                    </a:rPr>
+                    <a:t> </a:t>
+                  </a:r>
+                  <a:endParaRPr kumimoji="1" lang="zh-CN" altLang="en-US" sz="1050" i="1" dirty="0"/>
+                </a:p>
+              </p:txBody>
+            </p:sp>
+          </mc:Choice>
+          <mc:Fallback>
+            <p:sp>
+              <p:nvSpPr>
+                <p:cNvPr id="70" name="文本框 69">
+                  <a:extLst>
+                    <a:ext uri="{FF2B5EF4-FFF2-40B4-BE49-F238E27FC236}">
+                      <a16:creationId xmlns:a16="http://schemas.microsoft.com/office/drawing/2014/main" id="{1C8CF12B-C356-8C12-37BE-E2A404B655B7}"/>
+                    </a:ext>
+                  </a:extLst>
+                </p:cNvPr>
+                <p:cNvSpPr txBox="1">
+                  <a:spLocks noRot="1" noChangeAspect="1" noMove="1" noResize="1" noEditPoints="1" noAdjustHandles="1" noChangeArrowheads="1" noChangeShapeType="1" noTextEdit="1"/>
+                </p:cNvSpPr>
+                <p:nvPr/>
+              </p:nvSpPr>
+              <p:spPr>
+                <a:xfrm>
+                  <a:off x="1478749" y="3995395"/>
+                  <a:ext cx="1236186" cy="412188"/>
+                </a:xfrm>
+                <a:prstGeom prst="rect">
+                  <a:avLst/>
+                </a:prstGeom>
+                <a:blipFill>
+                  <a:blip r:embed="rId10"/>
+                  <a:stretch>
+                    <a:fillRect t="-20833"/>
+                  </a:stretch>
+                </a:blipFill>
+              </p:spPr>
+              <p:txBody>
+                <a:bodyPr/>
+                <a:lstStyle/>
+                <a:p>
+                  <a:r>
+                    <a:rPr lang="zh-CN" altLang="en-US">
+                      <a:noFill/>
+                    </a:rPr>
+                    <a:t> </a:t>
+                  </a:r>
+                </a:p>
+              </p:txBody>
+            </p:sp>
+          </mc:Fallback>
+        </mc:AlternateContent>
+      </p:grpSp>
+      <p:grpSp>
+        <p:nvGrpSpPr>
+          <p:cNvPr id="71" name="组合 70">
+            <a:extLst>
+              <a:ext uri="{FF2B5EF4-FFF2-40B4-BE49-F238E27FC236}">
+                <a16:creationId xmlns:a16="http://schemas.microsoft.com/office/drawing/2014/main" id="{5A2C313D-A731-2B4F-1196-2588F1F5DC23}"/>
+              </a:ext>
+            </a:extLst>
+          </p:cNvPr>
+          <p:cNvGrpSpPr>
+            <a:grpSpLocks noChangeAspect="1"/>
+          </p:cNvGrpSpPr>
+          <p:nvPr/>
+        </p:nvGrpSpPr>
+        <p:grpSpPr>
+          <a:xfrm>
+            <a:off x="9904565" y="5032629"/>
+            <a:ext cx="1281103" cy="696701"/>
+            <a:chOff x="1171325" y="2047872"/>
+            <a:chExt cx="1853383" cy="1039949"/>
+          </a:xfrm>
+        </p:grpSpPr>
+        <p:sp>
+          <p:nvSpPr>
+            <p:cNvPr id="74" name="椭圆 73">
+              <a:extLst>
+                <a:ext uri="{FF2B5EF4-FFF2-40B4-BE49-F238E27FC236}">
+                  <a16:creationId xmlns:a16="http://schemas.microsoft.com/office/drawing/2014/main" id="{1DFEF3AD-0EE4-1E82-63D1-A50C83BD52EE}"/>
+                </a:ext>
+              </a:extLst>
+            </p:cNvPr>
+            <p:cNvSpPr/>
+            <p:nvPr/>
+          </p:nvSpPr>
+          <p:spPr>
+            <a:xfrm>
+              <a:off x="1171325" y="2047872"/>
+              <a:ext cx="1853383" cy="987466"/>
+            </a:xfrm>
+            <a:prstGeom prst="ellipse">
+              <a:avLst/>
+            </a:prstGeom>
+            <a:blipFill dpi="0" rotWithShape="1">
+              <a:blip r:embed="rId6">
+                <a:extLst>
+                  <a:ext uri="{28A0092B-C50C-407E-A947-70E740481C1C}">
+                    <a14:useLocalDpi xmlns:a14="http://schemas.microsoft.com/office/drawing/2010/main" val="0"/>
+                  </a:ext>
+                </a:extLst>
+              </a:blip>
+              <a:srcRect/>
+              <a:stretch>
+                <a:fillRect l="-1443" t="-16010" r="-22198"/>
+              </a:stretch>
+            </a:blipFill>
+          </p:spPr>
+          <p:style>
+            <a:lnRef idx="2">
+              <a:schemeClr val="accent1">
+                <a:shade val="50000"/>
+              </a:schemeClr>
+            </a:lnRef>
+            <a:fillRef idx="1">
+              <a:schemeClr val="accent1"/>
+            </a:fillRef>
+            <a:effectRef idx="0">
+              <a:schemeClr val="accent1"/>
+            </a:effectRef>
+            <a:fontRef idx="minor">
+              <a:schemeClr val="lt1"/>
+            </a:fontRef>
+          </p:style>
+          <p:txBody>
+            <a:bodyPr rtlCol="0" anchor="ctr"/>
+            <a:lstStyle/>
+            <a:p>
+              <a:pPr algn="ctr"/>
+              <a:endParaRPr kumimoji="1" lang="zh-CN" altLang="en-US"/>
+            </a:p>
+          </p:txBody>
+        </p:sp>
+        <mc:AlternateContent xmlns:mc="http://schemas.openxmlformats.org/markup-compatibility/2006">
+          <mc:Choice xmlns:a14="http://schemas.microsoft.com/office/drawing/2010/main" Requires="a14">
+            <p:sp>
+              <p:nvSpPr>
+                <p:cNvPr id="75" name="文本框 74">
+                  <a:extLst>
+                    <a:ext uri="{FF2B5EF4-FFF2-40B4-BE49-F238E27FC236}">
+                      <a16:creationId xmlns:a16="http://schemas.microsoft.com/office/drawing/2014/main" id="{9DADAD47-37C6-2BC9-65FF-F546787539C3}"/>
+                    </a:ext>
+                  </a:extLst>
+                </p:cNvPr>
+                <p:cNvSpPr txBox="1"/>
+                <p:nvPr/>
+              </p:nvSpPr>
+              <p:spPr>
+                <a:xfrm>
+                  <a:off x="1511200" y="2601228"/>
+                  <a:ext cx="1244269" cy="486593"/>
+                </a:xfrm>
+                <a:prstGeom prst="rect">
+                  <a:avLst/>
+                </a:prstGeom>
+                <a:noFill/>
+              </p:spPr>
+              <p:txBody>
+                <a:bodyPr wrap="square" rtlCol="0">
+                  <a:spAutoFit/>
+                </a:bodyPr>
+                <a:lstStyle/>
+                <a:p>
+                  <a:pPr algn="ctr"/>
+                  <a14:m>
+                    <m:oMath xmlns:m="http://schemas.openxmlformats.org/officeDocument/2006/math">
+                      <m:sSup>
+                        <m:sSupPr>
+                          <m:ctrlPr>
+                            <a:rPr lang="zh-CN" altLang="zh-CN" sz="1100" i="1" smtClean="0">
+                              <a:effectLst/>
+                              <a:latin typeface="Cambria Math" panose="02040503050406030204" pitchFamily="18" charset="0"/>
+                              <a:ea typeface="Cambria Math" panose="02040503050406030204" pitchFamily="18" charset="0"/>
+                            </a:rPr>
+                          </m:ctrlPr>
+                        </m:sSupPr>
+                        <m:e>
+                          <m:acc>
+                            <m:accPr>
+                              <m:chr m:val="̂"/>
+                              <m:ctrlPr>
+                                <a:rPr lang="zh-CN" altLang="zh-CN" sz="1100" i="1">
+                                  <a:effectLst/>
+                                  <a:latin typeface="Cambria Math" panose="02040503050406030204" pitchFamily="18" charset="0"/>
+                                  <a:ea typeface="Cambria Math" panose="02040503050406030204" pitchFamily="18" charset="0"/>
+                                </a:rPr>
+                              </m:ctrlPr>
+                            </m:accPr>
+                            <m:e>
+                              <m:r>
+                                <a:rPr lang="en-US" altLang="zh-CN" sz="1800" i="1">
+                                  <a:effectLst/>
+                                  <a:latin typeface="Cambria Math" panose="02040503050406030204" pitchFamily="18" charset="0"/>
+                                  <a:ea typeface="宋体" panose="02010600030101010101" pitchFamily="2" charset="-122"/>
+                                  <a:cs typeface="Times New Roman" panose="02020603050405020304" pitchFamily="18" charset="0"/>
+                                </a:rPr>
+                                <m:t>𝑋</m:t>
+                              </m:r>
+                            </m:e>
+                          </m:acc>
+                        </m:e>
+                        <m:sup>
+                          <m:r>
+                            <a:rPr lang="en-US" altLang="zh-CN" sz="1800" i="1">
+                              <a:effectLst/>
+                              <a:latin typeface="Cambria Math" panose="02040503050406030204" pitchFamily="18" charset="0"/>
+                              <a:ea typeface="宋体" panose="02010600030101010101" pitchFamily="2" charset="-122"/>
+                              <a:cs typeface="Times New Roman" panose="02020603050405020304" pitchFamily="18" charset="0"/>
+                            </a:rPr>
+                            <m:t>𝑠𝑡𝑖𝑚</m:t>
+                          </m:r>
+                        </m:sup>
+                      </m:sSup>
+                    </m:oMath>
+                  </a14:m>
+                  <a:r>
+                    <a:rPr lang="zh-CN" altLang="zh-CN" sz="1100" dirty="0">
+                      <a:effectLst/>
+                    </a:rPr>
+                    <a:t> </a:t>
+                  </a:r>
+                  <a:endParaRPr kumimoji="1" lang="zh-CN" altLang="en-US" sz="1100" dirty="0"/>
+                </a:p>
+              </p:txBody>
+            </p:sp>
+          </mc:Choice>
+          <mc:Fallback>
+            <p:sp>
+              <p:nvSpPr>
+                <p:cNvPr id="75" name="文本框 74">
+                  <a:extLst>
+                    <a:ext uri="{FF2B5EF4-FFF2-40B4-BE49-F238E27FC236}">
+                      <a16:creationId xmlns:a16="http://schemas.microsoft.com/office/drawing/2014/main" id="{9DADAD47-37C6-2BC9-65FF-F546787539C3}"/>
+                    </a:ext>
+                  </a:extLst>
+                </p:cNvPr>
+                <p:cNvSpPr txBox="1">
+                  <a:spLocks noRot="1" noChangeAspect="1" noMove="1" noResize="1" noEditPoints="1" noAdjustHandles="1" noChangeArrowheads="1" noChangeShapeType="1" noTextEdit="1"/>
+                </p:cNvSpPr>
+                <p:nvPr/>
+              </p:nvSpPr>
+              <p:spPr>
+                <a:xfrm>
+                  <a:off x="1511200" y="2601228"/>
+                  <a:ext cx="1244269" cy="486593"/>
+                </a:xfrm>
+                <a:prstGeom prst="rect">
+                  <a:avLst/>
+                </a:prstGeom>
+                <a:blipFill>
+                  <a:blip r:embed="rId11"/>
+                  <a:stretch>
+                    <a:fillRect/>
+                  </a:stretch>
+                </a:blipFill>
+              </p:spPr>
+              <p:txBody>
+                <a:bodyPr/>
+                <a:lstStyle/>
+                <a:p>
+                  <a:r>
+                    <a:rPr lang="zh-CN" altLang="en-US">
+                      <a:noFill/>
+                    </a:rPr>
+                    <a:t> </a:t>
+                  </a:r>
+                </a:p>
+              </p:txBody>
+            </p:sp>
+          </mc:Fallback>
+        </mc:AlternateContent>
+      </p:grpSp>
+      <mc:AlternateContent xmlns:mc="http://schemas.openxmlformats.org/markup-compatibility/2006">
+        <mc:Choice xmlns:a14="http://schemas.microsoft.com/office/drawing/2010/main" Requires="a14">
+          <p:sp>
+            <p:nvSpPr>
+              <p:cNvPr id="62" name="文本框 61">
+                <a:extLst>
+                  <a:ext uri="{FF2B5EF4-FFF2-40B4-BE49-F238E27FC236}">
+                    <a16:creationId xmlns:a16="http://schemas.microsoft.com/office/drawing/2014/main" id="{7FDAE9BD-3975-8968-B6C1-BF00840F0F7F}"/>
+                  </a:ext>
+                </a:extLst>
+              </p:cNvPr>
+              <p:cNvSpPr txBox="1"/>
+              <p:nvPr/>
+            </p:nvSpPr>
+            <p:spPr>
+              <a:xfrm>
+                <a:off x="8656362" y="1982992"/>
+                <a:ext cx="735077" cy="473591"/>
+              </a:xfrm>
+              <a:prstGeom prst="rect">
+                <a:avLst/>
+              </a:prstGeom>
+              <a:noFill/>
+            </p:spPr>
+            <p:txBody>
+              <a:bodyPr wrap="square">
+                <a:spAutoFit/>
+              </a:bodyPr>
+              <a:lstStyle/>
+              <a:p>
+                <a14:m>
+                  <m:oMath xmlns:m="http://schemas.openxmlformats.org/officeDocument/2006/math">
+                    <m:sSubSup>
+                      <m:sSubSupPr>
+                        <m:ctrlPr>
+                          <a:rPr lang="zh-CN" altLang="zh-CN" sz="2400" i="1" smtClean="0">
+                            <a:effectLst/>
+                            <a:latin typeface="Cambria Math" panose="02040503050406030204" pitchFamily="18" charset="0"/>
+                            <a:ea typeface="Cambria Math" panose="02040503050406030204" pitchFamily="18" charset="0"/>
+                          </a:rPr>
+                        </m:ctrlPr>
+                      </m:sSubSupPr>
+                      <m:e>
+                        <m:acc>
+                          <m:accPr>
+                            <m:chr m:val="̂"/>
+                            <m:ctrlPr>
+                              <a:rPr lang="zh-CN" altLang="zh-CN" sz="2400" i="1">
+                                <a:effectLst/>
+                                <a:latin typeface="Cambria Math" panose="02040503050406030204" pitchFamily="18" charset="0"/>
+                                <a:ea typeface="Cambria Math" panose="02040503050406030204" pitchFamily="18" charset="0"/>
+                              </a:rPr>
+                            </m:ctrlPr>
+                          </m:accPr>
+                          <m:e>
+                            <m:r>
+                              <a:rPr lang="en-US" altLang="zh-CN" sz="2400" i="1">
+                                <a:effectLst/>
+                                <a:latin typeface="Cambria Math" panose="02040503050406030204" pitchFamily="18" charset="0"/>
+                                <a:ea typeface="宋体" panose="02010600030101010101" pitchFamily="2" charset="-122"/>
+                                <a:cs typeface="Times New Roman" panose="02020603050405020304" pitchFamily="18" charset="0"/>
+                              </a:rPr>
+                              <m:t>𝑍</m:t>
+                            </m:r>
+                          </m:e>
+                        </m:acc>
+                      </m:e>
+                      <m:sub>
+                        <m:r>
+                          <a:rPr lang="en-US" altLang="zh-CN" sz="2400" i="1">
+                            <a:effectLst/>
+                            <a:latin typeface="Cambria Math" panose="02040503050406030204" pitchFamily="18" charset="0"/>
+                            <a:ea typeface="宋体" panose="02010600030101010101" pitchFamily="2" charset="-122"/>
+                            <a:cs typeface="Times New Roman" panose="02020603050405020304" pitchFamily="18" charset="0"/>
+                          </a:rPr>
+                          <m:t>𝑐</m:t>
+                        </m:r>
+                      </m:sub>
+                      <m:sup>
+                        <m:r>
+                          <a:rPr lang="en-US" altLang="zh-CN" sz="2400" i="1">
+                            <a:effectLst/>
+                            <a:latin typeface="Cambria Math" panose="02040503050406030204" pitchFamily="18" charset="0"/>
+                            <a:ea typeface="宋体" panose="02010600030101010101" pitchFamily="2" charset="-122"/>
+                            <a:cs typeface="Times New Roman" panose="02020603050405020304" pitchFamily="18" charset="0"/>
+                          </a:rPr>
+                          <m:t>𝑠𝑡𝑖𝑚</m:t>
+                        </m:r>
+                      </m:sup>
+                    </m:sSubSup>
+                  </m:oMath>
+                </a14:m>
+                <a:r>
+                  <a:rPr lang="zh-CN" altLang="zh-CN" sz="2400" dirty="0">
+                    <a:effectLst/>
+                  </a:rPr>
+                  <a:t> </a:t>
+                </a:r>
+                <a:endParaRPr kumimoji="1" lang="zh-CN" altLang="en-US" sz="2400" baseline="-25000" dirty="0"/>
+              </a:p>
+            </p:txBody>
+          </p:sp>
+        </mc:Choice>
+        <mc:Fallback>
+          <p:sp>
+            <p:nvSpPr>
+              <p:cNvPr id="62" name="文本框 61">
+                <a:extLst>
+                  <a:ext uri="{FF2B5EF4-FFF2-40B4-BE49-F238E27FC236}">
+                    <a16:creationId xmlns:a16="http://schemas.microsoft.com/office/drawing/2014/main" id="{7FDAE9BD-3975-8968-B6C1-BF00840F0F7F}"/>
+                  </a:ext>
+                </a:extLst>
+              </p:cNvPr>
+              <p:cNvSpPr txBox="1">
+                <a:spLocks noRot="1" noChangeAspect="1" noMove="1" noResize="1" noEditPoints="1" noAdjustHandles="1" noChangeArrowheads="1" noChangeShapeType="1" noTextEdit="1"/>
+              </p:cNvSpPr>
+              <p:nvPr/>
+            </p:nvSpPr>
+            <p:spPr>
+              <a:xfrm>
+                <a:off x="8656362" y="1982992"/>
+                <a:ext cx="735077" cy="473591"/>
+              </a:xfrm>
+              <a:prstGeom prst="rect">
+                <a:avLst/>
+              </a:prstGeom>
+              <a:blipFill>
+                <a:blip r:embed="rId12"/>
+                <a:stretch>
+                  <a:fillRect l="-1695" t="-7895" r="-16949"/>
+                </a:stretch>
+              </a:blipFill>
+            </p:spPr>
+            <p:txBody>
+              <a:bodyPr/>
+              <a:lstStyle/>
+              <a:p>
+                <a:r>
+                  <a:rPr lang="zh-CN" altLang="en-US">
+                    <a:noFill/>
+                  </a:rPr>
+                  <a:t> </a:t>
+                </a:r>
+              </a:p>
+            </p:txBody>
+          </p:sp>
+        </mc:Fallback>
+      </mc:AlternateContent>
+      <p:sp>
+        <p:nvSpPr>
+          <p:cNvPr id="18" name="文本框 17">
+            <a:extLst>
+              <a:ext uri="{FF2B5EF4-FFF2-40B4-BE49-F238E27FC236}">
+                <a16:creationId xmlns:a16="http://schemas.microsoft.com/office/drawing/2014/main" id="{5491CD5D-B2C9-5E05-D7D3-9F9599042303}"/>
+              </a:ext>
+            </a:extLst>
+          </p:cNvPr>
+          <p:cNvSpPr txBox="1"/>
+          <p:nvPr/>
+        </p:nvSpPr>
+        <p:spPr>
+          <a:xfrm>
+            <a:off x="10054806" y="2125307"/>
+            <a:ext cx="1029449" cy="369332"/>
+          </a:xfrm>
+          <a:prstGeom prst="rect">
+            <a:avLst/>
+          </a:prstGeom>
+          <a:noFill/>
+        </p:spPr>
+        <p:txBody>
+          <a:bodyPr wrap="none" rtlCol="0">
+            <a:spAutoFit/>
+          </a:bodyPr>
+          <a:lstStyle/>
+          <a:p>
+            <a:r>
+              <a:rPr kumimoji="1" lang="en-US" altLang="zh-CN" dirty="0"/>
+              <a:t>Decoder</a:t>
+            </a:r>
+            <a:endParaRPr kumimoji="1" lang="zh-CN" altLang="en-US" dirty="0"/>
+          </a:p>
+        </p:txBody>
+      </p:sp>
+      <p:cxnSp>
+        <p:nvCxnSpPr>
+          <p:cNvPr id="21" name="肘形连接符 20">
+            <a:extLst>
+              <a:ext uri="{FF2B5EF4-FFF2-40B4-BE49-F238E27FC236}">
+                <a16:creationId xmlns:a16="http://schemas.microsoft.com/office/drawing/2014/main" id="{53D4B614-F841-C6C6-C4BE-313971094FF6}"/>
+              </a:ext>
+            </a:extLst>
+          </p:cNvPr>
+          <p:cNvCxnSpPr>
+            <a:stCxn id="18" idx="3"/>
+            <a:endCxn id="70" idx="0"/>
+          </p:cNvCxnSpPr>
+          <p:nvPr/>
+        </p:nvCxnSpPr>
+        <p:spPr>
+          <a:xfrm flipH="1">
+            <a:off x="10582596" y="2309973"/>
+            <a:ext cx="501659" cy="1423257"/>
+          </a:xfrm>
+          <a:prstGeom prst="bentConnector4">
+            <a:avLst>
+              <a:gd name="adj1" fmla="val -45569"/>
+              <a:gd name="adj2" fmla="val 56487"/>
+            </a:avLst>
+          </a:prstGeom>
+          <a:ln w="25400">
+            <a:tailEnd type="triangle"/>
+          </a:ln>
+        </p:spPr>
+        <p:style>
+          <a:lnRef idx="1">
+            <a:schemeClr val="accent1"/>
+          </a:lnRef>
+          <a:fillRef idx="0">
+            <a:schemeClr val="accent1"/>
+          </a:fillRef>
+          <a:effectRef idx="0">
+            <a:schemeClr val="accent1"/>
+          </a:effectRef>
+          <a:fontRef idx="minor">
+            <a:schemeClr val="tx1"/>
+          </a:fontRef>
+        </p:style>
+      </p:cxnSp>
+      <p:sp>
+        <p:nvSpPr>
+          <p:cNvPr id="99" name="左右箭头 98">
+            <a:extLst>
+              <a:ext uri="{FF2B5EF4-FFF2-40B4-BE49-F238E27FC236}">
+                <a16:creationId xmlns:a16="http://schemas.microsoft.com/office/drawing/2014/main" id="{A4371FCD-4607-9718-3F9D-B5E714FBB73E}"/>
+              </a:ext>
+            </a:extLst>
+          </p:cNvPr>
+          <p:cNvSpPr/>
+          <p:nvPr/>
+        </p:nvSpPr>
+        <p:spPr>
+          <a:xfrm rot="16243277">
+            <a:off x="10275875" y="4632695"/>
+            <a:ext cx="538483" cy="188728"/>
+          </a:xfrm>
+          <a:prstGeom prst="leftRightArrow">
+            <a:avLst>
+              <a:gd name="adj1" fmla="val 15289"/>
+              <a:gd name="adj2" fmla="val 98783"/>
+            </a:avLst>
+          </a:prstGeom>
+          <a:gradFill flip="none" rotWithShape="1">
+            <a:gsLst>
+              <a:gs pos="60000">
+                <a:srgbClr val="FFC000">
+                  <a:tint val="66000"/>
+                  <a:satMod val="160000"/>
+                </a:srgbClr>
+              </a:gs>
+              <a:gs pos="100000">
+                <a:srgbClr val="FFC000">
+                  <a:tint val="44500"/>
+                  <a:satMod val="160000"/>
+                </a:srgbClr>
+              </a:gs>
+              <a:gs pos="86000">
+                <a:srgbClr val="FFC000">
+                  <a:tint val="23500"/>
+                  <a:satMod val="160000"/>
+                </a:srgbClr>
+              </a:gs>
+            </a:gsLst>
+            <a:lin ang="16200000" scaled="1"/>
+            <a:tileRect/>
+          </a:gradFill>
+          <a:ln>
+            <a:noFill/>
+          </a:ln>
+        </p:spPr>
+        <p:style>
+          <a:lnRef idx="0">
+            <a:schemeClr val="accent1">
+              <a:tint val="60000"/>
+              <a:hueOff val="0"/>
+              <a:satOff val="0"/>
+              <a:lumOff val="0"/>
+              <a:alphaOff val="0"/>
+            </a:schemeClr>
+          </a:lnRef>
+          <a:fillRef idx="1">
+            <a:schemeClr val="accent1">
+              <a:tint val="60000"/>
+              <a:hueOff val="0"/>
+              <a:satOff val="0"/>
+              <a:lumOff val="0"/>
+              <a:alphaOff val="0"/>
+            </a:schemeClr>
+          </a:fillRef>
+          <a:effectRef idx="0">
+            <a:schemeClr val="accent1">
+              <a:tint val="60000"/>
+              <a:hueOff val="0"/>
+              <a:satOff val="0"/>
+              <a:lumOff val="0"/>
+              <a:alphaOff val="0"/>
+            </a:schemeClr>
+          </a:effectRef>
+          <a:fontRef idx="minor">
+            <a:schemeClr val="lt1"/>
+          </a:fontRef>
+        </p:style>
+      </p:sp>
+      <p:sp>
+        <p:nvSpPr>
+          <p:cNvPr id="25" name="文本框 24">
+            <a:extLst>
+              <a:ext uri="{FF2B5EF4-FFF2-40B4-BE49-F238E27FC236}">
+                <a16:creationId xmlns:a16="http://schemas.microsoft.com/office/drawing/2014/main" id="{A811F53F-4661-FA2B-D103-F2F0F6C44A9A}"/>
+              </a:ext>
+            </a:extLst>
+          </p:cNvPr>
+          <p:cNvSpPr txBox="1"/>
+          <p:nvPr/>
+        </p:nvSpPr>
+        <p:spPr>
+          <a:xfrm>
+            <a:off x="6239800" y="3961703"/>
+            <a:ext cx="65" cy="276999"/>
+          </a:xfrm>
+          <a:prstGeom prst="rect">
+            <a:avLst/>
+          </a:prstGeom>
+          <a:noFill/>
+        </p:spPr>
+        <p:txBody>
+          <a:bodyPr wrap="none" lIns="0" tIns="0" rIns="0" bIns="0" rtlCol="0">
+            <a:spAutoFit/>
+          </a:bodyPr>
+          <a:lstStyle/>
+          <a:p>
+            <a:endParaRPr kumimoji="1" lang="zh-CN" altLang="en-US" dirty="0"/>
+          </a:p>
+        </p:txBody>
+      </p:sp>
+      <p:sp>
+        <p:nvSpPr>
+          <p:cNvPr id="101" name="文本框 100">
+            <a:extLst>
+              <a:ext uri="{FF2B5EF4-FFF2-40B4-BE49-F238E27FC236}">
+                <a16:creationId xmlns:a16="http://schemas.microsoft.com/office/drawing/2014/main" id="{4A2D1583-D7F4-E62B-CB09-F56E3F658B5E}"/>
+              </a:ext>
+            </a:extLst>
+          </p:cNvPr>
+          <p:cNvSpPr txBox="1"/>
+          <p:nvPr/>
+        </p:nvSpPr>
+        <p:spPr>
+          <a:xfrm>
+            <a:off x="9194824" y="4543926"/>
+            <a:ext cx="1374706" cy="307777"/>
+          </a:xfrm>
+          <a:prstGeom prst="rect">
+            <a:avLst/>
+          </a:prstGeom>
+          <a:noFill/>
+        </p:spPr>
+        <p:txBody>
+          <a:bodyPr wrap="square">
+            <a:spAutoFit/>
+          </a:bodyPr>
+          <a:lstStyle/>
+          <a:p>
+            <a:r>
+              <a:rPr kumimoji="1" lang="en-US" altLang="zh-CN" sz="1400" dirty="0"/>
+              <a:t>SmoothL1Loss</a:t>
+            </a:r>
+            <a:endParaRPr kumimoji="1" lang="zh-CN" altLang="en-US" sz="1400" dirty="0"/>
+          </a:p>
+        </p:txBody>
+      </p:sp>
+      <p:cxnSp>
+        <p:nvCxnSpPr>
+          <p:cNvPr id="33" name="直线箭头连接符 32">
+            <a:extLst>
+              <a:ext uri="{FF2B5EF4-FFF2-40B4-BE49-F238E27FC236}">
+                <a16:creationId xmlns:a16="http://schemas.microsoft.com/office/drawing/2014/main" id="{B41C1027-1549-D2AE-9B07-2C3D97E0F882}"/>
+              </a:ext>
+            </a:extLst>
+          </p:cNvPr>
+          <p:cNvCxnSpPr>
+            <a:endCxn id="18" idx="1"/>
+          </p:cNvCxnSpPr>
+          <p:nvPr/>
+        </p:nvCxnSpPr>
+        <p:spPr>
+          <a:xfrm>
+            <a:off x="9458107" y="2309973"/>
+            <a:ext cx="596699" cy="0"/>
+          </a:xfrm>
+          <a:prstGeom prst="straightConnector1">
+            <a:avLst/>
+          </a:prstGeom>
+          <a:ln w="25400">
+            <a:tailEnd type="triangle"/>
+          </a:ln>
+        </p:spPr>
+        <p:style>
+          <a:lnRef idx="1">
+            <a:schemeClr val="accent1"/>
+          </a:lnRef>
+          <a:fillRef idx="0">
+            <a:schemeClr val="accent1"/>
+          </a:fillRef>
+          <a:effectRef idx="0">
+            <a:schemeClr val="accent1"/>
+          </a:effectRef>
+          <a:fontRef idx="minor">
+            <a:schemeClr val="tx1"/>
+          </a:fontRef>
+        </p:style>
+      </p:cxnSp>
+      <p:pic>
+        <p:nvPicPr>
+          <p:cNvPr id="2" name="图片 1">
+            <a:extLst>
+              <a:ext uri="{FF2B5EF4-FFF2-40B4-BE49-F238E27FC236}">
+                <a16:creationId xmlns:a16="http://schemas.microsoft.com/office/drawing/2014/main" id="{2963D0E8-4DBF-6ADF-0370-80777D4D5954}"/>
+              </a:ext>
+            </a:extLst>
+          </p:cNvPr>
+          <p:cNvPicPr>
+            <a:picLocks noChangeAspect="1"/>
+          </p:cNvPicPr>
+          <p:nvPr/>
+        </p:nvPicPr>
+        <p:blipFill>
+          <a:blip r:embed="rId13"/>
+          <a:stretch>
+            <a:fillRect/>
+          </a:stretch>
+        </p:blipFill>
+        <p:spPr>
+          <a:xfrm>
+            <a:off x="658960" y="1032383"/>
+            <a:ext cx="1866797" cy="1080000"/>
+          </a:xfrm>
+          <a:prstGeom prst="rect">
+            <a:avLst/>
+          </a:prstGeom>
+        </p:spPr>
+      </p:pic>
+      <p:sp>
+        <p:nvSpPr>
+          <p:cNvPr id="61" name="文本框 60">
+            <a:extLst>
+              <a:ext uri="{FF2B5EF4-FFF2-40B4-BE49-F238E27FC236}">
+                <a16:creationId xmlns:a16="http://schemas.microsoft.com/office/drawing/2014/main" id="{A020A2DD-5115-4FCD-4AE1-5B9481B0854A}"/>
+              </a:ext>
+            </a:extLst>
+          </p:cNvPr>
+          <p:cNvSpPr txBox="1"/>
+          <p:nvPr/>
+        </p:nvSpPr>
+        <p:spPr>
+          <a:xfrm>
+            <a:off x="466699" y="662817"/>
+            <a:ext cx="2299154" cy="369332"/>
+          </a:xfrm>
+          <a:prstGeom prst="rect">
+            <a:avLst/>
+          </a:prstGeom>
+          <a:noFill/>
+        </p:spPr>
+        <p:txBody>
+          <a:bodyPr wrap="square">
+            <a:spAutoFit/>
+          </a:bodyPr>
+          <a:lstStyle/>
+          <a:p>
+            <a:pPr algn="ctr"/>
+            <a:r>
+              <a:rPr kumimoji="1" lang="en-US" altLang="zh-CN" dirty="0"/>
+              <a:t>Style</a:t>
+            </a:r>
+            <a:r>
+              <a:rPr kumimoji="1" lang="zh-CN" altLang="en-US" dirty="0"/>
+              <a:t> </a:t>
+            </a:r>
+            <a:r>
+              <a:rPr kumimoji="1" lang="en-US" altLang="zh-CN" dirty="0"/>
+              <a:t>Vector</a:t>
+            </a:r>
+          </a:p>
+        </p:txBody>
+      </p:sp>
+      <mc:AlternateContent xmlns:mc="http://schemas.openxmlformats.org/markup-compatibility/2006">
+        <mc:Choice xmlns:a14="http://schemas.microsoft.com/office/drawing/2010/main" Requires="a14">
+          <p:sp>
+            <p:nvSpPr>
+              <p:cNvPr id="57" name="文本框 56">
+                <a:extLst>
+                  <a:ext uri="{FF2B5EF4-FFF2-40B4-BE49-F238E27FC236}">
+                    <a16:creationId xmlns:a16="http://schemas.microsoft.com/office/drawing/2014/main" id="{2ED96DCF-3451-D879-170A-F141344063B2}"/>
+                  </a:ext>
+                </a:extLst>
+              </p:cNvPr>
+              <p:cNvSpPr txBox="1"/>
+              <p:nvPr/>
+            </p:nvSpPr>
+            <p:spPr>
+              <a:xfrm>
+                <a:off x="6387343" y="2765210"/>
+                <a:ext cx="797590" cy="468205"/>
+              </a:xfrm>
+              <a:prstGeom prst="rect">
+                <a:avLst/>
+              </a:prstGeom>
+              <a:noFill/>
+            </p:spPr>
+            <p:txBody>
+              <a:bodyPr wrap="square">
+                <a:spAutoFit/>
+              </a:bodyPr>
+              <a:lstStyle/>
+              <a:p>
+                <a:pPr/>
+                <a14:m>
+                  <m:oMathPara xmlns:m="http://schemas.openxmlformats.org/officeDocument/2006/math">
+                    <m:oMathParaPr>
+                      <m:jc m:val="centerGroup"/>
+                    </m:oMathParaPr>
+                    <m:oMath xmlns:m="http://schemas.openxmlformats.org/officeDocument/2006/math">
+                      <m:sSubSup>
+                        <m:sSubSupPr>
+                          <m:ctrlPr>
+                            <a:rPr lang="zh-CN" altLang="en-US" sz="2400" i="1" smtClean="0">
+                              <a:solidFill>
+                                <a:srgbClr val="836967"/>
+                              </a:solidFill>
+                              <a:latin typeface="Cambria Math" panose="02040503050406030204" pitchFamily="18" charset="0"/>
+                            </a:rPr>
+                          </m:ctrlPr>
+                        </m:sSubSupPr>
+                        <m:e>
+                          <m:r>
+                            <a:rPr lang="zh-CN" altLang="en-US" sz="2400" i="1">
+                              <a:latin typeface="Cambria Math" panose="02040503050406030204" pitchFamily="18" charset="0"/>
+                            </a:rPr>
+                            <m:t>𝑍</m:t>
+                          </m:r>
+                        </m:e>
+                        <m:sub>
+                          <m:r>
+                            <a:rPr lang="zh-CN" altLang="en-US" sz="2400" i="1">
+                              <a:latin typeface="Cambria Math" panose="02040503050406030204" pitchFamily="18" charset="0"/>
+                            </a:rPr>
+                            <m:t>𝑐</m:t>
+                          </m:r>
+                        </m:sub>
+                        <m:sup>
+                          <m:r>
+                            <a:rPr lang="zh-CN" altLang="en-US" sz="2400" i="1">
+                              <a:latin typeface="Cambria Math" panose="02040503050406030204" pitchFamily="18" charset="0"/>
+                            </a:rPr>
+                            <m:t>𝑐𝑡𝑟𝑙</m:t>
+                          </m:r>
+                        </m:sup>
+                      </m:sSubSup>
+                    </m:oMath>
+                  </m:oMathPara>
+                </a14:m>
+                <a:endParaRPr lang="zh-CN" altLang="en-US" sz="2400" dirty="0"/>
+              </a:p>
+            </p:txBody>
+          </p:sp>
+        </mc:Choice>
+        <mc:Fallback>
+          <p:sp>
+            <p:nvSpPr>
+              <p:cNvPr id="57" name="文本框 56">
+                <a:extLst>
+                  <a:ext uri="{FF2B5EF4-FFF2-40B4-BE49-F238E27FC236}">
+                    <a16:creationId xmlns:a16="http://schemas.microsoft.com/office/drawing/2014/main" id="{2ED96DCF-3451-D879-170A-F141344063B2}"/>
+                  </a:ext>
+                </a:extLst>
+              </p:cNvPr>
+              <p:cNvSpPr txBox="1">
+                <a:spLocks noRot="1" noChangeAspect="1" noMove="1" noResize="1" noEditPoints="1" noAdjustHandles="1" noChangeArrowheads="1" noChangeShapeType="1" noTextEdit="1"/>
+              </p:cNvSpPr>
+              <p:nvPr/>
+            </p:nvSpPr>
+            <p:spPr>
+              <a:xfrm>
+                <a:off x="6387343" y="2765210"/>
+                <a:ext cx="797590" cy="468205"/>
+              </a:xfrm>
+              <a:prstGeom prst="rect">
+                <a:avLst/>
+              </a:prstGeom>
+              <a:blipFill>
+                <a:blip r:embed="rId14"/>
+                <a:stretch>
+                  <a:fillRect l="-1587"/>
+                </a:stretch>
+              </a:blipFill>
+            </p:spPr>
+            <p:txBody>
+              <a:bodyPr/>
+              <a:lstStyle/>
+              <a:p>
+                <a:r>
+                  <a:rPr lang="zh-CN" altLang="en-US">
+                    <a:noFill/>
+                  </a:rPr>
+                  <a:t> </a:t>
+                </a:r>
+              </a:p>
+            </p:txBody>
+          </p:sp>
+        </mc:Fallback>
+      </mc:AlternateContent>
+      <mc:AlternateContent xmlns:mc="http://schemas.openxmlformats.org/markup-compatibility/2006">
+        <mc:Choice xmlns:a14="http://schemas.microsoft.com/office/drawing/2010/main" Requires="a14">
+          <p:sp>
+            <p:nvSpPr>
+              <p:cNvPr id="58" name="文本框 57">
+                <a:extLst>
+                  <a:ext uri="{FF2B5EF4-FFF2-40B4-BE49-F238E27FC236}">
+                    <a16:creationId xmlns:a16="http://schemas.microsoft.com/office/drawing/2014/main" id="{A70126E8-F6DA-F9DB-1B16-CDC621A0B555}"/>
+                  </a:ext>
+                </a:extLst>
+              </p:cNvPr>
+              <p:cNvSpPr txBox="1"/>
+              <p:nvPr/>
+            </p:nvSpPr>
+            <p:spPr>
+              <a:xfrm>
+                <a:off x="6512338" y="5220578"/>
+                <a:ext cx="1082776" cy="473591"/>
+              </a:xfrm>
+              <a:prstGeom prst="rect">
+                <a:avLst/>
+              </a:prstGeom>
+              <a:noFill/>
+            </p:spPr>
+            <p:txBody>
+              <a:bodyPr wrap="square">
+                <a:spAutoFit/>
+              </a:bodyPr>
+              <a:lstStyle/>
+              <a:p>
+                <a:r>
+                  <a:rPr lang="zh-CN" altLang="zh-CN" sz="2400" dirty="0">
+                    <a:effectLst/>
+                    <a:ea typeface="Cambria" panose="02040503050406030204" pitchFamily="18" charset="0"/>
+                    <a:cs typeface="Times New Roman" panose="02020603050405020304" pitchFamily="18" charset="0"/>
+                  </a:rPr>
+                  <a:t> </a:t>
+                </a:r>
+                <a14:m>
+                  <m:oMath xmlns:m="http://schemas.openxmlformats.org/officeDocument/2006/math">
+                    <m:sSubSup>
+                      <m:sSubSupPr>
+                        <m:ctrlPr>
+                          <a:rPr lang="zh-CN" altLang="zh-CN" sz="2400" i="1">
+                            <a:effectLst/>
+                            <a:latin typeface="Cambria Math" panose="02040503050406030204" pitchFamily="18" charset="0"/>
+                            <a:ea typeface="Cambria Math" panose="02040503050406030204" pitchFamily="18" charset="0"/>
+                          </a:rPr>
+                        </m:ctrlPr>
+                      </m:sSubSupPr>
+                      <m:e>
+                        <m:r>
+                          <a:rPr lang="en-US" altLang="zh-CN" sz="2400" i="1">
+                            <a:effectLst/>
+                            <a:latin typeface="Cambria Math" panose="02040503050406030204" pitchFamily="18" charset="0"/>
+                            <a:ea typeface="宋体" panose="02010600030101010101" pitchFamily="2" charset="-122"/>
+                            <a:cs typeface="Times New Roman" panose="02020603050405020304" pitchFamily="18" charset="0"/>
+                          </a:rPr>
+                          <m:t>𝑍</m:t>
+                        </m:r>
+                      </m:e>
+                      <m:sub>
+                        <m:r>
+                          <a:rPr lang="en-US" altLang="zh-CN" sz="2400" i="1">
+                            <a:effectLst/>
+                            <a:latin typeface="Cambria Math" panose="02040503050406030204" pitchFamily="18" charset="0"/>
+                            <a:ea typeface="宋体" panose="02010600030101010101" pitchFamily="2" charset="-122"/>
+                            <a:cs typeface="Times New Roman" panose="02020603050405020304" pitchFamily="18" charset="0"/>
+                          </a:rPr>
+                          <m:t>𝑐</m:t>
+                        </m:r>
+                      </m:sub>
+                      <m:sup>
+                        <m:r>
+                          <a:rPr lang="en-US" altLang="zh-CN" sz="2400" i="1">
+                            <a:effectLst/>
+                            <a:latin typeface="Cambria Math" panose="02040503050406030204" pitchFamily="18" charset="0"/>
+                            <a:ea typeface="宋体" panose="02010600030101010101" pitchFamily="2" charset="-122"/>
+                            <a:cs typeface="Times New Roman" panose="02020603050405020304" pitchFamily="18" charset="0"/>
+                          </a:rPr>
+                          <m:t>𝑠𝑡𝑖𝑚</m:t>
+                        </m:r>
+                      </m:sup>
+                    </m:sSubSup>
+                  </m:oMath>
+                </a14:m>
+                <a:r>
+                  <a:rPr lang="zh-CN" altLang="zh-CN" sz="2400" dirty="0">
+                    <a:effectLst/>
+                  </a:rPr>
+                  <a:t> </a:t>
+                </a:r>
+                <a:endParaRPr lang="zh-CN" altLang="en-US" sz="2400" dirty="0"/>
+              </a:p>
+            </p:txBody>
+          </p:sp>
+        </mc:Choice>
+        <mc:Fallback>
+          <p:sp>
+            <p:nvSpPr>
+              <p:cNvPr id="58" name="文本框 57">
+                <a:extLst>
+                  <a:ext uri="{FF2B5EF4-FFF2-40B4-BE49-F238E27FC236}">
+                    <a16:creationId xmlns:a16="http://schemas.microsoft.com/office/drawing/2014/main" id="{A70126E8-F6DA-F9DB-1B16-CDC621A0B555}"/>
+                  </a:ext>
+                </a:extLst>
+              </p:cNvPr>
+              <p:cNvSpPr txBox="1">
+                <a:spLocks noRot="1" noChangeAspect="1" noMove="1" noResize="1" noEditPoints="1" noAdjustHandles="1" noChangeArrowheads="1" noChangeShapeType="1" noTextEdit="1"/>
+              </p:cNvSpPr>
+              <p:nvPr/>
+            </p:nvSpPr>
+            <p:spPr>
+              <a:xfrm>
+                <a:off x="6512338" y="5220578"/>
+                <a:ext cx="1082776" cy="473591"/>
+              </a:xfrm>
+              <a:prstGeom prst="rect">
+                <a:avLst/>
+              </a:prstGeom>
+              <a:blipFill>
+                <a:blip r:embed="rId15"/>
+                <a:stretch>
+                  <a:fillRect/>
+                </a:stretch>
+              </a:blipFill>
+            </p:spPr>
+            <p:txBody>
+              <a:bodyPr/>
+              <a:lstStyle/>
+              <a:p>
+                <a:r>
+                  <a:rPr lang="zh-CN" altLang="en-US">
+                    <a:noFill/>
+                  </a:rPr>
+                  <a:t> </a:t>
+                </a:r>
+              </a:p>
+            </p:txBody>
+          </p:sp>
+        </mc:Fallback>
+      </mc:AlternateContent>
+    </p:spTree>
+    <p:extLst>
+      <p:ext uri="{BB962C8B-B14F-4D97-AF65-F5344CB8AC3E}">
+        <p14:creationId xmlns:p14="http://schemas.microsoft.com/office/powerpoint/2010/main" val="127917626"/>
+      </p:ext>
+    </p:extLst>
+  </p:cSld>
+  <p:clrMapOvr>
+    <a:masterClrMapping/>
+  </p:clrMapOvr>
+</p:sld>
+</file>
+
+<file path=ppt/slides/slide2.xml><?xml version="1.0" encoding="utf-8"?>
+<p:sld xmlns:a="http://schemas.openxmlformats.org/drawingml/2006/main" xmlns:r="http://schemas.openxmlformats.org/officeDocument/2006/relationships" xmlns:p="http://schemas.openxmlformats.org/presentationml/2006/main">
+  <p:cSld>
+    <p:spTree>
+      <p:nvGrpSpPr>
+        <p:cNvPr id="1" name=""/>
+        <p:cNvGrpSpPr/>
+        <p:nvPr/>
+      </p:nvGrpSpPr>
+      <p:grpSpPr>
+        <a:xfrm>
+          <a:off x="0" y="0"/>
+          <a:ext cx="0" cy="0"/>
+          <a:chOff x="0" y="0"/>
+          <a:chExt cx="0" cy="0"/>
+        </a:xfrm>
+      </p:grpSpPr>
       <p:pic>
         <p:nvPicPr>
           <p:cNvPr id="6" name="图片 5">
@@ -6140,6 +10254,186 @@
           </a:graphic>
         </p:graphicFrame>
       </p:grpSp>
+      <p:sp>
+        <p:nvSpPr>
+          <p:cNvPr id="2" name="文本框 1">
+            <a:extLst>
+              <a:ext uri="{FF2B5EF4-FFF2-40B4-BE49-F238E27FC236}">
+                <a16:creationId xmlns:a16="http://schemas.microsoft.com/office/drawing/2014/main" id="{D495E8C5-44D7-8E88-11BD-DF23ACD9E7F7}"/>
+              </a:ext>
+            </a:extLst>
+          </p:cNvPr>
+          <p:cNvSpPr txBox="1"/>
+          <p:nvPr/>
+        </p:nvSpPr>
+        <p:spPr>
+          <a:xfrm>
+            <a:off x="8315999" y="0"/>
+            <a:ext cx="288862" cy="369332"/>
+          </a:xfrm>
+          <a:prstGeom prst="rect">
+            <a:avLst/>
+          </a:prstGeom>
+          <a:noFill/>
+        </p:spPr>
+        <p:txBody>
+          <a:bodyPr wrap="none" rtlCol="0">
+            <a:spAutoFit/>
+          </a:bodyPr>
+          <a:lstStyle/>
+          <a:p>
+            <a:r>
+              <a:rPr kumimoji="1" lang="en-US" altLang="zh-CN" dirty="0"/>
+              <a:t>c</a:t>
+            </a:r>
+            <a:endParaRPr kumimoji="1" lang="zh-CN" altLang="en-US" dirty="0"/>
+          </a:p>
+        </p:txBody>
+      </p:sp>
+      <p:sp>
+        <p:nvSpPr>
+          <p:cNvPr id="12" name="文本框 11">
+            <a:extLst>
+              <a:ext uri="{FF2B5EF4-FFF2-40B4-BE49-F238E27FC236}">
+                <a16:creationId xmlns:a16="http://schemas.microsoft.com/office/drawing/2014/main" id="{4165AE12-F6BA-A547-8059-DB0B81DF057E}"/>
+              </a:ext>
+            </a:extLst>
+          </p:cNvPr>
+          <p:cNvSpPr txBox="1"/>
+          <p:nvPr/>
+        </p:nvSpPr>
+        <p:spPr>
+          <a:xfrm>
+            <a:off x="0" y="1345168"/>
+            <a:ext cx="300082" cy="369332"/>
+          </a:xfrm>
+          <a:prstGeom prst="rect">
+            <a:avLst/>
+          </a:prstGeom>
+          <a:noFill/>
+        </p:spPr>
+        <p:txBody>
+          <a:bodyPr wrap="none" rtlCol="0">
+            <a:spAutoFit/>
+          </a:bodyPr>
+          <a:lstStyle/>
+          <a:p>
+            <a:r>
+              <a:rPr kumimoji="1" lang="en-US" altLang="zh-CN" dirty="0"/>
+              <a:t>a</a:t>
+            </a:r>
+            <a:endParaRPr kumimoji="1" lang="zh-CN" altLang="en-US" dirty="0"/>
+          </a:p>
+        </p:txBody>
+      </p:sp>
+      <p:sp>
+        <p:nvSpPr>
+          <p:cNvPr id="14" name="文本框 13">
+            <a:extLst>
+              <a:ext uri="{FF2B5EF4-FFF2-40B4-BE49-F238E27FC236}">
+                <a16:creationId xmlns:a16="http://schemas.microsoft.com/office/drawing/2014/main" id="{C9BD06B3-ED5E-08C9-CD2E-7C5593D4E78A}"/>
+              </a:ext>
+            </a:extLst>
+          </p:cNvPr>
+          <p:cNvSpPr txBox="1"/>
+          <p:nvPr/>
+        </p:nvSpPr>
+        <p:spPr>
+          <a:xfrm>
+            <a:off x="4440002" y="0"/>
+            <a:ext cx="317716" cy="369332"/>
+          </a:xfrm>
+          <a:prstGeom prst="rect">
+            <a:avLst/>
+          </a:prstGeom>
+          <a:noFill/>
+        </p:spPr>
+        <p:txBody>
+          <a:bodyPr wrap="none" rtlCol="0">
+            <a:spAutoFit/>
+          </a:bodyPr>
+          <a:lstStyle/>
+          <a:p>
+            <a:r>
+              <a:rPr kumimoji="1" lang="en-US" altLang="zh-CN" dirty="0"/>
+              <a:t>b</a:t>
+            </a:r>
+            <a:endParaRPr kumimoji="1" lang="zh-CN" altLang="en-US" dirty="0"/>
+          </a:p>
+        </p:txBody>
+      </p:sp>
+      <p:sp>
+        <p:nvSpPr>
+          <p:cNvPr id="15" name="文本框 14">
+            <a:extLst>
+              <a:ext uri="{FF2B5EF4-FFF2-40B4-BE49-F238E27FC236}">
+                <a16:creationId xmlns:a16="http://schemas.microsoft.com/office/drawing/2014/main" id="{DD9E4875-222B-7B3B-E28B-D1EE1F1ADEF1}"/>
+              </a:ext>
+            </a:extLst>
+          </p:cNvPr>
+          <p:cNvSpPr txBox="1"/>
+          <p:nvPr/>
+        </p:nvSpPr>
+        <p:spPr>
+          <a:xfrm>
+            <a:off x="8315999" y="3398180"/>
+            <a:ext cx="303288" cy="369332"/>
+          </a:xfrm>
+          <a:prstGeom prst="rect">
+            <a:avLst/>
+          </a:prstGeom>
+          <a:noFill/>
+        </p:spPr>
+        <p:txBody>
+          <a:bodyPr wrap="none" rtlCol="0">
+            <a:spAutoFit/>
+          </a:bodyPr>
+          <a:lstStyle/>
+          <a:p>
+            <a:r>
+              <a:rPr kumimoji="1" lang="en-US" altLang="zh-CN" dirty="0"/>
+              <a:t>e</a:t>
+            </a:r>
+            <a:endParaRPr kumimoji="1" lang="zh-CN" altLang="en-US" dirty="0"/>
+          </a:p>
+        </p:txBody>
+      </p:sp>
+      <p:sp>
+        <p:nvSpPr>
+          <p:cNvPr id="16" name="文本框 15">
+            <a:extLst>
+              <a:ext uri="{FF2B5EF4-FFF2-40B4-BE49-F238E27FC236}">
+                <a16:creationId xmlns:a16="http://schemas.microsoft.com/office/drawing/2014/main" id="{632ED9AD-CB5C-E50F-4744-B323509C9475}"/>
+              </a:ext>
+            </a:extLst>
+          </p:cNvPr>
+          <p:cNvSpPr txBox="1"/>
+          <p:nvPr/>
+        </p:nvSpPr>
+        <p:spPr>
+          <a:xfrm>
+            <a:off x="4535999" y="3398180"/>
+            <a:ext cx="317716" cy="369332"/>
+          </a:xfrm>
+          <a:prstGeom prst="rect">
+            <a:avLst/>
+          </a:prstGeom>
+          <a:noFill/>
+        </p:spPr>
+        <p:txBody>
+          <a:bodyPr wrap="none" rtlCol="0">
+            <a:spAutoFit/>
+          </a:bodyPr>
+          <a:lstStyle/>
+          <a:p>
+            <a:r>
+              <a:rPr kumimoji="1" lang="en-US" altLang="zh-CN" dirty="0"/>
+              <a:t>d</a:t>
+            </a:r>
+            <a:endParaRPr kumimoji="1" lang="zh-CN" altLang="en-US" dirty="0"/>
+          </a:p>
+        </p:txBody>
+      </p:sp>
     </p:spTree>
     <p:extLst>
       <p:ext uri="{BB962C8B-B14F-4D97-AF65-F5344CB8AC3E}">
@@ -6153,7 +10447,7 @@
 </p:sld>
 </file>
 
-<file path=ppt/slides/slide2.xml><?xml version="1.0" encoding="utf-8"?>
+<file path=ppt/slides/slide3.xml><?xml version="1.0" encoding="utf-8"?>
 <p:sld xmlns:a="http://schemas.openxmlformats.org/drawingml/2006/main" xmlns:r="http://schemas.openxmlformats.org/officeDocument/2006/relationships" xmlns:p="http://schemas.openxmlformats.org/presentationml/2006/main">
   <p:cSld>
     <p:spTree>
@@ -6486,6 +10780,186 @@
           </a:p>
         </p:txBody>
       </p:sp>
+      <p:sp>
+        <p:nvSpPr>
+          <p:cNvPr id="10" name="文本框 9">
+            <a:extLst>
+              <a:ext uri="{FF2B5EF4-FFF2-40B4-BE49-F238E27FC236}">
+                <a16:creationId xmlns:a16="http://schemas.microsoft.com/office/drawing/2014/main" id="{205FD34B-6F71-DFA4-F6E6-9736189070D0}"/>
+              </a:ext>
+            </a:extLst>
+          </p:cNvPr>
+          <p:cNvSpPr txBox="1"/>
+          <p:nvPr/>
+        </p:nvSpPr>
+        <p:spPr>
+          <a:xfrm>
+            <a:off x="7748969" y="0"/>
+            <a:ext cx="288862" cy="369332"/>
+          </a:xfrm>
+          <a:prstGeom prst="rect">
+            <a:avLst/>
+          </a:prstGeom>
+          <a:noFill/>
+        </p:spPr>
+        <p:txBody>
+          <a:bodyPr wrap="none" rtlCol="0">
+            <a:spAutoFit/>
+          </a:bodyPr>
+          <a:lstStyle/>
+          <a:p>
+            <a:r>
+              <a:rPr kumimoji="1" lang="en-US" altLang="zh-CN" dirty="0"/>
+              <a:t>c</a:t>
+            </a:r>
+            <a:endParaRPr kumimoji="1" lang="zh-CN" altLang="en-US" dirty="0"/>
+          </a:p>
+        </p:txBody>
+      </p:sp>
+      <p:sp>
+        <p:nvSpPr>
+          <p:cNvPr id="12" name="文本框 11">
+            <a:extLst>
+              <a:ext uri="{FF2B5EF4-FFF2-40B4-BE49-F238E27FC236}">
+                <a16:creationId xmlns:a16="http://schemas.microsoft.com/office/drawing/2014/main" id="{68AFBCBA-0512-DEEE-49A3-C0FDE3AF9C32}"/>
+              </a:ext>
+            </a:extLst>
+          </p:cNvPr>
+          <p:cNvSpPr txBox="1"/>
+          <p:nvPr/>
+        </p:nvSpPr>
+        <p:spPr>
+          <a:xfrm>
+            <a:off x="-59634" y="-89451"/>
+            <a:ext cx="300082" cy="369332"/>
+          </a:xfrm>
+          <a:prstGeom prst="rect">
+            <a:avLst/>
+          </a:prstGeom>
+          <a:noFill/>
+        </p:spPr>
+        <p:txBody>
+          <a:bodyPr wrap="none" rtlCol="0">
+            <a:spAutoFit/>
+          </a:bodyPr>
+          <a:lstStyle/>
+          <a:p>
+            <a:r>
+              <a:rPr kumimoji="1" lang="en-US" altLang="zh-CN" dirty="0"/>
+              <a:t>a</a:t>
+            </a:r>
+            <a:endParaRPr kumimoji="1" lang="zh-CN" altLang="en-US" dirty="0"/>
+          </a:p>
+        </p:txBody>
+      </p:sp>
+      <p:sp>
+        <p:nvSpPr>
+          <p:cNvPr id="14" name="文本框 13">
+            <a:extLst>
+              <a:ext uri="{FF2B5EF4-FFF2-40B4-BE49-F238E27FC236}">
+                <a16:creationId xmlns:a16="http://schemas.microsoft.com/office/drawing/2014/main" id="{865602A0-ECB9-DF0D-0D14-2589AC4C9FF0}"/>
+              </a:ext>
+            </a:extLst>
+          </p:cNvPr>
+          <p:cNvSpPr txBox="1"/>
+          <p:nvPr/>
+        </p:nvSpPr>
+        <p:spPr>
+          <a:xfrm>
+            <a:off x="3156720" y="115093"/>
+            <a:ext cx="317716" cy="369332"/>
+          </a:xfrm>
+          <a:prstGeom prst="rect">
+            <a:avLst/>
+          </a:prstGeom>
+          <a:noFill/>
+        </p:spPr>
+        <p:txBody>
+          <a:bodyPr wrap="none" rtlCol="0">
+            <a:spAutoFit/>
+          </a:bodyPr>
+          <a:lstStyle/>
+          <a:p>
+            <a:r>
+              <a:rPr kumimoji="1" lang="en-US" altLang="zh-CN" dirty="0"/>
+              <a:t>b</a:t>
+            </a:r>
+            <a:endParaRPr kumimoji="1" lang="zh-CN" altLang="en-US" dirty="0"/>
+          </a:p>
+        </p:txBody>
+      </p:sp>
+      <p:sp>
+        <p:nvSpPr>
+          <p:cNvPr id="15" name="文本框 14">
+            <a:extLst>
+              <a:ext uri="{FF2B5EF4-FFF2-40B4-BE49-F238E27FC236}">
+                <a16:creationId xmlns:a16="http://schemas.microsoft.com/office/drawing/2014/main" id="{314AFB97-62D3-7140-8EEB-1071CD5E3FEF}"/>
+              </a:ext>
+            </a:extLst>
+          </p:cNvPr>
+          <p:cNvSpPr txBox="1"/>
+          <p:nvPr/>
+        </p:nvSpPr>
+        <p:spPr>
+          <a:xfrm>
+            <a:off x="4807044" y="3285804"/>
+            <a:ext cx="303288" cy="369332"/>
+          </a:xfrm>
+          <a:prstGeom prst="rect">
+            <a:avLst/>
+          </a:prstGeom>
+          <a:noFill/>
+        </p:spPr>
+        <p:txBody>
+          <a:bodyPr wrap="none" rtlCol="0">
+            <a:spAutoFit/>
+          </a:bodyPr>
+          <a:lstStyle/>
+          <a:p>
+            <a:r>
+              <a:rPr kumimoji="1" lang="en-US" altLang="zh-CN" dirty="0"/>
+              <a:t>e</a:t>
+            </a:r>
+            <a:endParaRPr kumimoji="1" lang="zh-CN" altLang="en-US" dirty="0"/>
+          </a:p>
+        </p:txBody>
+      </p:sp>
+      <p:sp>
+        <p:nvSpPr>
+          <p:cNvPr id="16" name="文本框 15">
+            <a:extLst>
+              <a:ext uri="{FF2B5EF4-FFF2-40B4-BE49-F238E27FC236}">
+                <a16:creationId xmlns:a16="http://schemas.microsoft.com/office/drawing/2014/main" id="{5457FD52-689F-59F7-0EB8-03F1F9C1DCBD}"/>
+              </a:ext>
+            </a:extLst>
+          </p:cNvPr>
+          <p:cNvSpPr txBox="1"/>
+          <p:nvPr/>
+        </p:nvSpPr>
+        <p:spPr>
+          <a:xfrm>
+            <a:off x="0" y="3059668"/>
+            <a:ext cx="317716" cy="369332"/>
+          </a:xfrm>
+          <a:prstGeom prst="rect">
+            <a:avLst/>
+          </a:prstGeom>
+          <a:noFill/>
+        </p:spPr>
+        <p:txBody>
+          <a:bodyPr wrap="none" rtlCol="0">
+            <a:spAutoFit/>
+          </a:bodyPr>
+          <a:lstStyle/>
+          <a:p>
+            <a:r>
+              <a:rPr kumimoji="1" lang="en-US" altLang="zh-CN" dirty="0"/>
+              <a:t>d</a:t>
+            </a:r>
+            <a:endParaRPr kumimoji="1" lang="zh-CN" altLang="en-US" dirty="0"/>
+          </a:p>
+        </p:txBody>
+      </p:sp>
     </p:spTree>
     <p:extLst>
       <p:ext uri="{BB962C8B-B14F-4D97-AF65-F5344CB8AC3E}">
@@ -6499,7 +10973,7 @@
 </p:sld>
 </file>
 
-<file path=ppt/slides/slide3.xml><?xml version="1.0" encoding="utf-8"?>
+<file path=ppt/slides/slide4.xml><?xml version="1.0" encoding="utf-8"?>
 <p:sld xmlns:a="http://schemas.openxmlformats.org/drawingml/2006/main" xmlns:r="http://schemas.openxmlformats.org/officeDocument/2006/relationships" xmlns:p="http://schemas.openxmlformats.org/presentationml/2006/main">
   <p:cSld>
     <p:spTree>
@@ -6825,6 +11299,186 @@
           </a:graphicData>
         </a:graphic>
       </p:graphicFrame>
+      <p:sp>
+        <p:nvSpPr>
+          <p:cNvPr id="13" name="文本框 12">
+            <a:extLst>
+              <a:ext uri="{FF2B5EF4-FFF2-40B4-BE49-F238E27FC236}">
+                <a16:creationId xmlns:a16="http://schemas.microsoft.com/office/drawing/2014/main" id="{CE6F6796-F4D9-1BBC-7E21-84668DAC42FB}"/>
+              </a:ext>
+            </a:extLst>
+          </p:cNvPr>
+          <p:cNvSpPr txBox="1"/>
+          <p:nvPr/>
+        </p:nvSpPr>
+        <p:spPr>
+          <a:xfrm>
+            <a:off x="9207089" y="-2"/>
+            <a:ext cx="288862" cy="369332"/>
+          </a:xfrm>
+          <a:prstGeom prst="rect">
+            <a:avLst/>
+          </a:prstGeom>
+          <a:noFill/>
+        </p:spPr>
+        <p:txBody>
+          <a:bodyPr wrap="none" rtlCol="0">
+            <a:spAutoFit/>
+          </a:bodyPr>
+          <a:lstStyle/>
+          <a:p>
+            <a:r>
+              <a:rPr kumimoji="1" lang="en-US" altLang="zh-CN" dirty="0"/>
+              <a:t>c</a:t>
+            </a:r>
+            <a:endParaRPr kumimoji="1" lang="zh-CN" altLang="en-US" dirty="0"/>
+          </a:p>
+        </p:txBody>
+      </p:sp>
+      <p:sp>
+        <p:nvSpPr>
+          <p:cNvPr id="16" name="文本框 15">
+            <a:extLst>
+              <a:ext uri="{FF2B5EF4-FFF2-40B4-BE49-F238E27FC236}">
+                <a16:creationId xmlns:a16="http://schemas.microsoft.com/office/drawing/2014/main" id="{1CE1CDB5-7E4A-782F-DF03-FFF8D60134A5}"/>
+              </a:ext>
+            </a:extLst>
+          </p:cNvPr>
+          <p:cNvSpPr txBox="1"/>
+          <p:nvPr/>
+        </p:nvSpPr>
+        <p:spPr>
+          <a:xfrm>
+            <a:off x="-22908" y="-2"/>
+            <a:ext cx="300082" cy="369332"/>
+          </a:xfrm>
+          <a:prstGeom prst="rect">
+            <a:avLst/>
+          </a:prstGeom>
+          <a:noFill/>
+        </p:spPr>
+        <p:txBody>
+          <a:bodyPr wrap="none" rtlCol="0">
+            <a:spAutoFit/>
+          </a:bodyPr>
+          <a:lstStyle/>
+          <a:p>
+            <a:r>
+              <a:rPr kumimoji="1" lang="en-US" altLang="zh-CN" dirty="0"/>
+              <a:t>a</a:t>
+            </a:r>
+            <a:endParaRPr kumimoji="1" lang="zh-CN" altLang="en-US" dirty="0"/>
+          </a:p>
+        </p:txBody>
+      </p:sp>
+      <p:sp>
+        <p:nvSpPr>
+          <p:cNvPr id="17" name="文本框 16">
+            <a:extLst>
+              <a:ext uri="{FF2B5EF4-FFF2-40B4-BE49-F238E27FC236}">
+                <a16:creationId xmlns:a16="http://schemas.microsoft.com/office/drawing/2014/main" id="{0CFBED23-B414-75D0-B602-6DCDE36B4022}"/>
+              </a:ext>
+            </a:extLst>
+          </p:cNvPr>
+          <p:cNvSpPr txBox="1"/>
+          <p:nvPr/>
+        </p:nvSpPr>
+        <p:spPr>
+          <a:xfrm>
+            <a:off x="4765579" y="0"/>
+            <a:ext cx="317716" cy="369332"/>
+          </a:xfrm>
+          <a:prstGeom prst="rect">
+            <a:avLst/>
+          </a:prstGeom>
+          <a:noFill/>
+        </p:spPr>
+        <p:txBody>
+          <a:bodyPr wrap="none" rtlCol="0">
+            <a:spAutoFit/>
+          </a:bodyPr>
+          <a:lstStyle/>
+          <a:p>
+            <a:r>
+              <a:rPr kumimoji="1" lang="en-US" altLang="zh-CN" dirty="0"/>
+              <a:t>b</a:t>
+            </a:r>
+            <a:endParaRPr kumimoji="1" lang="zh-CN" altLang="en-US" dirty="0"/>
+          </a:p>
+        </p:txBody>
+      </p:sp>
+      <p:sp>
+        <p:nvSpPr>
+          <p:cNvPr id="18" name="文本框 17">
+            <a:extLst>
+              <a:ext uri="{FF2B5EF4-FFF2-40B4-BE49-F238E27FC236}">
+                <a16:creationId xmlns:a16="http://schemas.microsoft.com/office/drawing/2014/main" id="{B912DFE2-AB33-E0D3-D159-74343536DC86}"/>
+              </a:ext>
+            </a:extLst>
+          </p:cNvPr>
+          <p:cNvSpPr txBox="1"/>
+          <p:nvPr/>
+        </p:nvSpPr>
+        <p:spPr>
+          <a:xfrm>
+            <a:off x="5788598" y="4014294"/>
+            <a:ext cx="303288" cy="369332"/>
+          </a:xfrm>
+          <a:prstGeom prst="rect">
+            <a:avLst/>
+          </a:prstGeom>
+          <a:noFill/>
+        </p:spPr>
+        <p:txBody>
+          <a:bodyPr wrap="none" rtlCol="0">
+            <a:spAutoFit/>
+          </a:bodyPr>
+          <a:lstStyle/>
+          <a:p>
+            <a:r>
+              <a:rPr kumimoji="1" lang="en-US" altLang="zh-CN" dirty="0"/>
+              <a:t>e</a:t>
+            </a:r>
+            <a:endParaRPr kumimoji="1" lang="zh-CN" altLang="en-US" dirty="0"/>
+          </a:p>
+        </p:txBody>
+      </p:sp>
+      <p:sp>
+        <p:nvSpPr>
+          <p:cNvPr id="19" name="文本框 18">
+            <a:extLst>
+              <a:ext uri="{FF2B5EF4-FFF2-40B4-BE49-F238E27FC236}">
+                <a16:creationId xmlns:a16="http://schemas.microsoft.com/office/drawing/2014/main" id="{E5782717-14BE-01D1-04C6-A587C328CC4C}"/>
+              </a:ext>
+            </a:extLst>
+          </p:cNvPr>
+          <p:cNvSpPr txBox="1"/>
+          <p:nvPr/>
+        </p:nvSpPr>
+        <p:spPr>
+          <a:xfrm>
+            <a:off x="0" y="4014294"/>
+            <a:ext cx="317716" cy="369332"/>
+          </a:xfrm>
+          <a:prstGeom prst="rect">
+            <a:avLst/>
+          </a:prstGeom>
+          <a:noFill/>
+        </p:spPr>
+        <p:txBody>
+          <a:bodyPr wrap="none" rtlCol="0">
+            <a:spAutoFit/>
+          </a:bodyPr>
+          <a:lstStyle/>
+          <a:p>
+            <a:r>
+              <a:rPr kumimoji="1" lang="en-US" altLang="zh-CN" dirty="0"/>
+              <a:t>d</a:t>
+            </a:r>
+            <a:endParaRPr kumimoji="1" lang="zh-CN" altLang="en-US" dirty="0"/>
+          </a:p>
+        </p:txBody>
+      </p:sp>
     </p:spTree>
     <p:extLst>
       <p:ext uri="{BB962C8B-B14F-4D97-AF65-F5344CB8AC3E}">
@@ -6838,7 +11492,7 @@
 </p:sld>
 </file>
 
-<file path=ppt/slides/slide4.xml><?xml version="1.0" encoding="utf-8"?>
+<file path=ppt/slides/slide5.xml><?xml version="1.0" encoding="utf-8"?>
 <p:sld xmlns:a="http://schemas.openxmlformats.org/drawingml/2006/main" xmlns:r="http://schemas.openxmlformats.org/officeDocument/2006/relationships" xmlns:p="http://schemas.openxmlformats.org/presentationml/2006/main">
   <p:cSld>
     <p:spTree>
@@ -7035,6 +11689,222 @@
           </a:prstGeom>
         </p:spPr>
       </p:pic>
+      <p:sp>
+        <p:nvSpPr>
+          <p:cNvPr id="8" name="文本框 7">
+            <a:extLst>
+              <a:ext uri="{FF2B5EF4-FFF2-40B4-BE49-F238E27FC236}">
+                <a16:creationId xmlns:a16="http://schemas.microsoft.com/office/drawing/2014/main" id="{1BEDEA63-3C50-E3FD-8AAB-8D1465C07EFA}"/>
+              </a:ext>
+            </a:extLst>
+          </p:cNvPr>
+          <p:cNvSpPr txBox="1"/>
+          <p:nvPr/>
+        </p:nvSpPr>
+        <p:spPr>
+          <a:xfrm>
+            <a:off x="8076001" y="1365582"/>
+            <a:ext cx="288862" cy="369332"/>
+          </a:xfrm>
+          <a:prstGeom prst="rect">
+            <a:avLst/>
+          </a:prstGeom>
+          <a:noFill/>
+        </p:spPr>
+        <p:txBody>
+          <a:bodyPr wrap="none" rtlCol="0">
+            <a:spAutoFit/>
+          </a:bodyPr>
+          <a:lstStyle/>
+          <a:p>
+            <a:r>
+              <a:rPr kumimoji="1" lang="en-US" altLang="zh-CN" dirty="0"/>
+              <a:t>c</a:t>
+            </a:r>
+            <a:endParaRPr kumimoji="1" lang="zh-CN" altLang="en-US" dirty="0"/>
+          </a:p>
+        </p:txBody>
+      </p:sp>
+      <p:sp>
+        <p:nvSpPr>
+          <p:cNvPr id="9" name="文本框 8">
+            <a:extLst>
+              <a:ext uri="{FF2B5EF4-FFF2-40B4-BE49-F238E27FC236}">
+                <a16:creationId xmlns:a16="http://schemas.microsoft.com/office/drawing/2014/main" id="{EDD25AA8-955A-A100-5707-86FBD630D407}"/>
+              </a:ext>
+            </a:extLst>
+          </p:cNvPr>
+          <p:cNvSpPr txBox="1"/>
+          <p:nvPr/>
+        </p:nvSpPr>
+        <p:spPr>
+          <a:xfrm>
+            <a:off x="0" y="-6552"/>
+            <a:ext cx="300082" cy="369332"/>
+          </a:xfrm>
+          <a:prstGeom prst="rect">
+            <a:avLst/>
+          </a:prstGeom>
+          <a:noFill/>
+        </p:spPr>
+        <p:txBody>
+          <a:bodyPr wrap="none" rtlCol="0">
+            <a:spAutoFit/>
+          </a:bodyPr>
+          <a:lstStyle/>
+          <a:p>
+            <a:r>
+              <a:rPr kumimoji="1" lang="en-US" altLang="zh-CN" dirty="0"/>
+              <a:t>a</a:t>
+            </a:r>
+            <a:endParaRPr kumimoji="1" lang="zh-CN" altLang="en-US" dirty="0"/>
+          </a:p>
+        </p:txBody>
+      </p:sp>
+      <p:sp>
+        <p:nvSpPr>
+          <p:cNvPr id="10" name="文本框 9">
+            <a:extLst>
+              <a:ext uri="{FF2B5EF4-FFF2-40B4-BE49-F238E27FC236}">
+                <a16:creationId xmlns:a16="http://schemas.microsoft.com/office/drawing/2014/main" id="{0EB7C46A-6AD4-35BB-CC57-52E8BF146F38}"/>
+              </a:ext>
+            </a:extLst>
+          </p:cNvPr>
+          <p:cNvSpPr txBox="1"/>
+          <p:nvPr/>
+        </p:nvSpPr>
+        <p:spPr>
+          <a:xfrm>
+            <a:off x="4116001" y="1365582"/>
+            <a:ext cx="317716" cy="369332"/>
+          </a:xfrm>
+          <a:prstGeom prst="rect">
+            <a:avLst/>
+          </a:prstGeom>
+          <a:noFill/>
+        </p:spPr>
+        <p:txBody>
+          <a:bodyPr wrap="none" rtlCol="0">
+            <a:spAutoFit/>
+          </a:bodyPr>
+          <a:lstStyle/>
+          <a:p>
+            <a:r>
+              <a:rPr kumimoji="1" lang="en-US" altLang="zh-CN" dirty="0"/>
+              <a:t>b</a:t>
+            </a:r>
+            <a:endParaRPr kumimoji="1" lang="zh-CN" altLang="en-US" dirty="0"/>
+          </a:p>
+        </p:txBody>
+      </p:sp>
+      <p:sp>
+        <p:nvSpPr>
+          <p:cNvPr id="12" name="文本框 11">
+            <a:extLst>
+              <a:ext uri="{FF2B5EF4-FFF2-40B4-BE49-F238E27FC236}">
+                <a16:creationId xmlns:a16="http://schemas.microsoft.com/office/drawing/2014/main" id="{42741D60-FE86-6C22-E89C-8D2445FFCCF5}"/>
+              </a:ext>
+            </a:extLst>
+          </p:cNvPr>
+          <p:cNvSpPr txBox="1"/>
+          <p:nvPr/>
+        </p:nvSpPr>
+        <p:spPr>
+          <a:xfrm>
+            <a:off x="8068788" y="3595334"/>
+            <a:ext cx="251992" cy="369332"/>
+          </a:xfrm>
+          <a:prstGeom prst="rect">
+            <a:avLst/>
+          </a:prstGeom>
+          <a:noFill/>
+        </p:spPr>
+        <p:txBody>
+          <a:bodyPr wrap="none" rtlCol="0">
+            <a:spAutoFit/>
+          </a:bodyPr>
+          <a:lstStyle/>
+          <a:p>
+            <a:r>
+              <a:rPr kumimoji="1" lang="en-US" altLang="zh-CN" dirty="0"/>
+              <a:t>f</a:t>
+            </a:r>
+            <a:endParaRPr kumimoji="1" lang="zh-CN" altLang="en-US" dirty="0"/>
+          </a:p>
+        </p:txBody>
+      </p:sp>
+      <p:sp>
+        <p:nvSpPr>
+          <p:cNvPr id="14" name="文本框 13">
+            <a:extLst>
+              <a:ext uri="{FF2B5EF4-FFF2-40B4-BE49-F238E27FC236}">
+                <a16:creationId xmlns:a16="http://schemas.microsoft.com/office/drawing/2014/main" id="{379FA507-F6D0-5C16-C5CF-16CAF201521B}"/>
+              </a:ext>
+            </a:extLst>
+          </p:cNvPr>
+          <p:cNvSpPr txBox="1"/>
+          <p:nvPr/>
+        </p:nvSpPr>
+        <p:spPr>
+          <a:xfrm>
+            <a:off x="-1603" y="3543439"/>
+            <a:ext cx="317716" cy="369332"/>
+          </a:xfrm>
+          <a:prstGeom prst="rect">
+            <a:avLst/>
+          </a:prstGeom>
+          <a:noFill/>
+        </p:spPr>
+        <p:txBody>
+          <a:bodyPr wrap="none" rtlCol="0">
+            <a:spAutoFit/>
+          </a:bodyPr>
+          <a:lstStyle/>
+          <a:p>
+            <a:r>
+              <a:rPr kumimoji="1" lang="en-US" altLang="zh-CN" dirty="0"/>
+              <a:t>d</a:t>
+            </a:r>
+            <a:endParaRPr kumimoji="1" lang="zh-CN" altLang="en-US" dirty="0"/>
+          </a:p>
+        </p:txBody>
+      </p:sp>
+      <p:sp>
+        <p:nvSpPr>
+          <p:cNvPr id="16" name="文本框 15">
+            <a:extLst>
+              <a:ext uri="{FF2B5EF4-FFF2-40B4-BE49-F238E27FC236}">
+                <a16:creationId xmlns:a16="http://schemas.microsoft.com/office/drawing/2014/main" id="{C0E1C9FC-4F71-159D-9131-8E962E06AE42}"/>
+              </a:ext>
+            </a:extLst>
+          </p:cNvPr>
+          <p:cNvSpPr txBox="1"/>
+          <p:nvPr/>
+        </p:nvSpPr>
+        <p:spPr>
+          <a:xfrm>
+            <a:off x="4123215" y="3596265"/>
+            <a:ext cx="303288" cy="369332"/>
+          </a:xfrm>
+          <a:prstGeom prst="rect">
+            <a:avLst/>
+          </a:prstGeom>
+          <a:noFill/>
+        </p:spPr>
+        <p:txBody>
+          <a:bodyPr wrap="none" rtlCol="0">
+            <a:spAutoFit/>
+          </a:bodyPr>
+          <a:lstStyle/>
+          <a:p>
+            <a:r>
+              <a:rPr kumimoji="1" lang="en-US" altLang="zh-CN" dirty="0"/>
+              <a:t>e</a:t>
+            </a:r>
+            <a:endParaRPr kumimoji="1" lang="zh-CN" altLang="en-US" dirty="0"/>
+          </a:p>
+        </p:txBody>
+      </p:sp>
     </p:spTree>
     <p:extLst>
       <p:ext uri="{BB962C8B-B14F-4D97-AF65-F5344CB8AC3E}">
@@ -7341,4 +12211,299 @@
     </a:ext>
   </a:extLst>
 </a:theme>
+</file>
+
+<file path=ppt/theme/theme2.xml><?xml version="1.0" encoding="utf-8"?>
+<a:theme xmlns:a="http://schemas.openxmlformats.org/drawingml/2006/main" name="Office 主题​​">
+  <a:themeElements>
+    <a:clrScheme name="Office">
+      <a:dk1>
+        <a:sysClr val="windowText" lastClr="000000"/>
+      </a:dk1>
+      <a:lt1>
+        <a:sysClr val="window" lastClr="FFFFFF"/>
+      </a:lt1>
+      <a:dk2>
+        <a:srgbClr val="44546A"/>
+      </a:dk2>
+      <a:lt2>
+        <a:srgbClr val="E7E6E6"/>
+      </a:lt2>
+      <a:accent1>
+        <a:srgbClr val="4472C4"/>
+      </a:accent1>
+      <a:accent2>
+        <a:srgbClr val="ED7D31"/>
+      </a:accent2>
+      <a:accent3>
+        <a:srgbClr val="A5A5A5"/>
+      </a:accent3>
+      <a:accent4>
+        <a:srgbClr val="FFC000"/>
+      </a:accent4>
+      <a:accent5>
+        <a:srgbClr val="5B9BD5"/>
+      </a:accent5>
+      <a:accent6>
+        <a:srgbClr val="70AD47"/>
+      </a:accent6>
+      <a:hlink>
+        <a:srgbClr val="0563C1"/>
+      </a:hlink>
+      <a:folHlink>
+        <a:srgbClr val="954F72"/>
+      </a:folHlink>
+    </a:clrScheme>
+    <a:fontScheme name="Office">
+      <a:majorFont>
+        <a:latin typeface="等线 Light" panose="020F0302020204030204"/>
+        <a:ea typeface=""/>
+        <a:cs typeface=""/>
+        <a:font script="Jpan" typeface="游ゴシック Light"/>
+        <a:font script="Hang" typeface="맑은 고딕"/>
+        <a:font script="Hans" typeface="等线 Light"/>
+        <a:font script="Hant" typeface="新細明體"/>
+        <a:font script="Arab" typeface="Times New Roman"/>
+        <a:font script="Hebr" typeface="Times New Roman"/>
+        <a:font script="Thai" typeface="Angsana New"/>
+        <a:font script="Ethi" typeface="Nyala"/>
+        <a:font script="Beng" typeface="Vrinda"/>
+        <a:font script="Gujr" typeface="Shruti"/>
+        <a:font script="Khmr" typeface="MoolBoran"/>
+        <a:font script="Knda" typeface="Tunga"/>
+        <a:font script="Guru" typeface="Raavi"/>
+        <a:font script="Cans" typeface="Euphemia"/>
+        <a:font script="Cher" typeface="Plantagenet Cherokee"/>
+        <a:font script="Yiii" typeface="Microsoft Yi Baiti"/>
+        <a:font script="Tibt" typeface="Microsoft Himalaya"/>
+        <a:font script="Thaa" typeface="MV Boli"/>
+        <a:font script="Deva" typeface="Mangal"/>
+        <a:font script="Telu" typeface="Gautami"/>
+        <a:font script="Taml" typeface="Latha"/>
+        <a:font script="Syrc" typeface="Estrangelo Edessa"/>
+        <a:font script="Orya" typeface="Kalinga"/>
+        <a:font script="Mlym" typeface="Kartika"/>
+        <a:font script="Laoo" typeface="DokChampa"/>
+        <a:font script="Sinh" typeface="Iskoola Pota"/>
+        <a:font script="Mong" typeface="Mongolian Baiti"/>
+        <a:font script="Viet" typeface="Times New Roman"/>
+        <a:font script="Uigh" typeface="Microsoft Uighur"/>
+        <a:font script="Geor" typeface="Sylfaen"/>
+        <a:font script="Armn" typeface="Arial"/>
+        <a:font script="Bugi" typeface="Leelawadee UI"/>
+        <a:font script="Bopo" typeface="Microsoft JhengHei"/>
+        <a:font script="Java" typeface="Javanese Text"/>
+        <a:font script="Lisu" typeface="Segoe UI"/>
+        <a:font script="Mymr" typeface="Myanmar Text"/>
+        <a:font script="Nkoo" typeface="Ebrima"/>
+        <a:font script="Olck" typeface="Nirmala UI"/>
+        <a:font script="Osma" typeface="Ebrima"/>
+        <a:font script="Phag" typeface="Phagspa"/>
+        <a:font script="Syrn" typeface="Estrangelo Edessa"/>
+        <a:font script="Syrj" typeface="Estrangelo Edessa"/>
+        <a:font script="Syre" typeface="Estrangelo Edessa"/>
+        <a:font script="Sora" typeface="Nirmala UI"/>
+        <a:font script="Tale" typeface="Microsoft Tai Le"/>
+        <a:font script="Talu" typeface="Microsoft New Tai Lue"/>
+        <a:font script="Tfng" typeface="Ebrima"/>
+      </a:majorFont>
+      <a:minorFont>
+        <a:latin typeface="等线" panose="020F0502020204030204"/>
+        <a:ea typeface=""/>
+        <a:cs typeface=""/>
+        <a:font script="Jpan" typeface="游ゴシック"/>
+        <a:font script="Hang" typeface="맑은 고딕"/>
+        <a:font script="Hans" typeface="等线"/>
+        <a:font script="Hant" typeface="新細明體"/>
+        <a:font script="Arab" typeface="Arial"/>
+        <a:font script="Hebr" typeface="Arial"/>
+        <a:font script="Thai" typeface="Cordia New"/>
+        <a:font script="Ethi" typeface="Nyala"/>
+        <a:font script="Beng" typeface="Vrinda"/>
+        <a:font script="Gujr" typeface="Shruti"/>
+        <a:font script="Khmr" typeface="DaunPenh"/>
+        <a:font script="Knda" typeface="Tunga"/>
+        <a:font script="Guru" typeface="Raavi"/>
+        <a:font script="Cans" typeface="Euphemia"/>
+        <a:font script="Cher" typeface="Plantagenet Cherokee"/>
+        <a:font script="Yiii" typeface="Microsoft Yi Baiti"/>
+        <a:font script="Tibt" typeface="Microsoft Himalaya"/>
+        <a:font script="Thaa" typeface="MV Boli"/>
+        <a:font script="Deva" typeface="Mangal"/>
+        <a:font script="Telu" typeface="Gautami"/>
+        <a:font script="Taml" typeface="Latha"/>
+        <a:font script="Syrc" typeface="Estrangelo Edessa"/>
+        <a:font script="Orya" typeface="Kalinga"/>
+        <a:font script="Mlym" typeface="Kartika"/>
+        <a:font script="Laoo" typeface="DokChampa"/>
+        <a:font script="Sinh" typeface="Iskoola Pota"/>
+        <a:font script="Mong" typeface="Mongolian Baiti"/>
+        <a:font script="Viet" typeface="Arial"/>
+        <a:font script="Uigh" typeface="Microsoft Uighur"/>
+        <a:font script="Geor" typeface="Sylfaen"/>
+        <a:font script="Armn" typeface="Arial"/>
+        <a:font script="Bugi" typeface="Leelawadee UI"/>
+        <a:font script="Bopo" typeface="Microsoft JhengHei"/>
+        <a:font script="Java" typeface="Javanese Text"/>
+        <a:font script="Lisu" typeface="Segoe UI"/>
+        <a:font script="Mymr" typeface="Myanmar Text"/>
+        <a:font script="Nkoo" typeface="Ebrima"/>
+        <a:font script="Olck" typeface="Nirmala UI"/>
+        <a:font script="Osma" typeface="Ebrima"/>
+        <a:font script="Phag" typeface="Phagspa"/>
+        <a:font script="Syrn" typeface="Estrangelo Edessa"/>
+        <a:font script="Syrj" typeface="Estrangelo Edessa"/>
+        <a:font script="Syre" typeface="Estrangelo Edessa"/>
+        <a:font script="Sora" typeface="Nirmala UI"/>
+        <a:font script="Tale" typeface="Microsoft Tai Le"/>
+        <a:font script="Talu" typeface="Microsoft New Tai Lue"/>
+        <a:font script="Tfng" typeface="Ebrima"/>
+      </a:minorFont>
+    </a:fontScheme>
+    <a:fmtScheme name="Office">
+      <a:fillStyleLst>
+        <a:solidFill>
+          <a:schemeClr val="phClr"/>
+        </a:solidFill>
+        <a:gradFill rotWithShape="1">
+          <a:gsLst>
+            <a:gs pos="0">
+              <a:schemeClr val="phClr">
+                <a:lumMod val="110000"/>
+                <a:satMod val="105000"/>
+                <a:tint val="67000"/>
+              </a:schemeClr>
+            </a:gs>
+            <a:gs pos="50000">
+              <a:schemeClr val="phClr">
+                <a:lumMod val="105000"/>
+                <a:satMod val="103000"/>
+                <a:tint val="73000"/>
+              </a:schemeClr>
+            </a:gs>
+            <a:gs pos="100000">
+              <a:schemeClr val="phClr">
+                <a:lumMod val="105000"/>
+                <a:satMod val="109000"/>
+                <a:tint val="81000"/>
+              </a:schemeClr>
+            </a:gs>
+          </a:gsLst>
+          <a:lin ang="5400000" scaled="0"/>
+        </a:gradFill>
+        <a:gradFill rotWithShape="1">
+          <a:gsLst>
+            <a:gs pos="0">
+              <a:schemeClr val="phClr">
+                <a:satMod val="103000"/>
+                <a:lumMod val="102000"/>
+                <a:tint val="94000"/>
+              </a:schemeClr>
+            </a:gs>
+            <a:gs pos="50000">
+              <a:schemeClr val="phClr">
+                <a:satMod val="110000"/>
+                <a:lumMod val="100000"/>
+                <a:shade val="100000"/>
+              </a:schemeClr>
+            </a:gs>
+            <a:gs pos="100000">
+              <a:schemeClr val="phClr">
+                <a:lumMod val="99000"/>
+                <a:satMod val="120000"/>
+                <a:shade val="78000"/>
+              </a:schemeClr>
+            </a:gs>
+          </a:gsLst>
+          <a:lin ang="5400000" scaled="0"/>
+        </a:gradFill>
+      </a:fillStyleLst>
+      <a:lnStyleLst>
+        <a:ln w="6350" cap="flat" cmpd="sng" algn="ctr">
+          <a:solidFill>
+            <a:schemeClr val="phClr"/>
+          </a:solidFill>
+          <a:prstDash val="solid"/>
+          <a:miter lim="800000"/>
+        </a:ln>
+        <a:ln w="12700" cap="flat" cmpd="sng" algn="ctr">
+          <a:solidFill>
+            <a:schemeClr val="phClr"/>
+          </a:solidFill>
+          <a:prstDash val="solid"/>
+          <a:miter lim="800000"/>
+        </a:ln>
+        <a:ln w="19050" cap="flat" cmpd="sng" algn="ctr">
+          <a:solidFill>
+            <a:schemeClr val="phClr"/>
+          </a:solidFill>
+          <a:prstDash val="solid"/>
+          <a:miter lim="800000"/>
+        </a:ln>
+      </a:lnStyleLst>
+      <a:effectStyleLst>
+        <a:effectStyle>
+          <a:effectLst/>
+        </a:effectStyle>
+        <a:effectStyle>
+          <a:effectLst/>
+        </a:effectStyle>
+        <a:effectStyle>
+          <a:effectLst>
+            <a:outerShdw blurRad="57150" dist="19050" dir="5400000" algn="ctr" rotWithShape="0">
+              <a:srgbClr val="000000">
+                <a:alpha val="63000"/>
+              </a:srgbClr>
+            </a:outerShdw>
+          </a:effectLst>
+        </a:effectStyle>
+      </a:effectStyleLst>
+      <a:bgFillStyleLst>
+        <a:solidFill>
+          <a:schemeClr val="phClr"/>
+        </a:solidFill>
+        <a:solidFill>
+          <a:schemeClr val="phClr">
+            <a:tint val="95000"/>
+            <a:satMod val="170000"/>
+          </a:schemeClr>
+        </a:solidFill>
+        <a:gradFill rotWithShape="1">
+          <a:gsLst>
+            <a:gs pos="0">
+              <a:schemeClr val="phClr">
+                <a:tint val="93000"/>
+                <a:satMod val="150000"/>
+                <a:shade val="98000"/>
+                <a:lumMod val="102000"/>
+              </a:schemeClr>
+            </a:gs>
+            <a:gs pos="50000">
+              <a:schemeClr val="phClr">
+                <a:tint val="98000"/>
+                <a:satMod val="130000"/>
+                <a:shade val="90000"/>
+                <a:lumMod val="103000"/>
+              </a:schemeClr>
+            </a:gs>
+            <a:gs pos="100000">
+              <a:schemeClr val="phClr">
+                <a:shade val="63000"/>
+                <a:satMod val="120000"/>
+              </a:schemeClr>
+            </a:gs>
+          </a:gsLst>
+          <a:lin ang="5400000" scaled="0"/>
+        </a:gradFill>
+      </a:bgFillStyleLst>
+    </a:fmtScheme>
+  </a:themeElements>
+  <a:objectDefaults/>
+  <a:extraClrSchemeLst/>
+  <a:extLst>
+    <a:ext uri="{05A4C25C-085E-4340-85A3-A5531E510DB2}">
+      <thm15:themeFamily xmlns:thm15="http://schemas.microsoft.com/office/thememl/2012/main" name="Office Theme" id="{62F939B6-93AF-4DB8-9C6B-D6C7DFDC589F}" vid="{4A3C46E8-61CC-4603-A589-7422A47A8E4A}"/>
+    </a:ext>
+  </a:extLst>
+</a:theme>
 </file>